--- a/doc/20210326 ACS presentation.pptx
+++ b/doc/20210326 ACS presentation.pptx
@@ -5,33 +5,37 @@
     <p:sldMasterId id="2147483660" r:id="rId1"/>
   </p:sldMasterIdLst>
   <p:notesMasterIdLst>
-    <p:notesMasterId r:id="rId26"/>
+    <p:notesMasterId r:id="rId30"/>
   </p:notesMasterIdLst>
   <p:sldIdLst>
     <p:sldId id="256" r:id="rId2"/>
     <p:sldId id="286" r:id="rId3"/>
     <p:sldId id="285" r:id="rId4"/>
     <p:sldId id="287" r:id="rId5"/>
-    <p:sldId id="288" r:id="rId6"/>
-    <p:sldId id="289" r:id="rId7"/>
-    <p:sldId id="290" r:id="rId8"/>
-    <p:sldId id="283" r:id="rId9"/>
-    <p:sldId id="271" r:id="rId10"/>
-    <p:sldId id="272" r:id="rId11"/>
-    <p:sldId id="284" r:id="rId12"/>
-    <p:sldId id="265" r:id="rId13"/>
-    <p:sldId id="280" r:id="rId14"/>
-    <p:sldId id="274" r:id="rId15"/>
-    <p:sldId id="282" r:id="rId16"/>
-    <p:sldId id="273" r:id="rId17"/>
-    <p:sldId id="277" r:id="rId18"/>
-    <p:sldId id="260" r:id="rId19"/>
-    <p:sldId id="278" r:id="rId20"/>
-    <p:sldId id="276" r:id="rId21"/>
-    <p:sldId id="261" r:id="rId22"/>
-    <p:sldId id="262" r:id="rId23"/>
-    <p:sldId id="269" r:id="rId24"/>
-    <p:sldId id="279" r:id="rId25"/>
+    <p:sldId id="291" r:id="rId6"/>
+    <p:sldId id="292" r:id="rId7"/>
+    <p:sldId id="293" r:id="rId8"/>
+    <p:sldId id="294" r:id="rId9"/>
+    <p:sldId id="288" r:id="rId10"/>
+    <p:sldId id="289" r:id="rId11"/>
+    <p:sldId id="290" r:id="rId12"/>
+    <p:sldId id="283" r:id="rId13"/>
+    <p:sldId id="271" r:id="rId14"/>
+    <p:sldId id="272" r:id="rId15"/>
+    <p:sldId id="284" r:id="rId16"/>
+    <p:sldId id="265" r:id="rId17"/>
+    <p:sldId id="280" r:id="rId18"/>
+    <p:sldId id="274" r:id="rId19"/>
+    <p:sldId id="282" r:id="rId20"/>
+    <p:sldId id="273" r:id="rId21"/>
+    <p:sldId id="277" r:id="rId22"/>
+    <p:sldId id="260" r:id="rId23"/>
+    <p:sldId id="278" r:id="rId24"/>
+    <p:sldId id="276" r:id="rId25"/>
+    <p:sldId id="261" r:id="rId26"/>
+    <p:sldId id="262" r:id="rId27"/>
+    <p:sldId id="269" r:id="rId28"/>
+    <p:sldId id="279" r:id="rId29"/>
   </p:sldIdLst>
   <p:sldSz cx="12192000" cy="6858000"/>
   <p:notesSz cx="6858000" cy="9144000"/>
@@ -16571,7 +16575,7 @@
           <a:p>
             <a:fld id="{303AB7D7-D5A4-4A9C-8AD6-2C55E0D1ABF5}" type="slidenum">
               <a:rPr lang="zh-CN" altLang="en-US" smtClean="0"/>
-              <a:t>15</a:t>
+              <a:t>19</a:t>
             </a:fld>
             <a:endParaRPr lang="zh-CN" altLang="en-US"/>
           </a:p>
@@ -20054,6 +20058,1442 @@
   <p:cSld>
     <p:spTree>
       <p:nvGrpSpPr>
+        <p:cNvPr id="1" name=""/>
+        <p:cNvGrpSpPr/>
+        <p:nvPr/>
+      </p:nvGrpSpPr>
+      <p:grpSpPr>
+        <a:xfrm>
+          <a:off x="0" y="0"/>
+          <a:ext cx="0" cy="0"/>
+          <a:chOff x="0" y="0"/>
+          <a:chExt cx="0" cy="0"/>
+        </a:xfrm>
+      </p:grpSpPr>
+      <p:sp>
+        <p:nvSpPr>
+          <p:cNvPr id="2" name="Title 1">
+            <a:extLst>
+              <a:ext uri="{FF2B5EF4-FFF2-40B4-BE49-F238E27FC236}">
+                <a16:creationId xmlns:a16="http://schemas.microsoft.com/office/drawing/2014/main" id="{CD2FB4A2-FEAC-40CE-A9ED-D2118E13048A}"/>
+              </a:ext>
+            </a:extLst>
+          </p:cNvPr>
+          <p:cNvSpPr>
+            <a:spLocks noGrp="1"/>
+          </p:cNvSpPr>
+          <p:nvPr>
+            <p:ph type="title"/>
+          </p:nvPr>
+        </p:nvSpPr>
+        <p:spPr/>
+        <p:txBody>
+          <a:bodyPr/>
+          <a:lstStyle/>
+          <a:p>
+            <a:r>
+              <a:rPr lang="en-US" altLang="zh-CN" dirty="0"/>
+              <a:t>Data mining</a:t>
+            </a:r>
+            <a:endParaRPr lang="zh-CN" altLang="en-US" dirty="0"/>
+          </a:p>
+        </p:txBody>
+      </p:sp>
+      <p:sp>
+        <p:nvSpPr>
+          <p:cNvPr id="3" name="Content Placeholder 2">
+            <a:extLst>
+              <a:ext uri="{FF2B5EF4-FFF2-40B4-BE49-F238E27FC236}">
+                <a16:creationId xmlns:a16="http://schemas.microsoft.com/office/drawing/2014/main" id="{14415B4A-FF5A-4BA1-985B-F34837D9E72C}"/>
+              </a:ext>
+            </a:extLst>
+          </p:cNvPr>
+          <p:cNvSpPr>
+            <a:spLocks noGrp="1"/>
+          </p:cNvSpPr>
+          <p:nvPr>
+            <p:ph idx="1"/>
+          </p:nvPr>
+        </p:nvSpPr>
+        <p:spPr/>
+        <p:txBody>
+          <a:bodyPr/>
+          <a:lstStyle/>
+          <a:p>
+            <a:r>
+              <a:rPr lang="en-US" altLang="zh-CN" dirty="0"/>
+              <a:t>Show </a:t>
+            </a:r>
+            <a:r>
+              <a:rPr lang="en-US" altLang="zh-CN" dirty="0" err="1"/>
+              <a:t>dbscan</a:t>
+            </a:r>
+            <a:r>
+              <a:rPr lang="en-US" altLang="zh-CN" dirty="0"/>
+              <a:t> trend plot</a:t>
+            </a:r>
+            <a:endParaRPr lang="zh-CN" altLang="en-US" dirty="0"/>
+          </a:p>
+        </p:txBody>
+      </p:sp>
+    </p:spTree>
+    <p:extLst>
+      <p:ext uri="{BB962C8B-B14F-4D97-AF65-F5344CB8AC3E}">
+        <p14:creationId xmlns:p14="http://schemas.microsoft.com/office/powerpoint/2010/main" val="4245022924"/>
+      </p:ext>
+    </p:extLst>
+  </p:cSld>
+  <p:clrMapOvr>
+    <a:masterClrMapping/>
+  </p:clrMapOvr>
+</p:sld>
+</file>
+
+<file path=ppt/slides/slide11.xml><?xml version="1.0" encoding="utf-8"?>
+<p:sld xmlns:a="http://schemas.openxmlformats.org/drawingml/2006/main" xmlns:r="http://schemas.openxmlformats.org/officeDocument/2006/relationships" xmlns:p="http://schemas.openxmlformats.org/presentationml/2006/main">
+  <p:cSld>
+    <p:spTree>
+      <p:nvGrpSpPr>
+        <p:cNvPr id="1" name=""/>
+        <p:cNvGrpSpPr/>
+        <p:nvPr/>
+      </p:nvGrpSpPr>
+      <p:grpSpPr>
+        <a:xfrm>
+          <a:off x="0" y="0"/>
+          <a:ext cx="0" cy="0"/>
+          <a:chOff x="0" y="0"/>
+          <a:chExt cx="0" cy="0"/>
+        </a:xfrm>
+      </p:grpSpPr>
+      <p:sp>
+        <p:nvSpPr>
+          <p:cNvPr id="2" name="Title 1">
+            <a:extLst>
+              <a:ext uri="{FF2B5EF4-FFF2-40B4-BE49-F238E27FC236}">
+                <a16:creationId xmlns:a16="http://schemas.microsoft.com/office/drawing/2014/main" id="{676E081A-78FE-4E90-B17F-8D710EFB0FBC}"/>
+              </a:ext>
+            </a:extLst>
+          </p:cNvPr>
+          <p:cNvSpPr>
+            <a:spLocks noGrp="1"/>
+          </p:cNvSpPr>
+          <p:nvPr>
+            <p:ph type="title"/>
+          </p:nvPr>
+        </p:nvSpPr>
+        <p:spPr/>
+        <p:txBody>
+          <a:bodyPr/>
+          <a:lstStyle/>
+          <a:p>
+            <a:r>
+              <a:rPr lang="en-US" altLang="zh-CN" dirty="0"/>
+              <a:t>Runtime &amp; port benchmark</a:t>
+            </a:r>
+            <a:endParaRPr lang="zh-CN" altLang="en-US" dirty="0"/>
+          </a:p>
+        </p:txBody>
+      </p:sp>
+      <p:sp>
+        <p:nvSpPr>
+          <p:cNvPr id="3" name="Content Placeholder 2">
+            <a:extLst>
+              <a:ext uri="{FF2B5EF4-FFF2-40B4-BE49-F238E27FC236}">
+                <a16:creationId xmlns:a16="http://schemas.microsoft.com/office/drawing/2014/main" id="{DEC3862E-202F-4376-8929-311F7E2F2448}"/>
+              </a:ext>
+            </a:extLst>
+          </p:cNvPr>
+          <p:cNvSpPr>
+            <a:spLocks noGrp="1"/>
+          </p:cNvSpPr>
+          <p:nvPr>
+            <p:ph idx="1"/>
+          </p:nvPr>
+        </p:nvSpPr>
+        <p:spPr/>
+        <p:txBody>
+          <a:bodyPr/>
+          <a:lstStyle/>
+          <a:p>
+            <a:r>
+              <a:rPr lang="en-US" altLang="zh-CN" dirty="0"/>
+              <a:t>Runtime benchmark</a:t>
+            </a:r>
+          </a:p>
+          <a:p>
+            <a:r>
+              <a:rPr lang="en-US" altLang="zh-CN" dirty="0" err="1"/>
+              <a:t>Hyak</a:t>
+            </a:r>
+            <a:r>
+              <a:rPr lang="en-US" altLang="zh-CN" dirty="0"/>
+              <a:t> capability – citation?</a:t>
+            </a:r>
+            <a:endParaRPr lang="zh-CN" altLang="en-US" dirty="0"/>
+          </a:p>
+        </p:txBody>
+      </p:sp>
+    </p:spTree>
+    <p:extLst>
+      <p:ext uri="{BB962C8B-B14F-4D97-AF65-F5344CB8AC3E}">
+        <p14:creationId xmlns:p14="http://schemas.microsoft.com/office/powerpoint/2010/main" val="878207936"/>
+      </p:ext>
+    </p:extLst>
+  </p:cSld>
+  <p:clrMapOvr>
+    <a:masterClrMapping/>
+  </p:clrMapOvr>
+</p:sld>
+</file>
+
+<file path=ppt/slides/slide12.xml><?xml version="1.0" encoding="utf-8"?>
+<p:sld xmlns:a="http://schemas.openxmlformats.org/drawingml/2006/main" xmlns:r="http://schemas.openxmlformats.org/officeDocument/2006/relationships" xmlns:p="http://schemas.openxmlformats.org/presentationml/2006/main">
+  <p:cSld>
+    <p:bg>
+      <p:bgPr>
+        <a:solidFill>
+          <a:schemeClr val="bg1"/>
+        </a:solidFill>
+        <a:effectLst/>
+      </p:bgPr>
+    </p:bg>
+    <p:spTree>
+      <p:nvGrpSpPr>
+        <p:cNvPr id="1" name=""/>
+        <p:cNvGrpSpPr/>
+        <p:nvPr/>
+      </p:nvGrpSpPr>
+      <p:grpSpPr>
+        <a:xfrm>
+          <a:off x="0" y="0"/>
+          <a:ext cx="0" cy="0"/>
+          <a:chOff x="0" y="0"/>
+          <a:chExt cx="0" cy="0"/>
+        </a:xfrm>
+      </p:grpSpPr>
+      <p:sp>
+        <p:nvSpPr>
+          <p:cNvPr id="13" name="Rectangle 12">
+            <a:extLst>
+              <a:ext uri="{FF2B5EF4-FFF2-40B4-BE49-F238E27FC236}">
+                <a16:creationId xmlns:a16="http://schemas.microsoft.com/office/drawing/2014/main" id="{AD6F6937-3B5A-4391-9F37-58A571B362A9}"/>
+              </a:ext>
+              <a:ext uri="{C183D7F6-B498-43B3-948B-1728B52AA6E4}">
+                <adec:decorative xmlns:adec="http://schemas.microsoft.com/office/drawing/2017/decorative" val="1"/>
+              </a:ext>
+            </a:extLst>
+          </p:cNvPr>
+          <p:cNvSpPr>
+            <a:spLocks noGrp="1" noRot="1" noChangeAspect="1" noMove="1" noResize="1" noEditPoints="1" noAdjustHandles="1" noChangeArrowheads="1" noChangeShapeType="1" noTextEdit="1"/>
+          </p:cNvSpPr>
+          <p:nvPr>
+            <p:extLst>
+              <p:ext uri="{386F3935-93C4-4BCD-93E2-E3B085C9AB24}">
+                <p16:designElem xmlns:p16="http://schemas.microsoft.com/office/powerpoint/2015/main" val="1"/>
+              </p:ext>
+            </p:extLst>
+          </p:nvPr>
+        </p:nvSpPr>
+        <p:spPr>
+          <a:xfrm>
+            <a:off x="0" y="0"/>
+            <a:ext cx="4059080" cy="6858000"/>
+          </a:xfrm>
+          <a:prstGeom prst="rect">
+            <a:avLst/>
+          </a:prstGeom>
+          <a:solidFill>
+            <a:schemeClr val="accent1"/>
+          </a:solidFill>
+          <a:ln>
+            <a:noFill/>
+          </a:ln>
+        </p:spPr>
+        <p:style>
+          <a:lnRef idx="2">
+            <a:schemeClr val="accent1">
+              <a:shade val="50000"/>
+            </a:schemeClr>
+          </a:lnRef>
+          <a:fillRef idx="1">
+            <a:schemeClr val="accent1"/>
+          </a:fillRef>
+          <a:effectRef idx="0">
+            <a:schemeClr val="accent1"/>
+          </a:effectRef>
+          <a:fontRef idx="minor">
+            <a:schemeClr val="lt1"/>
+          </a:fontRef>
+        </p:style>
+        <p:txBody>
+          <a:bodyPr rtlCol="0" anchor="ctr"/>
+          <a:lstStyle/>
+          <a:p>
+            <a:pPr algn="ctr"/>
+            <a:endParaRPr lang="en-US"/>
+          </a:p>
+        </p:txBody>
+      </p:sp>
+      <p:sp>
+        <p:nvSpPr>
+          <p:cNvPr id="2" name="Title 1">
+            <a:extLst>
+              <a:ext uri="{FF2B5EF4-FFF2-40B4-BE49-F238E27FC236}">
+                <a16:creationId xmlns:a16="http://schemas.microsoft.com/office/drawing/2014/main" id="{70B11480-DC07-4DA8-90BD-2BBECBB89784}"/>
+              </a:ext>
+            </a:extLst>
+          </p:cNvPr>
+          <p:cNvSpPr>
+            <a:spLocks noGrp="1"/>
+          </p:cNvSpPr>
+          <p:nvPr>
+            <p:ph type="title"/>
+          </p:nvPr>
+        </p:nvSpPr>
+        <p:spPr>
+          <a:xfrm>
+            <a:off x="657224" y="936711"/>
+            <a:ext cx="2988265" cy="4984578"/>
+          </a:xfrm>
+        </p:spPr>
+        <p:txBody>
+          <a:bodyPr>
+            <a:normAutofit/>
+          </a:bodyPr>
+          <a:lstStyle/>
+          <a:p>
+            <a:r>
+              <a:rPr lang="en-US" altLang="zh-CN" sz="4400">
+                <a:solidFill>
+                  <a:srgbClr val="FFFFFF"/>
+                </a:solidFill>
+              </a:rPr>
+              <a:t>User case</a:t>
+            </a:r>
+            <a:endParaRPr lang="zh-CN" altLang="en-US" sz="4400">
+              <a:solidFill>
+                <a:srgbClr val="FFFFFF"/>
+              </a:solidFill>
+            </a:endParaRPr>
+          </a:p>
+        </p:txBody>
+      </p:sp>
+      <p:sp>
+        <p:nvSpPr>
+          <p:cNvPr id="3" name="Content Placeholder 2">
+            <a:extLst>
+              <a:ext uri="{FF2B5EF4-FFF2-40B4-BE49-F238E27FC236}">
+                <a16:creationId xmlns:a16="http://schemas.microsoft.com/office/drawing/2014/main" id="{91BB9684-6BF2-4ED6-A979-8CDD6D3D8AED}"/>
+              </a:ext>
+            </a:extLst>
+          </p:cNvPr>
+          <p:cNvSpPr>
+            <a:spLocks noGrp="1"/>
+          </p:cNvSpPr>
+          <p:nvPr>
+            <p:ph idx="1"/>
+          </p:nvPr>
+        </p:nvSpPr>
+        <p:spPr>
+          <a:xfrm>
+            <a:off x="4614389" y="936711"/>
+            <a:ext cx="6815992" cy="4984578"/>
+          </a:xfrm>
+        </p:spPr>
+        <p:txBody>
+          <a:bodyPr anchor="ctr">
+            <a:normAutofit/>
+          </a:bodyPr>
+          <a:lstStyle/>
+          <a:p>
+            <a:r>
+              <a:rPr lang="en-US" altLang="zh-CN" sz="2200"/>
+              <a:t>Users: HRMS instrument users </a:t>
+            </a:r>
+          </a:p>
+          <a:p>
+            <a:r>
+              <a:rPr lang="en-US" altLang="zh-CN" sz="2200"/>
+              <a:t>Usage:</a:t>
+            </a:r>
+            <a:r>
+              <a:rPr lang="zh-CN" altLang="en-US" sz="2200"/>
+              <a:t> </a:t>
+            </a:r>
+            <a:endParaRPr lang="en-US" altLang="zh-CN" sz="2200"/>
+          </a:p>
+          <a:p>
+            <a:pPr lvl="1"/>
+            <a:r>
+              <a:rPr lang="en-US" altLang="zh-CN" sz="2200"/>
+              <a:t>Data</a:t>
+            </a:r>
+            <a:r>
+              <a:rPr lang="zh-CN" altLang="en-US" sz="2200"/>
+              <a:t> </a:t>
+            </a:r>
+            <a:r>
+              <a:rPr lang="en-US" altLang="zh-CN" sz="2200"/>
+              <a:t>import</a:t>
+            </a:r>
+          </a:p>
+          <a:p>
+            <a:pPr lvl="1"/>
+            <a:r>
+              <a:rPr lang="en-US" altLang="zh-CN" sz="2200"/>
+              <a:t>Translation to readable format</a:t>
+            </a:r>
+          </a:p>
+          <a:p>
+            <a:pPr lvl="1"/>
+            <a:r>
+              <a:rPr lang="en-US" altLang="zh-CN" sz="2200"/>
+              <a:t>Visualization</a:t>
+            </a:r>
+          </a:p>
+          <a:p>
+            <a:pPr lvl="1"/>
+            <a:r>
+              <a:rPr lang="en-US" altLang="zh-CN" sz="2200"/>
+              <a:t>Find end member</a:t>
+            </a:r>
+          </a:p>
+          <a:p>
+            <a:pPr lvl="1"/>
+            <a:r>
+              <a:rPr lang="en-US" altLang="zh-CN" sz="2200"/>
+              <a:t>Advanced analysis</a:t>
+            </a:r>
+          </a:p>
+          <a:p>
+            <a:r>
+              <a:rPr lang="en-US" altLang="zh-CN" sz="2200"/>
+              <a:t>Input data:</a:t>
+            </a:r>
+          </a:p>
+          <a:p>
+            <a:pPr lvl="1"/>
+            <a:r>
+              <a:rPr lang="en-US" altLang="zh-CN" sz="2200"/>
+              <a:t>Converted HRMS data in .mzml format</a:t>
+            </a:r>
+          </a:p>
+          <a:p>
+            <a:r>
+              <a:rPr lang="en-US" altLang="zh-CN" sz="2200"/>
+              <a:t>Outputs:</a:t>
+            </a:r>
+          </a:p>
+          <a:p>
+            <a:pPr lvl="1"/>
+            <a:r>
+              <a:rPr lang="en-US" altLang="zh-CN" sz="2200"/>
+              <a:t>Data report</a:t>
+            </a:r>
+          </a:p>
+          <a:p>
+            <a:pPr lvl="1"/>
+            <a:r>
+              <a:rPr lang="en-US" altLang="zh-CN" sz="2200"/>
+              <a:t>Visualization plots</a:t>
+            </a:r>
+          </a:p>
+          <a:p>
+            <a:pPr lvl="1"/>
+            <a:r>
+              <a:rPr lang="en-US" altLang="zh-CN" sz="2200"/>
+              <a:t>Data analysis results based on user settings</a:t>
+            </a:r>
+          </a:p>
+          <a:p>
+            <a:pPr lvl="1"/>
+            <a:endParaRPr lang="en-US" altLang="zh-CN" sz="2200"/>
+          </a:p>
+          <a:p>
+            <a:pPr lvl="1"/>
+            <a:endParaRPr lang="en-US" altLang="zh-CN" sz="2200"/>
+          </a:p>
+        </p:txBody>
+      </p:sp>
+    </p:spTree>
+    <p:extLst>
+      <p:ext uri="{BB962C8B-B14F-4D97-AF65-F5344CB8AC3E}">
+        <p14:creationId xmlns:p14="http://schemas.microsoft.com/office/powerpoint/2010/main" val="1185393893"/>
+      </p:ext>
+    </p:extLst>
+  </p:cSld>
+  <p:clrMapOvr>
+    <a:masterClrMapping/>
+  </p:clrMapOvr>
+</p:sld>
+</file>
+
+<file path=ppt/slides/slide13.xml><?xml version="1.0" encoding="utf-8"?>
+<p:sld xmlns:a="http://schemas.openxmlformats.org/drawingml/2006/main" xmlns:r="http://schemas.openxmlformats.org/officeDocument/2006/relationships" xmlns:p="http://schemas.openxmlformats.org/presentationml/2006/main">
+  <p:cSld>
+    <p:bg>
+      <p:bgPr>
+        <a:solidFill>
+          <a:schemeClr val="bg1"/>
+        </a:solidFill>
+        <a:effectLst/>
+      </p:bgPr>
+    </p:bg>
+    <p:spTree>
+      <p:nvGrpSpPr>
+        <p:cNvPr id="1" name="Shape 146"/>
+        <p:cNvGrpSpPr/>
+        <p:nvPr/>
+      </p:nvGrpSpPr>
+      <p:grpSpPr>
+        <a:xfrm>
+          <a:off x="0" y="0"/>
+          <a:ext cx="0" cy="0"/>
+          <a:chOff x="0" y="0"/>
+          <a:chExt cx="0" cy="0"/>
+        </a:xfrm>
+      </p:grpSpPr>
+      <p:sp>
+        <p:nvSpPr>
+          <p:cNvPr id="104" name="Rectangle 103">
+            <a:extLst>
+              <a:ext uri="{FF2B5EF4-FFF2-40B4-BE49-F238E27FC236}">
+                <a16:creationId xmlns:a16="http://schemas.microsoft.com/office/drawing/2014/main" id="{07CEFFDD-605F-41E2-8017-6484074C5CAA}"/>
+              </a:ext>
+              <a:ext uri="{C183D7F6-B498-43B3-948B-1728B52AA6E4}">
+                <adec:decorative xmlns:adec="http://schemas.microsoft.com/office/drawing/2017/decorative" val="1"/>
+              </a:ext>
+            </a:extLst>
+          </p:cNvPr>
+          <p:cNvSpPr>
+            <a:spLocks noGrp="1" noRot="1" noChangeAspect="1" noMove="1" noResize="1" noEditPoints="1" noAdjustHandles="1" noChangeArrowheads="1" noChangeShapeType="1" noTextEdit="1"/>
+          </p:cNvSpPr>
+          <p:nvPr>
+            <p:extLst>
+              <p:ext uri="{386F3935-93C4-4BCD-93E2-E3B085C9AB24}">
+                <p16:designElem xmlns:p16="http://schemas.microsoft.com/office/powerpoint/2015/main" val="1"/>
+              </p:ext>
+            </p:extLst>
+          </p:nvPr>
+        </p:nvSpPr>
+        <p:spPr>
+          <a:xfrm>
+            <a:off x="7555992" y="0"/>
+            <a:ext cx="4636008" cy="6858000"/>
+          </a:xfrm>
+          <a:prstGeom prst="rect">
+            <a:avLst/>
+          </a:prstGeom>
+          <a:solidFill>
+            <a:schemeClr val="accent1"/>
+          </a:solidFill>
+          <a:ln>
+            <a:noFill/>
+          </a:ln>
+        </p:spPr>
+        <p:style>
+          <a:lnRef idx="2">
+            <a:schemeClr val="accent1">
+              <a:shade val="50000"/>
+            </a:schemeClr>
+          </a:lnRef>
+          <a:fillRef idx="1">
+            <a:schemeClr val="accent1"/>
+          </a:fillRef>
+          <a:effectRef idx="0">
+            <a:schemeClr val="accent1"/>
+          </a:effectRef>
+          <a:fontRef idx="minor">
+            <a:schemeClr val="lt1"/>
+          </a:fontRef>
+        </p:style>
+        <p:txBody>
+          <a:bodyPr rtlCol="0" anchor="ctr"/>
+          <a:lstStyle/>
+          <a:p>
+            <a:pPr algn="ctr"/>
+            <a:endParaRPr lang="en-US"/>
+          </a:p>
+        </p:txBody>
+      </p:sp>
+      <p:sp>
+        <p:nvSpPr>
+          <p:cNvPr id="149" name="Google Shape;149;p28"/>
+          <p:cNvSpPr txBox="1">
+            <a:spLocks noGrp="1"/>
+          </p:cNvSpPr>
+          <p:nvPr>
+            <p:ph type="title"/>
+          </p:nvPr>
+        </p:nvSpPr>
+        <p:spPr>
+          <a:xfrm>
+            <a:off x="8061245" y="2595231"/>
+            <a:ext cx="3401568" cy="1920240"/>
+          </a:xfrm>
+          <a:prstGeom prst="rect">
+            <a:avLst/>
+          </a:prstGeom>
+        </p:spPr>
+        <p:txBody>
+          <a:bodyPr spcFirstLastPara="1" vert="horz" lIns="91433" tIns="45700" rIns="91433" bIns="45700" rtlCol="0" anchor="b" anchorCtr="0">
+            <a:normAutofit/>
+          </a:bodyPr>
+          <a:lstStyle/>
+          <a:p>
+            <a:pPr>
+              <a:spcBef>
+                <a:spcPts val="0"/>
+              </a:spcBef>
+              <a:buClr>
+                <a:schemeClr val="dk1"/>
+              </a:buClr>
+              <a:buSzPts val="2700"/>
+            </a:pPr>
+            <a:r>
+              <a:rPr lang="en-US" altLang="zh-CN" sz="3400" dirty="0">
+                <a:solidFill>
+                  <a:srgbClr val="FFFFFF"/>
+                </a:solidFill>
+              </a:rPr>
+              <a:t>Peak picking</a:t>
+            </a:r>
+            <a:br>
+              <a:rPr lang="en-US" altLang="zh-CN" sz="3400" dirty="0">
+                <a:solidFill>
+                  <a:srgbClr val="FFFFFF"/>
+                </a:solidFill>
+              </a:rPr>
+            </a:br>
+            <a:r>
+              <a:rPr lang="en-US" altLang="zh-CN" sz="3400" dirty="0">
+                <a:solidFill>
+                  <a:srgbClr val="FFFFFF"/>
+                </a:solidFill>
+              </a:rPr>
+              <a:t>&amp;alignment</a:t>
+            </a:r>
+            <a:br>
+              <a:rPr lang="en-US" altLang="zh-CN" sz="3400" dirty="0">
+                <a:solidFill>
+                  <a:srgbClr val="FFFFFF"/>
+                </a:solidFill>
+              </a:rPr>
+            </a:br>
+            <a:br>
+              <a:rPr lang="en-US" altLang="zh-CN" sz="3400" dirty="0">
+                <a:solidFill>
+                  <a:srgbClr val="FFFFFF"/>
+                </a:solidFill>
+              </a:rPr>
+            </a:br>
+            <a:endParaRPr lang="en-US" sz="3400" dirty="0">
+              <a:solidFill>
+                <a:srgbClr val="FFFFFF"/>
+              </a:solidFill>
+            </a:endParaRPr>
+          </a:p>
+        </p:txBody>
+      </p:sp>
+      <p:grpSp>
+        <p:nvGrpSpPr>
+          <p:cNvPr id="151" name="Google Shape;151;p28"/>
+          <p:cNvGrpSpPr/>
+          <p:nvPr/>
+        </p:nvGrpSpPr>
+        <p:grpSpPr>
+          <a:xfrm>
+            <a:off x="633999" y="1058004"/>
+            <a:ext cx="6278529" cy="4752253"/>
+            <a:chOff x="0" y="151964"/>
+            <a:chExt cx="6967728" cy="5273911"/>
+          </a:xfrm>
+        </p:grpSpPr>
+        <p:sp>
+          <p:nvSpPr>
+            <p:cNvPr id="152" name="Google Shape;152;p28"/>
+            <p:cNvSpPr/>
+            <p:nvPr/>
+          </p:nvSpPr>
+          <p:spPr>
+            <a:xfrm>
+              <a:off x="0" y="402884"/>
+              <a:ext cx="6967728" cy="1338750"/>
+            </a:xfrm>
+            <a:prstGeom prst="rect">
+              <a:avLst/>
+            </a:prstGeom>
+            <a:solidFill>
+              <a:schemeClr val="lt1">
+                <a:alpha val="89803"/>
+              </a:schemeClr>
+            </a:solidFill>
+            <a:ln w="12700" cap="flat" cmpd="sng">
+              <a:solidFill>
+                <a:srgbClr val="4372C3"/>
+              </a:solidFill>
+              <a:prstDash val="solid"/>
+              <a:miter lim="800000"/>
+              <a:headEnd type="none" w="sm" len="sm"/>
+              <a:tailEnd type="none" w="sm" len="sm"/>
+            </a:ln>
+          </p:spPr>
+          <p:txBody>
+            <a:bodyPr spcFirstLastPara="1" wrap="square" lIns="91433" tIns="91433" rIns="91433" bIns="91433" anchor="ctr" anchorCtr="0">
+              <a:noAutofit/>
+            </a:bodyPr>
+            <a:lstStyle/>
+            <a:p>
+              <a:endParaRPr sz="2400"/>
+            </a:p>
+          </p:txBody>
+        </p:sp>
+        <p:sp>
+          <p:nvSpPr>
+            <p:cNvPr id="153" name="Google Shape;153;p28"/>
+            <p:cNvSpPr txBox="1"/>
+            <p:nvPr/>
+          </p:nvSpPr>
+          <p:spPr>
+            <a:xfrm>
+              <a:off x="0" y="402884"/>
+              <a:ext cx="6967728" cy="1338750"/>
+            </a:xfrm>
+            <a:prstGeom prst="rect">
+              <a:avLst/>
+            </a:prstGeom>
+            <a:noFill/>
+            <a:ln>
+              <a:noFill/>
+            </a:ln>
+          </p:spPr>
+          <p:txBody>
+            <a:bodyPr spcFirstLastPara="1" wrap="square" lIns="540767" tIns="354067" rIns="540767" bIns="120900" anchor="t" anchorCtr="0">
+              <a:normAutofit/>
+            </a:bodyPr>
+            <a:lstStyle/>
+            <a:p>
+              <a:pPr marL="169329" lvl="1" indent="-177796">
+                <a:lnSpc>
+                  <a:spcPct val="90000"/>
+                </a:lnSpc>
+                <a:buClr>
+                  <a:schemeClr val="dk1"/>
+                </a:buClr>
+                <a:buSzPts val="1300"/>
+                <a:buFont typeface="Arial"/>
+                <a:buChar char="•"/>
+              </a:pPr>
+              <a:r>
+                <a:rPr lang="en-US" altLang="zh-CN" sz="1300">
+                  <a:solidFill>
+                    <a:schemeClr val="dk1"/>
+                  </a:solidFill>
+                  <a:latin typeface="Arial"/>
+                  <a:ea typeface="Arial"/>
+                  <a:cs typeface="Arial"/>
+                  <a:sym typeface="Arial"/>
+                </a:rPr>
+                <a:t>Mainly based on pymzml package, which provided a high efficiency access to the raw data even during iterations</a:t>
+              </a:r>
+              <a:endParaRPr sz="1300">
+                <a:solidFill>
+                  <a:schemeClr val="dk1"/>
+                </a:solidFill>
+                <a:latin typeface="Arial"/>
+                <a:ea typeface="Arial"/>
+                <a:cs typeface="Arial"/>
+                <a:sym typeface="Arial"/>
+              </a:endParaRPr>
+            </a:p>
+            <a:p>
+              <a:pPr marL="169329" lvl="1" indent="-177796">
+                <a:lnSpc>
+                  <a:spcPct val="90000"/>
+                </a:lnSpc>
+                <a:spcBef>
+                  <a:spcPts val="267"/>
+                </a:spcBef>
+                <a:buClr>
+                  <a:schemeClr val="dk1"/>
+                </a:buClr>
+                <a:buSzPts val="1300"/>
+                <a:buFont typeface="Arial"/>
+                <a:buChar char="•"/>
+              </a:pPr>
+              <a:r>
+                <a:rPr lang="en-US" altLang="zh-CN" sz="1300">
+                  <a:solidFill>
+                    <a:schemeClr val="dk1"/>
+                  </a:solidFill>
+                  <a:latin typeface="Arial"/>
+                  <a:ea typeface="Arial"/>
+                  <a:cs typeface="Arial"/>
+                  <a:sym typeface="Arial"/>
+                </a:rPr>
+                <a:t>Single file/batch files option available</a:t>
+              </a:r>
+              <a:endParaRPr sz="1300">
+                <a:solidFill>
+                  <a:schemeClr val="dk1"/>
+                </a:solidFill>
+                <a:latin typeface="Arial"/>
+                <a:ea typeface="Arial"/>
+                <a:cs typeface="Arial"/>
+                <a:sym typeface="Arial"/>
+              </a:endParaRPr>
+            </a:p>
+          </p:txBody>
+        </p:sp>
+        <p:sp>
+          <p:nvSpPr>
+            <p:cNvPr id="154" name="Google Shape;154;p28"/>
+            <p:cNvSpPr/>
+            <p:nvPr/>
+          </p:nvSpPr>
+          <p:spPr>
+            <a:xfrm>
+              <a:off x="348386" y="151964"/>
+              <a:ext cx="4877409" cy="501840"/>
+            </a:xfrm>
+            <a:prstGeom prst="roundRect">
+              <a:avLst>
+                <a:gd name="adj" fmla="val 16667"/>
+              </a:avLst>
+            </a:prstGeom>
+            <a:solidFill>
+              <a:srgbClr val="4372C3"/>
+            </a:solidFill>
+            <a:ln w="12700" cap="flat" cmpd="sng">
+              <a:solidFill>
+                <a:schemeClr val="lt1"/>
+              </a:solidFill>
+              <a:prstDash val="solid"/>
+              <a:miter lim="800000"/>
+              <a:headEnd type="none" w="sm" len="sm"/>
+              <a:tailEnd type="none" w="sm" len="sm"/>
+            </a:ln>
+          </p:spPr>
+          <p:txBody>
+            <a:bodyPr spcFirstLastPara="1" wrap="square" lIns="91433" tIns="91433" rIns="91433" bIns="91433" anchor="ctr" anchorCtr="0">
+              <a:noAutofit/>
+            </a:bodyPr>
+            <a:lstStyle/>
+            <a:p>
+              <a:endParaRPr sz="2400"/>
+            </a:p>
+          </p:txBody>
+        </p:sp>
+        <p:sp>
+          <p:nvSpPr>
+            <p:cNvPr id="155" name="Google Shape;155;p28"/>
+            <p:cNvSpPr txBox="1"/>
+            <p:nvPr/>
+          </p:nvSpPr>
+          <p:spPr>
+            <a:xfrm>
+              <a:off x="372884" y="176462"/>
+              <a:ext cx="4828413" cy="452844"/>
+            </a:xfrm>
+            <a:prstGeom prst="rect">
+              <a:avLst/>
+            </a:prstGeom>
+            <a:noFill/>
+            <a:ln>
+              <a:noFill/>
+            </a:ln>
+          </p:spPr>
+          <p:txBody>
+            <a:bodyPr spcFirstLastPara="1" wrap="square" lIns="184367" tIns="0" rIns="184367" bIns="0" anchor="ctr" anchorCtr="0">
+              <a:normAutofit/>
+            </a:bodyPr>
+            <a:lstStyle/>
+            <a:p>
+              <a:pPr>
+                <a:lnSpc>
+                  <a:spcPct val="90000"/>
+                </a:lnSpc>
+                <a:spcAft>
+                  <a:spcPts val="600"/>
+                </a:spcAft>
+                <a:buClr>
+                  <a:schemeClr val="lt1"/>
+                </a:buClr>
+                <a:buSzPts val="1300"/>
+              </a:pPr>
+              <a:r>
+                <a:rPr lang="en-US" altLang="zh-CN" sz="2400">
+                  <a:solidFill>
+                    <a:schemeClr val="lt1"/>
+                  </a:solidFill>
+                  <a:latin typeface="Arial"/>
+                  <a:ea typeface="Arial"/>
+                  <a:cs typeface="Arial"/>
+                  <a:sym typeface="Arial"/>
+                </a:rPr>
+                <a:t>Mzml file import</a:t>
+              </a:r>
+              <a:endParaRPr sz="2400">
+                <a:solidFill>
+                  <a:schemeClr val="lt1"/>
+                </a:solidFill>
+                <a:latin typeface="Arial"/>
+                <a:ea typeface="Arial"/>
+                <a:cs typeface="Arial"/>
+                <a:sym typeface="Arial"/>
+              </a:endParaRPr>
+            </a:p>
+          </p:txBody>
+        </p:sp>
+        <p:sp>
+          <p:nvSpPr>
+            <p:cNvPr id="156" name="Google Shape;156;p28"/>
+            <p:cNvSpPr/>
+            <p:nvPr/>
+          </p:nvSpPr>
+          <p:spPr>
+            <a:xfrm>
+              <a:off x="0" y="2084355"/>
+              <a:ext cx="6967728" cy="1071000"/>
+            </a:xfrm>
+            <a:prstGeom prst="rect">
+              <a:avLst/>
+            </a:prstGeom>
+            <a:solidFill>
+              <a:schemeClr val="lt1">
+                <a:alpha val="89803"/>
+              </a:schemeClr>
+            </a:solidFill>
+            <a:ln w="12700" cap="flat" cmpd="sng">
+              <a:solidFill>
+                <a:srgbClr val="4372C3"/>
+              </a:solidFill>
+              <a:prstDash val="solid"/>
+              <a:miter lim="800000"/>
+              <a:headEnd type="none" w="sm" len="sm"/>
+              <a:tailEnd type="none" w="sm" len="sm"/>
+            </a:ln>
+          </p:spPr>
+          <p:txBody>
+            <a:bodyPr spcFirstLastPara="1" wrap="square" lIns="91433" tIns="91433" rIns="91433" bIns="91433" anchor="ctr" anchorCtr="0">
+              <a:noAutofit/>
+            </a:bodyPr>
+            <a:lstStyle/>
+            <a:p>
+              <a:endParaRPr sz="2400"/>
+            </a:p>
+          </p:txBody>
+        </p:sp>
+        <p:sp>
+          <p:nvSpPr>
+            <p:cNvPr id="157" name="Google Shape;157;p28"/>
+            <p:cNvSpPr txBox="1"/>
+            <p:nvPr/>
+          </p:nvSpPr>
+          <p:spPr>
+            <a:xfrm>
+              <a:off x="0" y="2084355"/>
+              <a:ext cx="6967728" cy="1071000"/>
+            </a:xfrm>
+            <a:prstGeom prst="rect">
+              <a:avLst/>
+            </a:prstGeom>
+            <a:noFill/>
+            <a:ln>
+              <a:noFill/>
+            </a:ln>
+          </p:spPr>
+          <p:txBody>
+            <a:bodyPr spcFirstLastPara="1" wrap="square" lIns="540767" tIns="354067" rIns="540767" bIns="120900" anchor="t" anchorCtr="0">
+              <a:normAutofit/>
+            </a:bodyPr>
+            <a:lstStyle/>
+            <a:p>
+              <a:pPr marL="169329" lvl="1" indent="-177796">
+                <a:lnSpc>
+                  <a:spcPct val="90000"/>
+                </a:lnSpc>
+                <a:buClr>
+                  <a:schemeClr val="dk1"/>
+                </a:buClr>
+                <a:buSzPts val="1300"/>
+                <a:buFont typeface="Arial"/>
+                <a:buChar char="•"/>
+              </a:pPr>
+              <a:r>
+                <a:rPr lang="en-US" altLang="zh-CN" sz="1600">
+                  <a:solidFill>
+                    <a:schemeClr val="dk1"/>
+                  </a:solidFill>
+                  <a:latin typeface="Arial"/>
+                  <a:ea typeface="Arial"/>
+                  <a:cs typeface="Arial"/>
+                  <a:sym typeface="Arial"/>
+                </a:rPr>
+                <a:t>MS1/MS2 scan selection</a:t>
+              </a:r>
+              <a:endParaRPr sz="1600">
+                <a:solidFill>
+                  <a:schemeClr val="dk1"/>
+                </a:solidFill>
+                <a:latin typeface="Arial"/>
+                <a:ea typeface="Arial"/>
+                <a:cs typeface="Arial"/>
+                <a:sym typeface="Arial"/>
+              </a:endParaRPr>
+            </a:p>
+            <a:p>
+              <a:pPr marL="169329" lvl="1" indent="-177796">
+                <a:lnSpc>
+                  <a:spcPct val="90000"/>
+                </a:lnSpc>
+                <a:spcBef>
+                  <a:spcPts val="267"/>
+                </a:spcBef>
+                <a:buClr>
+                  <a:schemeClr val="dk1"/>
+                </a:buClr>
+                <a:buSzPts val="1300"/>
+                <a:buFont typeface="Arial"/>
+                <a:buChar char="•"/>
+              </a:pPr>
+              <a:r>
+                <a:rPr lang="en-US" altLang="zh-CN" sz="1600">
+                  <a:solidFill>
+                    <a:schemeClr val="dk1"/>
+                  </a:solidFill>
+                  <a:latin typeface="Arial"/>
+                  <a:ea typeface="Arial"/>
+                  <a:cs typeface="Arial"/>
+                  <a:sym typeface="Arial"/>
+                </a:rPr>
+                <a:t>Noise removal</a:t>
+              </a:r>
+              <a:endParaRPr sz="1600">
+                <a:solidFill>
+                  <a:schemeClr val="dk1"/>
+                </a:solidFill>
+                <a:latin typeface="Arial"/>
+                <a:ea typeface="Arial"/>
+                <a:cs typeface="Arial"/>
+                <a:sym typeface="Arial"/>
+              </a:endParaRPr>
+            </a:p>
+          </p:txBody>
+        </p:sp>
+        <p:sp>
+          <p:nvSpPr>
+            <p:cNvPr id="158" name="Google Shape;158;p28"/>
+            <p:cNvSpPr/>
+            <p:nvPr/>
+          </p:nvSpPr>
+          <p:spPr>
+            <a:xfrm>
+              <a:off x="348386" y="1833435"/>
+              <a:ext cx="4877409" cy="501840"/>
+            </a:xfrm>
+            <a:prstGeom prst="roundRect">
+              <a:avLst>
+                <a:gd name="adj" fmla="val 16667"/>
+              </a:avLst>
+            </a:prstGeom>
+            <a:solidFill>
+              <a:srgbClr val="4372C3"/>
+            </a:solidFill>
+            <a:ln w="12700" cap="flat" cmpd="sng">
+              <a:solidFill>
+                <a:schemeClr val="lt1"/>
+              </a:solidFill>
+              <a:prstDash val="solid"/>
+              <a:miter lim="800000"/>
+              <a:headEnd type="none" w="sm" len="sm"/>
+              <a:tailEnd type="none" w="sm" len="sm"/>
+            </a:ln>
+          </p:spPr>
+          <p:txBody>
+            <a:bodyPr spcFirstLastPara="1" wrap="square" lIns="91433" tIns="91433" rIns="91433" bIns="91433" anchor="ctr" anchorCtr="0">
+              <a:noAutofit/>
+            </a:bodyPr>
+            <a:lstStyle/>
+            <a:p>
+              <a:endParaRPr sz="2400"/>
+            </a:p>
+          </p:txBody>
+        </p:sp>
+        <p:sp>
+          <p:nvSpPr>
+            <p:cNvPr id="159" name="Google Shape;159;p28"/>
+            <p:cNvSpPr txBox="1"/>
+            <p:nvPr/>
+          </p:nvSpPr>
+          <p:spPr>
+            <a:xfrm>
+              <a:off x="372884" y="1857933"/>
+              <a:ext cx="4828413" cy="452844"/>
+            </a:xfrm>
+            <a:prstGeom prst="rect">
+              <a:avLst/>
+            </a:prstGeom>
+            <a:noFill/>
+            <a:ln>
+              <a:noFill/>
+            </a:ln>
+          </p:spPr>
+          <p:txBody>
+            <a:bodyPr spcFirstLastPara="1" wrap="square" lIns="184367" tIns="0" rIns="184367" bIns="0" anchor="ctr" anchorCtr="0">
+              <a:normAutofit/>
+            </a:bodyPr>
+            <a:lstStyle/>
+            <a:p>
+              <a:pPr>
+                <a:lnSpc>
+                  <a:spcPct val="90000"/>
+                </a:lnSpc>
+                <a:spcAft>
+                  <a:spcPts val="600"/>
+                </a:spcAft>
+                <a:buClr>
+                  <a:schemeClr val="lt1"/>
+                </a:buClr>
+                <a:buSzPts val="1300"/>
+              </a:pPr>
+              <a:r>
+                <a:rPr lang="en-US" altLang="zh-CN" sz="2400">
+                  <a:solidFill>
+                    <a:schemeClr val="lt1"/>
+                  </a:solidFill>
+                  <a:latin typeface="Arial"/>
+                  <a:ea typeface="Arial"/>
+                  <a:cs typeface="Arial"/>
+                  <a:sym typeface="Arial"/>
+                </a:rPr>
+                <a:t>Raw data cleaning</a:t>
+              </a:r>
+              <a:endParaRPr sz="2400">
+                <a:solidFill>
+                  <a:schemeClr val="lt1"/>
+                </a:solidFill>
+                <a:latin typeface="Arial"/>
+                <a:ea typeface="Arial"/>
+                <a:cs typeface="Arial"/>
+                <a:sym typeface="Arial"/>
+              </a:endParaRPr>
+            </a:p>
+          </p:txBody>
+        </p:sp>
+        <p:sp>
+          <p:nvSpPr>
+            <p:cNvPr id="160" name="Google Shape;160;p28"/>
+            <p:cNvSpPr/>
+            <p:nvPr/>
+          </p:nvSpPr>
+          <p:spPr>
+            <a:xfrm>
+              <a:off x="0" y="3498075"/>
+              <a:ext cx="6967728" cy="1927800"/>
+            </a:xfrm>
+            <a:prstGeom prst="rect">
+              <a:avLst/>
+            </a:prstGeom>
+            <a:solidFill>
+              <a:schemeClr val="lt1">
+                <a:alpha val="89803"/>
+              </a:schemeClr>
+            </a:solidFill>
+            <a:ln w="12700" cap="flat" cmpd="sng">
+              <a:solidFill>
+                <a:srgbClr val="4372C3"/>
+              </a:solidFill>
+              <a:prstDash val="solid"/>
+              <a:miter lim="800000"/>
+              <a:headEnd type="none" w="sm" len="sm"/>
+              <a:tailEnd type="none" w="sm" len="sm"/>
+            </a:ln>
+          </p:spPr>
+          <p:txBody>
+            <a:bodyPr spcFirstLastPara="1" wrap="square" lIns="91433" tIns="91433" rIns="91433" bIns="91433" anchor="ctr" anchorCtr="0">
+              <a:noAutofit/>
+            </a:bodyPr>
+            <a:lstStyle/>
+            <a:p>
+              <a:endParaRPr sz="2400"/>
+            </a:p>
+          </p:txBody>
+        </p:sp>
+        <p:sp>
+          <p:nvSpPr>
+            <p:cNvPr id="161" name="Google Shape;161;p28"/>
+            <p:cNvSpPr txBox="1"/>
+            <p:nvPr/>
+          </p:nvSpPr>
+          <p:spPr>
+            <a:xfrm>
+              <a:off x="0" y="3498075"/>
+              <a:ext cx="6967728" cy="1927800"/>
+            </a:xfrm>
+            <a:prstGeom prst="rect">
+              <a:avLst/>
+            </a:prstGeom>
+            <a:noFill/>
+            <a:ln>
+              <a:noFill/>
+            </a:ln>
+          </p:spPr>
+          <p:txBody>
+            <a:bodyPr spcFirstLastPara="1" wrap="square" lIns="540767" tIns="354067" rIns="540767" bIns="120900" anchor="t" anchorCtr="0">
+              <a:normAutofit/>
+            </a:bodyPr>
+            <a:lstStyle/>
+            <a:p>
+              <a:pPr marL="169329" lvl="1" indent="-177796">
+                <a:lnSpc>
+                  <a:spcPct val="90000"/>
+                </a:lnSpc>
+                <a:spcAft>
+                  <a:spcPts val="600"/>
+                </a:spcAft>
+                <a:buClr>
+                  <a:schemeClr val="dk1"/>
+                </a:buClr>
+                <a:buSzPts val="1300"/>
+                <a:buFont typeface="Arial"/>
+                <a:buChar char="•"/>
+              </a:pPr>
+              <a:r>
+                <a:rPr lang="en-US" altLang="zh-CN" sz="1600">
+                  <a:solidFill>
+                    <a:schemeClr val="dk1"/>
+                  </a:solidFill>
+                  <a:latin typeface="Arial"/>
+                  <a:ea typeface="Arial"/>
+                  <a:cs typeface="Arial"/>
+                  <a:sym typeface="Arial"/>
+                </a:rPr>
+                <a:t>Mainly based on </a:t>
+              </a:r>
+              <a:r>
+                <a:rPr lang="en-US" altLang="zh-CN" sz="1600" err="1">
+                  <a:solidFill>
+                    <a:schemeClr val="dk1"/>
+                  </a:solidFill>
+                  <a:latin typeface="Arial"/>
+                  <a:ea typeface="Arial"/>
+                  <a:cs typeface="Arial"/>
+                  <a:sym typeface="Arial"/>
+                </a:rPr>
+                <a:t>peakUtils</a:t>
+              </a:r>
+              <a:r>
+                <a:rPr lang="en-US" altLang="zh-CN" sz="1600">
+                  <a:solidFill>
+                    <a:schemeClr val="dk1"/>
+                  </a:solidFill>
+                  <a:latin typeface="Arial"/>
+                  <a:ea typeface="Arial"/>
+                  <a:cs typeface="Arial"/>
+                  <a:sym typeface="Arial"/>
+                </a:rPr>
+                <a:t> package </a:t>
+              </a:r>
+            </a:p>
+            <a:p>
+              <a:pPr marL="169329" lvl="1" indent="-177796">
+                <a:lnSpc>
+                  <a:spcPct val="90000"/>
+                </a:lnSpc>
+                <a:spcAft>
+                  <a:spcPts val="600"/>
+                </a:spcAft>
+                <a:buClr>
+                  <a:schemeClr val="dk1"/>
+                </a:buClr>
+                <a:buSzPts val="1300"/>
+                <a:buFont typeface="Arial"/>
+                <a:buChar char="•"/>
+              </a:pPr>
+              <a:r>
+                <a:rPr lang="en-US" altLang="zh-CN" sz="1600">
+                  <a:solidFill>
+                    <a:schemeClr val="dk1"/>
+                  </a:solidFill>
+                  <a:latin typeface="Arial"/>
+                  <a:ea typeface="Arial"/>
+                  <a:cs typeface="Arial"/>
+                  <a:sym typeface="Arial"/>
+                </a:rPr>
+                <a:t>Utilized random forest model to assess the peaks</a:t>
+              </a:r>
+            </a:p>
+            <a:p>
+              <a:pPr marL="169329" lvl="1" indent="-177796">
+                <a:lnSpc>
+                  <a:spcPct val="90000"/>
+                </a:lnSpc>
+                <a:spcAft>
+                  <a:spcPts val="600"/>
+                </a:spcAft>
+                <a:buClr>
+                  <a:schemeClr val="dk1"/>
+                </a:buClr>
+                <a:buSzPts val="1300"/>
+                <a:buFont typeface="Arial"/>
+                <a:buChar char="•"/>
+              </a:pPr>
+              <a:r>
+                <a:rPr lang="en-US" sz="1600">
+                  <a:solidFill>
+                    <a:schemeClr val="dk1"/>
+                  </a:solidFill>
+                  <a:latin typeface="Arial"/>
+                  <a:ea typeface="Arial"/>
+                  <a:cs typeface="Arial"/>
+                  <a:sym typeface="Arial"/>
+                </a:rPr>
+                <a:t>Alignment of different data using user settings</a:t>
+              </a:r>
+            </a:p>
+            <a:p>
+              <a:pPr marL="169329" lvl="1" indent="-177796">
+                <a:lnSpc>
+                  <a:spcPct val="90000"/>
+                </a:lnSpc>
+                <a:spcAft>
+                  <a:spcPts val="600"/>
+                </a:spcAft>
+                <a:buClr>
+                  <a:schemeClr val="dk1"/>
+                </a:buClr>
+                <a:buSzPts val="1300"/>
+                <a:buFont typeface="Arial"/>
+                <a:buChar char="•"/>
+              </a:pPr>
+              <a:endParaRPr sz="1600">
+                <a:solidFill>
+                  <a:schemeClr val="dk1"/>
+                </a:solidFill>
+                <a:latin typeface="Arial"/>
+                <a:ea typeface="Arial"/>
+                <a:cs typeface="Arial"/>
+                <a:sym typeface="Arial"/>
+              </a:endParaRPr>
+            </a:p>
+          </p:txBody>
+        </p:sp>
+        <p:sp>
+          <p:nvSpPr>
+            <p:cNvPr id="162" name="Google Shape;162;p28"/>
+            <p:cNvSpPr/>
+            <p:nvPr/>
+          </p:nvSpPr>
+          <p:spPr>
+            <a:xfrm>
+              <a:off x="348386" y="3247155"/>
+              <a:ext cx="4877409" cy="501840"/>
+            </a:xfrm>
+            <a:prstGeom prst="roundRect">
+              <a:avLst>
+                <a:gd name="adj" fmla="val 16667"/>
+              </a:avLst>
+            </a:prstGeom>
+            <a:solidFill>
+              <a:srgbClr val="4372C3"/>
+            </a:solidFill>
+            <a:ln w="12700" cap="flat" cmpd="sng">
+              <a:solidFill>
+                <a:schemeClr val="lt1"/>
+              </a:solidFill>
+              <a:prstDash val="solid"/>
+              <a:miter lim="800000"/>
+              <a:headEnd type="none" w="sm" len="sm"/>
+              <a:tailEnd type="none" w="sm" len="sm"/>
+            </a:ln>
+          </p:spPr>
+          <p:txBody>
+            <a:bodyPr spcFirstLastPara="1" wrap="square" lIns="91433" tIns="91433" rIns="91433" bIns="91433" anchor="ctr" anchorCtr="0">
+              <a:noAutofit/>
+            </a:bodyPr>
+            <a:lstStyle/>
+            <a:p>
+              <a:endParaRPr sz="2400"/>
+            </a:p>
+          </p:txBody>
+        </p:sp>
+        <p:sp>
+          <p:nvSpPr>
+            <p:cNvPr id="163" name="Google Shape;163;p28"/>
+            <p:cNvSpPr txBox="1"/>
+            <p:nvPr/>
+          </p:nvSpPr>
+          <p:spPr>
+            <a:xfrm>
+              <a:off x="372884" y="3271653"/>
+              <a:ext cx="4828413" cy="452844"/>
+            </a:xfrm>
+            <a:prstGeom prst="rect">
+              <a:avLst/>
+            </a:prstGeom>
+            <a:noFill/>
+            <a:ln>
+              <a:noFill/>
+            </a:ln>
+          </p:spPr>
+          <p:txBody>
+            <a:bodyPr spcFirstLastPara="1" wrap="square" lIns="184367" tIns="0" rIns="184367" bIns="0" anchor="ctr" anchorCtr="0">
+              <a:normAutofit/>
+            </a:bodyPr>
+            <a:lstStyle/>
+            <a:p>
+              <a:pPr>
+                <a:lnSpc>
+                  <a:spcPct val="90000"/>
+                </a:lnSpc>
+                <a:spcAft>
+                  <a:spcPts val="600"/>
+                </a:spcAft>
+                <a:buClr>
+                  <a:schemeClr val="lt1"/>
+                </a:buClr>
+                <a:buSzPts val="1300"/>
+              </a:pPr>
+              <a:r>
+                <a:rPr lang="en-US" altLang="zh-CN" sz="2000">
+                  <a:solidFill>
+                    <a:schemeClr val="lt1"/>
+                  </a:solidFill>
+                  <a:latin typeface="Arial"/>
+                  <a:ea typeface="Arial"/>
+                  <a:cs typeface="Arial"/>
+                  <a:sym typeface="Arial"/>
+                </a:rPr>
+                <a:t>Peak picking &amp; peak table export</a:t>
+              </a:r>
+              <a:endParaRPr sz="2000">
+                <a:solidFill>
+                  <a:schemeClr val="lt1"/>
+                </a:solidFill>
+                <a:latin typeface="Arial"/>
+                <a:ea typeface="Arial"/>
+                <a:cs typeface="Arial"/>
+                <a:sym typeface="Arial"/>
+              </a:endParaRPr>
+            </a:p>
+          </p:txBody>
+        </p:sp>
+      </p:grpSp>
+    </p:spTree>
+  </p:cSld>
+  <p:clrMapOvr>
+    <a:masterClrMapping/>
+  </p:clrMapOvr>
+</p:sld>
+</file>
+
+<file path=ppt/slides/slide14.xml><?xml version="1.0" encoding="utf-8"?>
+<p:sld xmlns:a="http://schemas.openxmlformats.org/drawingml/2006/main" xmlns:r="http://schemas.openxmlformats.org/officeDocument/2006/relationships" xmlns:p="http://schemas.openxmlformats.org/presentationml/2006/main">
+  <p:cSld>
+    <p:spTree>
+      <p:nvGrpSpPr>
         <p:cNvPr id="1" name="Shape 167"/>
         <p:cNvGrpSpPr/>
         <p:nvPr/>
@@ -20216,7 +21656,7 @@
 </p:sld>
 </file>
 
-<file path=ppt/slides/slide11.xml><?xml version="1.0" encoding="utf-8"?>
+<file path=ppt/slides/slide15.xml><?xml version="1.0" encoding="utf-8"?>
 <p:sld xmlns:a="http://schemas.openxmlformats.org/drawingml/2006/main" xmlns:r="http://schemas.openxmlformats.org/officeDocument/2006/relationships" xmlns:p="http://schemas.openxmlformats.org/presentationml/2006/main">
   <p:cSld>
     <p:bg>
@@ -20516,7 +21956,7 @@
 </p:sld>
 </file>
 
-<file path=ppt/slides/slide12.xml><?xml version="1.0" encoding="utf-8"?>
+<file path=ppt/slides/slide16.xml><?xml version="1.0" encoding="utf-8"?>
 <p:sld xmlns:a="http://schemas.openxmlformats.org/drawingml/2006/main" xmlns:r="http://schemas.openxmlformats.org/officeDocument/2006/relationships" xmlns:p="http://schemas.openxmlformats.org/presentationml/2006/main">
   <p:cSld>
     <p:bg>
@@ -20777,7 +22217,7 @@
 </p:sld>
 </file>
 
-<file path=ppt/slides/slide13.xml><?xml version="1.0" encoding="utf-8"?>
+<file path=ppt/slides/slide17.xml><?xml version="1.0" encoding="utf-8"?>
 <p:sld xmlns:a="http://schemas.openxmlformats.org/drawingml/2006/main" xmlns:r="http://schemas.openxmlformats.org/officeDocument/2006/relationships" xmlns:p="http://schemas.openxmlformats.org/presentationml/2006/main">
   <p:cSld>
     <p:bg>
@@ -20882,7 +22322,7 @@
 </p:sld>
 </file>
 
-<file path=ppt/slides/slide14.xml><?xml version="1.0" encoding="utf-8"?>
+<file path=ppt/slides/slide18.xml><?xml version="1.0" encoding="utf-8"?>
 <p:sld xmlns:a="http://schemas.openxmlformats.org/drawingml/2006/main" xmlns:r="http://schemas.openxmlformats.org/officeDocument/2006/relationships" xmlns:p="http://schemas.openxmlformats.org/presentationml/2006/main">
   <p:cSld>
     <p:bg>
@@ -21244,7 +22684,7 @@
 </p:sld>
 </file>
 
-<file path=ppt/slides/slide15.xml><?xml version="1.0" encoding="utf-8"?>
+<file path=ppt/slides/slide19.xml><?xml version="1.0" encoding="utf-8"?>
 <p:sld xmlns:a="http://schemas.openxmlformats.org/drawingml/2006/main" xmlns:r="http://schemas.openxmlformats.org/officeDocument/2006/relationships" xmlns:p="http://schemas.openxmlformats.org/presentationml/2006/main">
   <p:cSld>
     <p:spTree>
@@ -21654,7 +23094,112 @@
 </p:sld>
 </file>
 
-<file path=ppt/slides/slide16.xml><?xml version="1.0" encoding="utf-8"?>
+<file path=ppt/slides/slide2.xml><?xml version="1.0" encoding="utf-8"?>
+<p:sld xmlns:a="http://schemas.openxmlformats.org/drawingml/2006/main" xmlns:r="http://schemas.openxmlformats.org/officeDocument/2006/relationships" xmlns:p="http://schemas.openxmlformats.org/presentationml/2006/main">
+  <p:cSld>
+    <p:bg>
+      <p:bgPr>
+        <a:solidFill>
+          <a:schemeClr val="bg1"/>
+        </a:solidFill>
+        <a:effectLst/>
+      </p:bgPr>
+    </p:bg>
+    <p:spTree>
+      <p:nvGrpSpPr>
+        <p:cNvPr id="1" name=""/>
+        <p:cNvGrpSpPr/>
+        <p:nvPr/>
+      </p:nvGrpSpPr>
+      <p:grpSpPr>
+        <a:xfrm>
+          <a:off x="0" y="0"/>
+          <a:ext cx="0" cy="0"/>
+          <a:chOff x="0" y="0"/>
+          <a:chExt cx="0" cy="0"/>
+        </a:xfrm>
+      </p:grpSpPr>
+      <p:sp>
+        <p:nvSpPr>
+          <p:cNvPr id="2" name="Title 1">
+            <a:extLst>
+              <a:ext uri="{FF2B5EF4-FFF2-40B4-BE49-F238E27FC236}">
+                <a16:creationId xmlns:a16="http://schemas.microsoft.com/office/drawing/2014/main" id="{66AC7444-9C4F-4B4C-A80A-E35C17D55A84}"/>
+              </a:ext>
+            </a:extLst>
+          </p:cNvPr>
+          <p:cNvSpPr>
+            <a:spLocks noGrp="1"/>
+          </p:cNvSpPr>
+          <p:nvPr>
+            <p:ph type="title"/>
+          </p:nvPr>
+        </p:nvSpPr>
+        <p:spPr>
+          <a:xfrm>
+            <a:off x="657224" y="499533"/>
+            <a:ext cx="10772775" cy="1658198"/>
+          </a:xfrm>
+        </p:spPr>
+        <p:txBody>
+          <a:bodyPr>
+            <a:normAutofit/>
+          </a:bodyPr>
+          <a:lstStyle/>
+          <a:p>
+            <a:r>
+              <a:rPr lang="en-US" altLang="zh-CN"/>
+              <a:t>Introduction</a:t>
+            </a:r>
+            <a:endParaRPr lang="zh-CN" altLang="en-US" dirty="0"/>
+          </a:p>
+        </p:txBody>
+      </p:sp>
+      <p:graphicFrame>
+        <p:nvGraphicFramePr>
+          <p:cNvPr id="4" name="Content Placeholder 2">
+            <a:extLst>
+              <a:ext uri="{FF2B5EF4-FFF2-40B4-BE49-F238E27FC236}">
+                <a16:creationId xmlns:a16="http://schemas.microsoft.com/office/drawing/2014/main" id="{A4027849-7BEA-43CC-B358-9B60B78EC099}"/>
+              </a:ext>
+            </a:extLst>
+          </p:cNvPr>
+          <p:cNvGraphicFramePr>
+            <a:graphicFrameLocks noGrp="1"/>
+          </p:cNvGraphicFramePr>
+          <p:nvPr>
+            <p:ph idx="1"/>
+            <p:extLst>
+              <p:ext uri="{D42A27DB-BD31-4B8C-83A1-F6EECF244321}">
+                <p14:modId xmlns:p14="http://schemas.microsoft.com/office/powerpoint/2010/main" val="3702656316"/>
+              </p:ext>
+            </p:extLst>
+          </p:nvPr>
+        </p:nvGraphicFramePr>
+        <p:xfrm>
+          <a:off x="676275" y="2373549"/>
+          <a:ext cx="10753725" cy="3599234"/>
+        </p:xfrm>
+        <a:graphic>
+          <a:graphicData uri="http://schemas.openxmlformats.org/drawingml/2006/diagram">
+            <dgm:relIds xmlns:dgm="http://schemas.openxmlformats.org/drawingml/2006/diagram" xmlns:r="http://schemas.openxmlformats.org/officeDocument/2006/relationships" r:dm="rId2" r:lo="rId3" r:qs="rId4" r:cs="rId5"/>
+          </a:graphicData>
+        </a:graphic>
+      </p:graphicFrame>
+    </p:spTree>
+    <p:extLst>
+      <p:ext uri="{BB962C8B-B14F-4D97-AF65-F5344CB8AC3E}">
+        <p14:creationId xmlns:p14="http://schemas.microsoft.com/office/powerpoint/2010/main" val="4216842124"/>
+      </p:ext>
+    </p:extLst>
+  </p:cSld>
+  <p:clrMapOvr>
+    <a:masterClrMapping/>
+  </p:clrMapOvr>
+</p:sld>
+</file>
+
+<file path=ppt/slides/slide20.xml><?xml version="1.0" encoding="utf-8"?>
 <p:sld xmlns:a="http://schemas.openxmlformats.org/drawingml/2006/main" xmlns:r="http://schemas.openxmlformats.org/officeDocument/2006/relationships" xmlns:p="http://schemas.openxmlformats.org/presentationml/2006/main">
   <p:cSld>
     <p:bg>
@@ -21835,7 +23380,7 @@
 </p:sld>
 </file>
 
-<file path=ppt/slides/slide17.xml><?xml version="1.0" encoding="utf-8"?>
+<file path=ppt/slides/slide21.xml><?xml version="1.0" encoding="utf-8"?>
 <p:sld xmlns:a="http://schemas.openxmlformats.org/drawingml/2006/main" xmlns:r="http://schemas.openxmlformats.org/officeDocument/2006/relationships" xmlns:p="http://schemas.openxmlformats.org/presentationml/2006/main">
   <p:cSld>
     <p:bg>
@@ -22200,7 +23745,7 @@
 </p:sld>
 </file>
 
-<file path=ppt/slides/slide18.xml><?xml version="1.0" encoding="utf-8"?>
+<file path=ppt/slides/slide22.xml><?xml version="1.0" encoding="utf-8"?>
 <p:sld xmlns:a="http://schemas.openxmlformats.org/drawingml/2006/main" xmlns:r="http://schemas.openxmlformats.org/officeDocument/2006/relationships" xmlns:p="http://schemas.openxmlformats.org/presentationml/2006/main">
   <p:cSld>
     <p:bg>
@@ -22524,7 +24069,7 @@
 </p:sld>
 </file>
 
-<file path=ppt/slides/slide19.xml><?xml version="1.0" encoding="utf-8"?>
+<file path=ppt/slides/slide23.xml><?xml version="1.0" encoding="utf-8"?>
 <p:sld xmlns:a="http://schemas.openxmlformats.org/drawingml/2006/main" xmlns:r="http://schemas.openxmlformats.org/officeDocument/2006/relationships" xmlns:p="http://schemas.openxmlformats.org/presentationml/2006/main">
   <p:cSld>
     <p:bg>
@@ -22976,112 +24521,7 @@
 </p:sld>
 </file>
 
-<file path=ppt/slides/slide2.xml><?xml version="1.0" encoding="utf-8"?>
-<p:sld xmlns:a="http://schemas.openxmlformats.org/drawingml/2006/main" xmlns:r="http://schemas.openxmlformats.org/officeDocument/2006/relationships" xmlns:p="http://schemas.openxmlformats.org/presentationml/2006/main">
-  <p:cSld>
-    <p:bg>
-      <p:bgPr>
-        <a:solidFill>
-          <a:schemeClr val="bg1"/>
-        </a:solidFill>
-        <a:effectLst/>
-      </p:bgPr>
-    </p:bg>
-    <p:spTree>
-      <p:nvGrpSpPr>
-        <p:cNvPr id="1" name=""/>
-        <p:cNvGrpSpPr/>
-        <p:nvPr/>
-      </p:nvGrpSpPr>
-      <p:grpSpPr>
-        <a:xfrm>
-          <a:off x="0" y="0"/>
-          <a:ext cx="0" cy="0"/>
-          <a:chOff x="0" y="0"/>
-          <a:chExt cx="0" cy="0"/>
-        </a:xfrm>
-      </p:grpSpPr>
-      <p:sp>
-        <p:nvSpPr>
-          <p:cNvPr id="2" name="Title 1">
-            <a:extLst>
-              <a:ext uri="{FF2B5EF4-FFF2-40B4-BE49-F238E27FC236}">
-                <a16:creationId xmlns:a16="http://schemas.microsoft.com/office/drawing/2014/main" id="{66AC7444-9C4F-4B4C-A80A-E35C17D55A84}"/>
-              </a:ext>
-            </a:extLst>
-          </p:cNvPr>
-          <p:cNvSpPr>
-            <a:spLocks noGrp="1"/>
-          </p:cNvSpPr>
-          <p:nvPr>
-            <p:ph type="title"/>
-          </p:nvPr>
-        </p:nvSpPr>
-        <p:spPr>
-          <a:xfrm>
-            <a:off x="657224" y="499533"/>
-            <a:ext cx="10772775" cy="1658198"/>
-          </a:xfrm>
-        </p:spPr>
-        <p:txBody>
-          <a:bodyPr>
-            <a:normAutofit/>
-          </a:bodyPr>
-          <a:lstStyle/>
-          <a:p>
-            <a:r>
-              <a:rPr lang="en-US" altLang="zh-CN"/>
-              <a:t>Introduction</a:t>
-            </a:r>
-            <a:endParaRPr lang="zh-CN" altLang="en-US" dirty="0"/>
-          </a:p>
-        </p:txBody>
-      </p:sp>
-      <p:graphicFrame>
-        <p:nvGraphicFramePr>
-          <p:cNvPr id="4" name="Content Placeholder 2">
-            <a:extLst>
-              <a:ext uri="{FF2B5EF4-FFF2-40B4-BE49-F238E27FC236}">
-                <a16:creationId xmlns:a16="http://schemas.microsoft.com/office/drawing/2014/main" id="{A4027849-7BEA-43CC-B358-9B60B78EC099}"/>
-              </a:ext>
-            </a:extLst>
-          </p:cNvPr>
-          <p:cNvGraphicFramePr>
-            <a:graphicFrameLocks noGrp="1"/>
-          </p:cNvGraphicFramePr>
-          <p:nvPr>
-            <p:ph idx="1"/>
-            <p:extLst>
-              <p:ext uri="{D42A27DB-BD31-4B8C-83A1-F6EECF244321}">
-                <p14:modId xmlns:p14="http://schemas.microsoft.com/office/powerpoint/2010/main" val="3702656316"/>
-              </p:ext>
-            </p:extLst>
-          </p:nvPr>
-        </p:nvGraphicFramePr>
-        <p:xfrm>
-          <a:off x="676275" y="2373549"/>
-          <a:ext cx="10753725" cy="3599234"/>
-        </p:xfrm>
-        <a:graphic>
-          <a:graphicData uri="http://schemas.openxmlformats.org/drawingml/2006/diagram">
-            <dgm:relIds xmlns:dgm="http://schemas.openxmlformats.org/drawingml/2006/diagram" xmlns:r="http://schemas.openxmlformats.org/officeDocument/2006/relationships" r:dm="rId2" r:lo="rId3" r:qs="rId4" r:cs="rId5"/>
-          </a:graphicData>
-        </a:graphic>
-      </p:graphicFrame>
-    </p:spTree>
-    <p:extLst>
-      <p:ext uri="{BB962C8B-B14F-4D97-AF65-F5344CB8AC3E}">
-        <p14:creationId xmlns:p14="http://schemas.microsoft.com/office/powerpoint/2010/main" val="4216842124"/>
-      </p:ext>
-    </p:extLst>
-  </p:cSld>
-  <p:clrMapOvr>
-    <a:masterClrMapping/>
-  </p:clrMapOvr>
-</p:sld>
-</file>
-
-<file path=ppt/slides/slide20.xml><?xml version="1.0" encoding="utf-8"?>
+<file path=ppt/slides/slide24.xml><?xml version="1.0" encoding="utf-8"?>
 <p:sld xmlns:a="http://schemas.openxmlformats.org/drawingml/2006/main" xmlns:r="http://schemas.openxmlformats.org/officeDocument/2006/relationships" xmlns:p="http://schemas.openxmlformats.org/presentationml/2006/main">
   <p:cSld>
     <p:spTree>
@@ -23225,7 +24665,7 @@
 </p:sld>
 </file>
 
-<file path=ppt/slides/slide21.xml><?xml version="1.0" encoding="utf-8"?>
+<file path=ppt/slides/slide25.xml><?xml version="1.0" encoding="utf-8"?>
 <p:sld xmlns:a="http://schemas.openxmlformats.org/drawingml/2006/main" xmlns:r="http://schemas.openxmlformats.org/officeDocument/2006/relationships" xmlns:p="http://schemas.openxmlformats.org/presentationml/2006/main">
   <p:cSld>
     <p:bg>
@@ -23327,7 +24767,7 @@
 </p:sld>
 </file>
 
-<file path=ppt/slides/slide22.xml><?xml version="1.0" encoding="utf-8"?>
+<file path=ppt/slides/slide26.xml><?xml version="1.0" encoding="utf-8"?>
 <p:sld xmlns:a="http://schemas.openxmlformats.org/drawingml/2006/main" xmlns:r="http://schemas.openxmlformats.org/officeDocument/2006/relationships" xmlns:p="http://schemas.openxmlformats.org/presentationml/2006/main">
   <p:cSld>
     <p:bg>
@@ -23693,7 +25133,7 @@
 </p:sld>
 </file>
 
-<file path=ppt/slides/slide23.xml><?xml version="1.0" encoding="utf-8"?>
+<file path=ppt/slides/slide27.xml><?xml version="1.0" encoding="utf-8"?>
 <p:sld xmlns:a="http://schemas.openxmlformats.org/drawingml/2006/main" xmlns:r="http://schemas.openxmlformats.org/officeDocument/2006/relationships" xmlns:p="http://schemas.openxmlformats.org/presentationml/2006/main">
   <p:cSld>
     <p:bg>
@@ -23914,7 +25354,7 @@
 </p:sld>
 </file>
 
-<file path=ppt/slides/slide24.xml><?xml version="1.0" encoding="utf-8"?>
+<file path=ppt/slides/slide28.xml><?xml version="1.0" encoding="utf-8"?>
 <p:sld xmlns:a="http://schemas.openxmlformats.org/drawingml/2006/main" xmlns:r="http://schemas.openxmlformats.org/officeDocument/2006/relationships" xmlns:p="http://schemas.openxmlformats.org/presentationml/2006/main">
   <p:cSld>
     <p:bg>
@@ -27777,6 +29217,595 @@
           <a:chExt cx="0" cy="0"/>
         </a:xfrm>
       </p:grpSpPr>
+      <p:pic>
+        <p:nvPicPr>
+          <p:cNvPr id="5" name="Picture 4">
+            <a:extLst>
+              <a:ext uri="{FF2B5EF4-FFF2-40B4-BE49-F238E27FC236}">
+                <a16:creationId xmlns:a16="http://schemas.microsoft.com/office/drawing/2014/main" id="{7D3E55E3-BD28-4221-AA06-7220BD0E37FC}"/>
+              </a:ext>
+            </a:extLst>
+          </p:cNvPr>
+          <p:cNvPicPr>
+            <a:picLocks noChangeAspect="1"/>
+          </p:cNvPicPr>
+          <p:nvPr/>
+        </p:nvPicPr>
+        <p:blipFill rotWithShape="1">
+          <a:blip r:embed="rId2"/>
+          <a:srcRect r="61939"/>
+          <a:stretch/>
+        </p:blipFill>
+        <p:spPr>
+          <a:xfrm>
+            <a:off x="195944" y="232745"/>
+            <a:ext cx="3908779" cy="3480839"/>
+          </a:xfrm>
+          <a:prstGeom prst="rect">
+            <a:avLst/>
+          </a:prstGeom>
+        </p:spPr>
+      </p:pic>
+      <p:sp>
+        <p:nvSpPr>
+          <p:cNvPr id="6" name="TextBox 5">
+            <a:extLst>
+              <a:ext uri="{FF2B5EF4-FFF2-40B4-BE49-F238E27FC236}">
+                <a16:creationId xmlns:a16="http://schemas.microsoft.com/office/drawing/2014/main" id="{6F2100AB-890A-4576-A57A-81A907AA0B7B}"/>
+              </a:ext>
+            </a:extLst>
+          </p:cNvPr>
+          <p:cNvSpPr txBox="1"/>
+          <p:nvPr/>
+        </p:nvSpPr>
+        <p:spPr>
+          <a:xfrm>
+            <a:off x="2263897" y="554398"/>
+            <a:ext cx="2425959" cy="369332"/>
+          </a:xfrm>
+          <a:prstGeom prst="rect">
+            <a:avLst/>
+          </a:prstGeom>
+          <a:noFill/>
+        </p:spPr>
+        <p:txBody>
+          <a:bodyPr wrap="square" rtlCol="0">
+            <a:spAutoFit/>
+          </a:bodyPr>
+          <a:lstStyle/>
+          <a:p>
+            <a:r>
+              <a:rPr lang="en-US" altLang="zh-CN" b="1" dirty="0">
+                <a:solidFill>
+                  <a:schemeClr val="accent1"/>
+                </a:solidFill>
+              </a:rPr>
+              <a:t>One-line option</a:t>
+            </a:r>
+            <a:endParaRPr lang="zh-CN" altLang="en-US" b="1" dirty="0">
+              <a:solidFill>
+                <a:schemeClr val="accent1"/>
+              </a:solidFill>
+            </a:endParaRPr>
+          </a:p>
+        </p:txBody>
+      </p:sp>
+      <p:sp>
+        <p:nvSpPr>
+          <p:cNvPr id="7" name="Rectangle 6">
+            <a:extLst>
+              <a:ext uri="{FF2B5EF4-FFF2-40B4-BE49-F238E27FC236}">
+                <a16:creationId xmlns:a16="http://schemas.microsoft.com/office/drawing/2014/main" id="{BFCB24CB-9351-4114-859B-04C76017D515}"/>
+              </a:ext>
+            </a:extLst>
+          </p:cNvPr>
+          <p:cNvSpPr/>
+          <p:nvPr/>
+        </p:nvSpPr>
+        <p:spPr>
+          <a:xfrm>
+            <a:off x="195944" y="232745"/>
+            <a:ext cx="3908779" cy="321653"/>
+          </a:xfrm>
+          <a:prstGeom prst="rect">
+            <a:avLst/>
+          </a:prstGeom>
+          <a:noFill/>
+          <a:ln w="38100">
+            <a:solidFill>
+              <a:srgbClr val="92D050"/>
+            </a:solidFill>
+          </a:ln>
+        </p:spPr>
+        <p:style>
+          <a:lnRef idx="2">
+            <a:schemeClr val="accent1">
+              <a:shade val="50000"/>
+            </a:schemeClr>
+          </a:lnRef>
+          <a:fillRef idx="1">
+            <a:schemeClr val="accent1"/>
+          </a:fillRef>
+          <a:effectRef idx="0">
+            <a:schemeClr val="accent1"/>
+          </a:effectRef>
+          <a:fontRef idx="minor">
+            <a:schemeClr val="lt1"/>
+          </a:fontRef>
+        </p:style>
+        <p:txBody>
+          <a:bodyPr rtlCol="0" anchor="ctr"/>
+          <a:lstStyle/>
+          <a:p>
+            <a:pPr algn="ctr"/>
+            <a:endParaRPr lang="zh-CN" altLang="en-US"/>
+          </a:p>
+        </p:txBody>
+      </p:sp>
+      <p:pic>
+        <p:nvPicPr>
+          <p:cNvPr id="9" name="Picture 8">
+            <a:extLst>
+              <a:ext uri="{FF2B5EF4-FFF2-40B4-BE49-F238E27FC236}">
+                <a16:creationId xmlns:a16="http://schemas.microsoft.com/office/drawing/2014/main" id="{879A9AC4-7F49-4E90-857F-6B8F8414738A}"/>
+              </a:ext>
+            </a:extLst>
+          </p:cNvPr>
+          <p:cNvPicPr>
+            <a:picLocks noChangeAspect="1"/>
+          </p:cNvPicPr>
+          <p:nvPr/>
+        </p:nvPicPr>
+        <p:blipFill>
+          <a:blip r:embed="rId3"/>
+          <a:stretch>
+            <a:fillRect/>
+          </a:stretch>
+        </p:blipFill>
+        <p:spPr>
+          <a:xfrm>
+            <a:off x="195944" y="3713584"/>
+            <a:ext cx="4600614" cy="2989182"/>
+          </a:xfrm>
+          <a:prstGeom prst="rect">
+            <a:avLst/>
+          </a:prstGeom>
+        </p:spPr>
+      </p:pic>
+      <p:pic>
+        <p:nvPicPr>
+          <p:cNvPr id="11" name="Picture 10">
+            <a:extLst>
+              <a:ext uri="{FF2B5EF4-FFF2-40B4-BE49-F238E27FC236}">
+                <a16:creationId xmlns:a16="http://schemas.microsoft.com/office/drawing/2014/main" id="{597DB906-B78A-46A9-803A-D6433F3F7944}"/>
+              </a:ext>
+            </a:extLst>
+          </p:cNvPr>
+          <p:cNvPicPr>
+            <a:picLocks noChangeAspect="1"/>
+          </p:cNvPicPr>
+          <p:nvPr/>
+        </p:nvPicPr>
+        <p:blipFill>
+          <a:blip r:embed="rId4"/>
+          <a:stretch>
+            <a:fillRect/>
+          </a:stretch>
+        </p:blipFill>
+        <p:spPr>
+          <a:xfrm>
+            <a:off x="5600590" y="232745"/>
+            <a:ext cx="6591410" cy="6196977"/>
+          </a:xfrm>
+          <a:prstGeom prst="rect">
+            <a:avLst/>
+          </a:prstGeom>
+        </p:spPr>
+      </p:pic>
+      <p:sp>
+        <p:nvSpPr>
+          <p:cNvPr id="12" name="TextBox 11">
+            <a:extLst>
+              <a:ext uri="{FF2B5EF4-FFF2-40B4-BE49-F238E27FC236}">
+                <a16:creationId xmlns:a16="http://schemas.microsoft.com/office/drawing/2014/main" id="{0CD3C0D8-2B13-45E2-9EDD-6093E2DE5640}"/>
+              </a:ext>
+            </a:extLst>
+          </p:cNvPr>
+          <p:cNvSpPr txBox="1"/>
+          <p:nvPr/>
+        </p:nvSpPr>
+        <p:spPr>
+          <a:xfrm>
+            <a:off x="9349757" y="554398"/>
+            <a:ext cx="2425959" cy="369332"/>
+          </a:xfrm>
+          <a:prstGeom prst="rect">
+            <a:avLst/>
+          </a:prstGeom>
+          <a:noFill/>
+        </p:spPr>
+        <p:txBody>
+          <a:bodyPr wrap="square" rtlCol="0">
+            <a:spAutoFit/>
+          </a:bodyPr>
+          <a:lstStyle/>
+          <a:p>
+            <a:r>
+              <a:rPr lang="en-US" altLang="zh-CN" b="1" dirty="0">
+                <a:solidFill>
+                  <a:schemeClr val="accent1"/>
+                </a:solidFill>
+              </a:rPr>
+              <a:t>Step-by-step option</a:t>
+            </a:r>
+            <a:endParaRPr lang="zh-CN" altLang="en-US" b="1" dirty="0">
+              <a:solidFill>
+                <a:schemeClr val="accent1"/>
+              </a:solidFill>
+            </a:endParaRPr>
+          </a:p>
+        </p:txBody>
+      </p:sp>
+    </p:spTree>
+    <p:extLst>
+      <p:ext uri="{BB962C8B-B14F-4D97-AF65-F5344CB8AC3E}">
+        <p14:creationId xmlns:p14="http://schemas.microsoft.com/office/powerpoint/2010/main" val="3873807882"/>
+      </p:ext>
+    </p:extLst>
+  </p:cSld>
+  <p:clrMapOvr>
+    <a:masterClrMapping/>
+  </p:clrMapOvr>
+</p:sld>
+</file>
+
+<file path=ppt/slides/slide6.xml><?xml version="1.0" encoding="utf-8"?>
+<p:sld xmlns:a="http://schemas.openxmlformats.org/drawingml/2006/main" xmlns:r="http://schemas.openxmlformats.org/officeDocument/2006/relationships" xmlns:p="http://schemas.openxmlformats.org/presentationml/2006/main">
+  <p:cSld>
+    <p:spTree>
+      <p:nvGrpSpPr>
+        <p:cNvPr id="1" name=""/>
+        <p:cNvGrpSpPr/>
+        <p:nvPr/>
+      </p:nvGrpSpPr>
+      <p:grpSpPr>
+        <a:xfrm>
+          <a:off x="0" y="0"/>
+          <a:ext cx="0" cy="0"/>
+          <a:chOff x="0" y="0"/>
+          <a:chExt cx="0" cy="0"/>
+        </a:xfrm>
+      </p:grpSpPr>
+      <p:sp>
+        <p:nvSpPr>
+          <p:cNvPr id="2" name="Title 1">
+            <a:extLst>
+              <a:ext uri="{FF2B5EF4-FFF2-40B4-BE49-F238E27FC236}">
+                <a16:creationId xmlns:a16="http://schemas.microsoft.com/office/drawing/2014/main" id="{CF81F189-B9BE-487D-A4C9-4CCF1956BCAF}"/>
+              </a:ext>
+            </a:extLst>
+          </p:cNvPr>
+          <p:cNvSpPr>
+            <a:spLocks noGrp="1"/>
+          </p:cNvSpPr>
+          <p:nvPr>
+            <p:ph type="title"/>
+          </p:nvPr>
+        </p:nvSpPr>
+        <p:spPr/>
+        <p:txBody>
+          <a:bodyPr/>
+          <a:lstStyle/>
+          <a:p>
+            <a:endParaRPr lang="zh-CN" altLang="en-US"/>
+          </a:p>
+        </p:txBody>
+      </p:sp>
+      <p:sp>
+        <p:nvSpPr>
+          <p:cNvPr id="3" name="Content Placeholder 2">
+            <a:extLst>
+              <a:ext uri="{FF2B5EF4-FFF2-40B4-BE49-F238E27FC236}">
+                <a16:creationId xmlns:a16="http://schemas.microsoft.com/office/drawing/2014/main" id="{3142960A-1C8C-41CA-9E61-6174C41F186D}"/>
+              </a:ext>
+            </a:extLst>
+          </p:cNvPr>
+          <p:cNvSpPr>
+            <a:spLocks noGrp="1"/>
+          </p:cNvSpPr>
+          <p:nvPr>
+            <p:ph idx="1"/>
+          </p:nvPr>
+        </p:nvSpPr>
+        <p:spPr/>
+        <p:txBody>
+          <a:bodyPr/>
+          <a:lstStyle/>
+          <a:p>
+            <a:endParaRPr lang="zh-CN" altLang="en-US"/>
+          </a:p>
+        </p:txBody>
+      </p:sp>
+      <p:pic>
+        <p:nvPicPr>
+          <p:cNvPr id="5" name="Picture 4">
+            <a:extLst>
+              <a:ext uri="{FF2B5EF4-FFF2-40B4-BE49-F238E27FC236}">
+                <a16:creationId xmlns:a16="http://schemas.microsoft.com/office/drawing/2014/main" id="{C8C69185-FAD6-455A-8840-9065F5D54F28}"/>
+              </a:ext>
+            </a:extLst>
+          </p:cNvPr>
+          <p:cNvPicPr>
+            <a:picLocks noChangeAspect="1"/>
+          </p:cNvPicPr>
+          <p:nvPr/>
+        </p:nvPicPr>
+        <p:blipFill>
+          <a:blip r:embed="rId2"/>
+          <a:stretch>
+            <a:fillRect/>
+          </a:stretch>
+        </p:blipFill>
+        <p:spPr>
+          <a:xfrm>
+            <a:off x="800762" y="67095"/>
+            <a:ext cx="10590476" cy="6723809"/>
+          </a:xfrm>
+          <a:prstGeom prst="rect">
+            <a:avLst/>
+          </a:prstGeom>
+        </p:spPr>
+      </p:pic>
+    </p:spTree>
+    <p:extLst>
+      <p:ext uri="{BB962C8B-B14F-4D97-AF65-F5344CB8AC3E}">
+        <p14:creationId xmlns:p14="http://schemas.microsoft.com/office/powerpoint/2010/main" val="2070661040"/>
+      </p:ext>
+    </p:extLst>
+  </p:cSld>
+  <p:clrMapOvr>
+    <a:masterClrMapping/>
+  </p:clrMapOvr>
+</p:sld>
+</file>
+
+<file path=ppt/slides/slide7.xml><?xml version="1.0" encoding="utf-8"?>
+<p:sld xmlns:a="http://schemas.openxmlformats.org/drawingml/2006/main" xmlns:r="http://schemas.openxmlformats.org/officeDocument/2006/relationships" xmlns:p="http://schemas.openxmlformats.org/presentationml/2006/main">
+  <p:cSld>
+    <p:spTree>
+      <p:nvGrpSpPr>
+        <p:cNvPr id="1" name=""/>
+        <p:cNvGrpSpPr/>
+        <p:nvPr/>
+      </p:nvGrpSpPr>
+      <p:grpSpPr>
+        <a:xfrm>
+          <a:off x="0" y="0"/>
+          <a:ext cx="0" cy="0"/>
+          <a:chOff x="0" y="0"/>
+          <a:chExt cx="0" cy="0"/>
+        </a:xfrm>
+      </p:grpSpPr>
+      <p:sp>
+        <p:nvSpPr>
+          <p:cNvPr id="2" name="Title 1">
+            <a:extLst>
+              <a:ext uri="{FF2B5EF4-FFF2-40B4-BE49-F238E27FC236}">
+                <a16:creationId xmlns:a16="http://schemas.microsoft.com/office/drawing/2014/main" id="{02B78729-755C-4FE8-B728-763C29CA48D1}"/>
+              </a:ext>
+            </a:extLst>
+          </p:cNvPr>
+          <p:cNvSpPr>
+            <a:spLocks noGrp="1"/>
+          </p:cNvSpPr>
+          <p:nvPr>
+            <p:ph type="title"/>
+          </p:nvPr>
+        </p:nvSpPr>
+        <p:spPr/>
+        <p:txBody>
+          <a:bodyPr/>
+          <a:lstStyle/>
+          <a:p>
+            <a:endParaRPr lang="zh-CN" altLang="en-US"/>
+          </a:p>
+        </p:txBody>
+      </p:sp>
+      <p:sp>
+        <p:nvSpPr>
+          <p:cNvPr id="3" name="Content Placeholder 2">
+            <a:extLst>
+              <a:ext uri="{FF2B5EF4-FFF2-40B4-BE49-F238E27FC236}">
+                <a16:creationId xmlns:a16="http://schemas.microsoft.com/office/drawing/2014/main" id="{4B6B18AA-8105-4B5A-855F-9234D5F54258}"/>
+              </a:ext>
+            </a:extLst>
+          </p:cNvPr>
+          <p:cNvSpPr>
+            <a:spLocks noGrp="1"/>
+          </p:cNvSpPr>
+          <p:nvPr>
+            <p:ph idx="1"/>
+          </p:nvPr>
+        </p:nvSpPr>
+        <p:spPr/>
+        <p:txBody>
+          <a:bodyPr/>
+          <a:lstStyle/>
+          <a:p>
+            <a:endParaRPr lang="zh-CN" altLang="en-US"/>
+          </a:p>
+        </p:txBody>
+      </p:sp>
+      <p:pic>
+        <p:nvPicPr>
+          <p:cNvPr id="5" name="Picture 4">
+            <a:extLst>
+              <a:ext uri="{FF2B5EF4-FFF2-40B4-BE49-F238E27FC236}">
+                <a16:creationId xmlns:a16="http://schemas.microsoft.com/office/drawing/2014/main" id="{C65AB6E5-19A8-4C89-A037-C29D14BD6904}"/>
+              </a:ext>
+            </a:extLst>
+          </p:cNvPr>
+          <p:cNvPicPr>
+            <a:picLocks noChangeAspect="1"/>
+          </p:cNvPicPr>
+          <p:nvPr/>
+        </p:nvPicPr>
+        <p:blipFill>
+          <a:blip r:embed="rId2"/>
+          <a:stretch>
+            <a:fillRect/>
+          </a:stretch>
+        </p:blipFill>
+        <p:spPr>
+          <a:xfrm>
+            <a:off x="786476" y="100428"/>
+            <a:ext cx="10619048" cy="6657143"/>
+          </a:xfrm>
+          <a:prstGeom prst="rect">
+            <a:avLst/>
+          </a:prstGeom>
+        </p:spPr>
+      </p:pic>
+    </p:spTree>
+    <p:extLst>
+      <p:ext uri="{BB962C8B-B14F-4D97-AF65-F5344CB8AC3E}">
+        <p14:creationId xmlns:p14="http://schemas.microsoft.com/office/powerpoint/2010/main" val="2526538681"/>
+      </p:ext>
+    </p:extLst>
+  </p:cSld>
+  <p:clrMapOvr>
+    <a:masterClrMapping/>
+  </p:clrMapOvr>
+</p:sld>
+</file>
+
+<file path=ppt/slides/slide8.xml><?xml version="1.0" encoding="utf-8"?>
+<p:sld xmlns:a="http://schemas.openxmlformats.org/drawingml/2006/main" xmlns:r="http://schemas.openxmlformats.org/officeDocument/2006/relationships" xmlns:p="http://schemas.openxmlformats.org/presentationml/2006/main">
+  <p:cSld>
+    <p:spTree>
+      <p:nvGrpSpPr>
+        <p:cNvPr id="1" name=""/>
+        <p:cNvGrpSpPr/>
+        <p:nvPr/>
+      </p:nvGrpSpPr>
+      <p:grpSpPr>
+        <a:xfrm>
+          <a:off x="0" y="0"/>
+          <a:ext cx="0" cy="0"/>
+          <a:chOff x="0" y="0"/>
+          <a:chExt cx="0" cy="0"/>
+        </a:xfrm>
+      </p:grpSpPr>
+      <p:sp>
+        <p:nvSpPr>
+          <p:cNvPr id="2" name="Title 1">
+            <a:extLst>
+              <a:ext uri="{FF2B5EF4-FFF2-40B4-BE49-F238E27FC236}">
+                <a16:creationId xmlns:a16="http://schemas.microsoft.com/office/drawing/2014/main" id="{B1370752-D883-4529-8399-C038E04AD278}"/>
+              </a:ext>
+            </a:extLst>
+          </p:cNvPr>
+          <p:cNvSpPr>
+            <a:spLocks noGrp="1"/>
+          </p:cNvSpPr>
+          <p:nvPr>
+            <p:ph type="title"/>
+          </p:nvPr>
+        </p:nvSpPr>
+        <p:spPr/>
+        <p:txBody>
+          <a:bodyPr/>
+          <a:lstStyle/>
+          <a:p>
+            <a:endParaRPr lang="zh-CN" altLang="en-US"/>
+          </a:p>
+        </p:txBody>
+      </p:sp>
+      <p:sp>
+        <p:nvSpPr>
+          <p:cNvPr id="3" name="Content Placeholder 2">
+            <a:extLst>
+              <a:ext uri="{FF2B5EF4-FFF2-40B4-BE49-F238E27FC236}">
+                <a16:creationId xmlns:a16="http://schemas.microsoft.com/office/drawing/2014/main" id="{F7E0342F-19F2-4ACA-A87F-3EE4D89E4771}"/>
+              </a:ext>
+            </a:extLst>
+          </p:cNvPr>
+          <p:cNvSpPr>
+            <a:spLocks noGrp="1"/>
+          </p:cNvSpPr>
+          <p:nvPr>
+            <p:ph idx="1"/>
+          </p:nvPr>
+        </p:nvSpPr>
+        <p:spPr/>
+        <p:txBody>
+          <a:bodyPr/>
+          <a:lstStyle/>
+          <a:p>
+            <a:endParaRPr lang="zh-CN" altLang="en-US"/>
+          </a:p>
+        </p:txBody>
+      </p:sp>
+      <p:pic>
+        <p:nvPicPr>
+          <p:cNvPr id="5" name="Picture 4">
+            <a:extLst>
+              <a:ext uri="{FF2B5EF4-FFF2-40B4-BE49-F238E27FC236}">
+                <a16:creationId xmlns:a16="http://schemas.microsoft.com/office/drawing/2014/main" id="{C5048BF6-561E-4A2E-BB91-3CAC775EC4D8}"/>
+              </a:ext>
+            </a:extLst>
+          </p:cNvPr>
+          <p:cNvPicPr>
+            <a:picLocks noChangeAspect="1"/>
+          </p:cNvPicPr>
+          <p:nvPr/>
+        </p:nvPicPr>
+        <p:blipFill>
+          <a:blip r:embed="rId2"/>
+          <a:stretch>
+            <a:fillRect/>
+          </a:stretch>
+        </p:blipFill>
+        <p:spPr>
+          <a:xfrm>
+            <a:off x="362666" y="67095"/>
+            <a:ext cx="11466667" cy="6723809"/>
+          </a:xfrm>
+          <a:prstGeom prst="rect">
+            <a:avLst/>
+          </a:prstGeom>
+        </p:spPr>
+      </p:pic>
+    </p:spTree>
+    <p:extLst>
+      <p:ext uri="{BB962C8B-B14F-4D97-AF65-F5344CB8AC3E}">
+        <p14:creationId xmlns:p14="http://schemas.microsoft.com/office/powerpoint/2010/main" val="4230804003"/>
+      </p:ext>
+    </p:extLst>
+  </p:cSld>
+  <p:clrMapOvr>
+    <a:masterClrMapping/>
+  </p:clrMapOvr>
+</p:sld>
+</file>
+
+<file path=ppt/slides/slide9.xml><?xml version="1.0" encoding="utf-8"?>
+<p:sld xmlns:a="http://schemas.openxmlformats.org/drawingml/2006/main" xmlns:r="http://schemas.openxmlformats.org/officeDocument/2006/relationships" xmlns:p="http://schemas.openxmlformats.org/presentationml/2006/main">
+  <p:cSld>
+    <p:spTree>
+      <p:nvGrpSpPr>
+        <p:cNvPr id="1" name=""/>
+        <p:cNvGrpSpPr/>
+        <p:nvPr/>
+      </p:nvGrpSpPr>
+      <p:grpSpPr>
+        <a:xfrm>
+          <a:off x="0" y="0"/>
+          <a:ext cx="0" cy="0"/>
+          <a:chOff x="0" y="0"/>
+          <a:chExt cx="0" cy="0"/>
+        </a:xfrm>
+      </p:grpSpPr>
       <p:sp>
         <p:nvSpPr>
           <p:cNvPr id="2" name="Title 1">
@@ -27874,1442 +29903,6 @@
         <p14:creationId xmlns:p14="http://schemas.microsoft.com/office/powerpoint/2010/main" val="3347890718"/>
       </p:ext>
     </p:extLst>
-  </p:cSld>
-  <p:clrMapOvr>
-    <a:masterClrMapping/>
-  </p:clrMapOvr>
-</p:sld>
-</file>
-
-<file path=ppt/slides/slide6.xml><?xml version="1.0" encoding="utf-8"?>
-<p:sld xmlns:a="http://schemas.openxmlformats.org/drawingml/2006/main" xmlns:r="http://schemas.openxmlformats.org/officeDocument/2006/relationships" xmlns:p="http://schemas.openxmlformats.org/presentationml/2006/main">
-  <p:cSld>
-    <p:spTree>
-      <p:nvGrpSpPr>
-        <p:cNvPr id="1" name=""/>
-        <p:cNvGrpSpPr/>
-        <p:nvPr/>
-      </p:nvGrpSpPr>
-      <p:grpSpPr>
-        <a:xfrm>
-          <a:off x="0" y="0"/>
-          <a:ext cx="0" cy="0"/>
-          <a:chOff x="0" y="0"/>
-          <a:chExt cx="0" cy="0"/>
-        </a:xfrm>
-      </p:grpSpPr>
-      <p:sp>
-        <p:nvSpPr>
-          <p:cNvPr id="2" name="Title 1">
-            <a:extLst>
-              <a:ext uri="{FF2B5EF4-FFF2-40B4-BE49-F238E27FC236}">
-                <a16:creationId xmlns:a16="http://schemas.microsoft.com/office/drawing/2014/main" id="{CD2FB4A2-FEAC-40CE-A9ED-D2118E13048A}"/>
-              </a:ext>
-            </a:extLst>
-          </p:cNvPr>
-          <p:cNvSpPr>
-            <a:spLocks noGrp="1"/>
-          </p:cNvSpPr>
-          <p:nvPr>
-            <p:ph type="title"/>
-          </p:nvPr>
-        </p:nvSpPr>
-        <p:spPr/>
-        <p:txBody>
-          <a:bodyPr/>
-          <a:lstStyle/>
-          <a:p>
-            <a:r>
-              <a:rPr lang="en-US" altLang="zh-CN" dirty="0"/>
-              <a:t>Data mining</a:t>
-            </a:r>
-            <a:endParaRPr lang="zh-CN" altLang="en-US" dirty="0"/>
-          </a:p>
-        </p:txBody>
-      </p:sp>
-      <p:sp>
-        <p:nvSpPr>
-          <p:cNvPr id="3" name="Content Placeholder 2">
-            <a:extLst>
-              <a:ext uri="{FF2B5EF4-FFF2-40B4-BE49-F238E27FC236}">
-                <a16:creationId xmlns:a16="http://schemas.microsoft.com/office/drawing/2014/main" id="{14415B4A-FF5A-4BA1-985B-F34837D9E72C}"/>
-              </a:ext>
-            </a:extLst>
-          </p:cNvPr>
-          <p:cNvSpPr>
-            <a:spLocks noGrp="1"/>
-          </p:cNvSpPr>
-          <p:nvPr>
-            <p:ph idx="1"/>
-          </p:nvPr>
-        </p:nvSpPr>
-        <p:spPr/>
-        <p:txBody>
-          <a:bodyPr/>
-          <a:lstStyle/>
-          <a:p>
-            <a:r>
-              <a:rPr lang="en-US" altLang="zh-CN" dirty="0"/>
-              <a:t>Show </a:t>
-            </a:r>
-            <a:r>
-              <a:rPr lang="en-US" altLang="zh-CN" dirty="0" err="1"/>
-              <a:t>dbscan</a:t>
-            </a:r>
-            <a:r>
-              <a:rPr lang="en-US" altLang="zh-CN" dirty="0"/>
-              <a:t> trend plot</a:t>
-            </a:r>
-            <a:endParaRPr lang="zh-CN" altLang="en-US" dirty="0"/>
-          </a:p>
-        </p:txBody>
-      </p:sp>
-    </p:spTree>
-    <p:extLst>
-      <p:ext uri="{BB962C8B-B14F-4D97-AF65-F5344CB8AC3E}">
-        <p14:creationId xmlns:p14="http://schemas.microsoft.com/office/powerpoint/2010/main" val="4245022924"/>
-      </p:ext>
-    </p:extLst>
-  </p:cSld>
-  <p:clrMapOvr>
-    <a:masterClrMapping/>
-  </p:clrMapOvr>
-</p:sld>
-</file>
-
-<file path=ppt/slides/slide7.xml><?xml version="1.0" encoding="utf-8"?>
-<p:sld xmlns:a="http://schemas.openxmlformats.org/drawingml/2006/main" xmlns:r="http://schemas.openxmlformats.org/officeDocument/2006/relationships" xmlns:p="http://schemas.openxmlformats.org/presentationml/2006/main">
-  <p:cSld>
-    <p:spTree>
-      <p:nvGrpSpPr>
-        <p:cNvPr id="1" name=""/>
-        <p:cNvGrpSpPr/>
-        <p:nvPr/>
-      </p:nvGrpSpPr>
-      <p:grpSpPr>
-        <a:xfrm>
-          <a:off x="0" y="0"/>
-          <a:ext cx="0" cy="0"/>
-          <a:chOff x="0" y="0"/>
-          <a:chExt cx="0" cy="0"/>
-        </a:xfrm>
-      </p:grpSpPr>
-      <p:sp>
-        <p:nvSpPr>
-          <p:cNvPr id="2" name="Title 1">
-            <a:extLst>
-              <a:ext uri="{FF2B5EF4-FFF2-40B4-BE49-F238E27FC236}">
-                <a16:creationId xmlns:a16="http://schemas.microsoft.com/office/drawing/2014/main" id="{676E081A-78FE-4E90-B17F-8D710EFB0FBC}"/>
-              </a:ext>
-            </a:extLst>
-          </p:cNvPr>
-          <p:cNvSpPr>
-            <a:spLocks noGrp="1"/>
-          </p:cNvSpPr>
-          <p:nvPr>
-            <p:ph type="title"/>
-          </p:nvPr>
-        </p:nvSpPr>
-        <p:spPr/>
-        <p:txBody>
-          <a:bodyPr/>
-          <a:lstStyle/>
-          <a:p>
-            <a:r>
-              <a:rPr lang="en-US" altLang="zh-CN" dirty="0"/>
-              <a:t>Runtime &amp; port benchmark</a:t>
-            </a:r>
-            <a:endParaRPr lang="zh-CN" altLang="en-US" dirty="0"/>
-          </a:p>
-        </p:txBody>
-      </p:sp>
-      <p:sp>
-        <p:nvSpPr>
-          <p:cNvPr id="3" name="Content Placeholder 2">
-            <a:extLst>
-              <a:ext uri="{FF2B5EF4-FFF2-40B4-BE49-F238E27FC236}">
-                <a16:creationId xmlns:a16="http://schemas.microsoft.com/office/drawing/2014/main" id="{DEC3862E-202F-4376-8929-311F7E2F2448}"/>
-              </a:ext>
-            </a:extLst>
-          </p:cNvPr>
-          <p:cNvSpPr>
-            <a:spLocks noGrp="1"/>
-          </p:cNvSpPr>
-          <p:nvPr>
-            <p:ph idx="1"/>
-          </p:nvPr>
-        </p:nvSpPr>
-        <p:spPr/>
-        <p:txBody>
-          <a:bodyPr/>
-          <a:lstStyle/>
-          <a:p>
-            <a:r>
-              <a:rPr lang="en-US" altLang="zh-CN" dirty="0"/>
-              <a:t>Runtime benchmark</a:t>
-            </a:r>
-          </a:p>
-          <a:p>
-            <a:r>
-              <a:rPr lang="en-US" altLang="zh-CN" dirty="0" err="1"/>
-              <a:t>Hyak</a:t>
-            </a:r>
-            <a:r>
-              <a:rPr lang="en-US" altLang="zh-CN" dirty="0"/>
-              <a:t> capability – citation?</a:t>
-            </a:r>
-            <a:endParaRPr lang="zh-CN" altLang="en-US" dirty="0"/>
-          </a:p>
-        </p:txBody>
-      </p:sp>
-    </p:spTree>
-    <p:extLst>
-      <p:ext uri="{BB962C8B-B14F-4D97-AF65-F5344CB8AC3E}">
-        <p14:creationId xmlns:p14="http://schemas.microsoft.com/office/powerpoint/2010/main" val="878207936"/>
-      </p:ext>
-    </p:extLst>
-  </p:cSld>
-  <p:clrMapOvr>
-    <a:masterClrMapping/>
-  </p:clrMapOvr>
-</p:sld>
-</file>
-
-<file path=ppt/slides/slide8.xml><?xml version="1.0" encoding="utf-8"?>
-<p:sld xmlns:a="http://schemas.openxmlformats.org/drawingml/2006/main" xmlns:r="http://schemas.openxmlformats.org/officeDocument/2006/relationships" xmlns:p="http://schemas.openxmlformats.org/presentationml/2006/main">
-  <p:cSld>
-    <p:bg>
-      <p:bgPr>
-        <a:solidFill>
-          <a:schemeClr val="bg1"/>
-        </a:solidFill>
-        <a:effectLst/>
-      </p:bgPr>
-    </p:bg>
-    <p:spTree>
-      <p:nvGrpSpPr>
-        <p:cNvPr id="1" name=""/>
-        <p:cNvGrpSpPr/>
-        <p:nvPr/>
-      </p:nvGrpSpPr>
-      <p:grpSpPr>
-        <a:xfrm>
-          <a:off x="0" y="0"/>
-          <a:ext cx="0" cy="0"/>
-          <a:chOff x="0" y="0"/>
-          <a:chExt cx="0" cy="0"/>
-        </a:xfrm>
-      </p:grpSpPr>
-      <p:sp>
-        <p:nvSpPr>
-          <p:cNvPr id="13" name="Rectangle 12">
-            <a:extLst>
-              <a:ext uri="{FF2B5EF4-FFF2-40B4-BE49-F238E27FC236}">
-                <a16:creationId xmlns:a16="http://schemas.microsoft.com/office/drawing/2014/main" id="{AD6F6937-3B5A-4391-9F37-58A571B362A9}"/>
-              </a:ext>
-              <a:ext uri="{C183D7F6-B498-43B3-948B-1728B52AA6E4}">
-                <adec:decorative xmlns:adec="http://schemas.microsoft.com/office/drawing/2017/decorative" val="1"/>
-              </a:ext>
-            </a:extLst>
-          </p:cNvPr>
-          <p:cNvSpPr>
-            <a:spLocks noGrp="1" noRot="1" noChangeAspect="1" noMove="1" noResize="1" noEditPoints="1" noAdjustHandles="1" noChangeArrowheads="1" noChangeShapeType="1" noTextEdit="1"/>
-          </p:cNvSpPr>
-          <p:nvPr>
-            <p:extLst>
-              <p:ext uri="{386F3935-93C4-4BCD-93E2-E3B085C9AB24}">
-                <p16:designElem xmlns:p16="http://schemas.microsoft.com/office/powerpoint/2015/main" val="1"/>
-              </p:ext>
-            </p:extLst>
-          </p:nvPr>
-        </p:nvSpPr>
-        <p:spPr>
-          <a:xfrm>
-            <a:off x="0" y="0"/>
-            <a:ext cx="4059080" cy="6858000"/>
-          </a:xfrm>
-          <a:prstGeom prst="rect">
-            <a:avLst/>
-          </a:prstGeom>
-          <a:solidFill>
-            <a:schemeClr val="accent1"/>
-          </a:solidFill>
-          <a:ln>
-            <a:noFill/>
-          </a:ln>
-        </p:spPr>
-        <p:style>
-          <a:lnRef idx="2">
-            <a:schemeClr val="accent1">
-              <a:shade val="50000"/>
-            </a:schemeClr>
-          </a:lnRef>
-          <a:fillRef idx="1">
-            <a:schemeClr val="accent1"/>
-          </a:fillRef>
-          <a:effectRef idx="0">
-            <a:schemeClr val="accent1"/>
-          </a:effectRef>
-          <a:fontRef idx="minor">
-            <a:schemeClr val="lt1"/>
-          </a:fontRef>
-        </p:style>
-        <p:txBody>
-          <a:bodyPr rtlCol="0" anchor="ctr"/>
-          <a:lstStyle/>
-          <a:p>
-            <a:pPr algn="ctr"/>
-            <a:endParaRPr lang="en-US"/>
-          </a:p>
-        </p:txBody>
-      </p:sp>
-      <p:sp>
-        <p:nvSpPr>
-          <p:cNvPr id="2" name="Title 1">
-            <a:extLst>
-              <a:ext uri="{FF2B5EF4-FFF2-40B4-BE49-F238E27FC236}">
-                <a16:creationId xmlns:a16="http://schemas.microsoft.com/office/drawing/2014/main" id="{70B11480-DC07-4DA8-90BD-2BBECBB89784}"/>
-              </a:ext>
-            </a:extLst>
-          </p:cNvPr>
-          <p:cNvSpPr>
-            <a:spLocks noGrp="1"/>
-          </p:cNvSpPr>
-          <p:nvPr>
-            <p:ph type="title"/>
-          </p:nvPr>
-        </p:nvSpPr>
-        <p:spPr>
-          <a:xfrm>
-            <a:off x="657224" y="936711"/>
-            <a:ext cx="2988265" cy="4984578"/>
-          </a:xfrm>
-        </p:spPr>
-        <p:txBody>
-          <a:bodyPr>
-            <a:normAutofit/>
-          </a:bodyPr>
-          <a:lstStyle/>
-          <a:p>
-            <a:r>
-              <a:rPr lang="en-US" altLang="zh-CN" sz="4400">
-                <a:solidFill>
-                  <a:srgbClr val="FFFFFF"/>
-                </a:solidFill>
-              </a:rPr>
-              <a:t>User case</a:t>
-            </a:r>
-            <a:endParaRPr lang="zh-CN" altLang="en-US" sz="4400">
-              <a:solidFill>
-                <a:srgbClr val="FFFFFF"/>
-              </a:solidFill>
-            </a:endParaRPr>
-          </a:p>
-        </p:txBody>
-      </p:sp>
-      <p:sp>
-        <p:nvSpPr>
-          <p:cNvPr id="3" name="Content Placeholder 2">
-            <a:extLst>
-              <a:ext uri="{FF2B5EF4-FFF2-40B4-BE49-F238E27FC236}">
-                <a16:creationId xmlns:a16="http://schemas.microsoft.com/office/drawing/2014/main" id="{91BB9684-6BF2-4ED6-A979-8CDD6D3D8AED}"/>
-              </a:ext>
-            </a:extLst>
-          </p:cNvPr>
-          <p:cNvSpPr>
-            <a:spLocks noGrp="1"/>
-          </p:cNvSpPr>
-          <p:nvPr>
-            <p:ph idx="1"/>
-          </p:nvPr>
-        </p:nvSpPr>
-        <p:spPr>
-          <a:xfrm>
-            <a:off x="4614389" y="936711"/>
-            <a:ext cx="6815992" cy="4984578"/>
-          </a:xfrm>
-        </p:spPr>
-        <p:txBody>
-          <a:bodyPr anchor="ctr">
-            <a:normAutofit/>
-          </a:bodyPr>
-          <a:lstStyle/>
-          <a:p>
-            <a:r>
-              <a:rPr lang="en-US" altLang="zh-CN" sz="2200"/>
-              <a:t>Users: HRMS instrument users </a:t>
-            </a:r>
-          </a:p>
-          <a:p>
-            <a:r>
-              <a:rPr lang="en-US" altLang="zh-CN" sz="2200"/>
-              <a:t>Usage:</a:t>
-            </a:r>
-            <a:r>
-              <a:rPr lang="zh-CN" altLang="en-US" sz="2200"/>
-              <a:t> </a:t>
-            </a:r>
-            <a:endParaRPr lang="en-US" altLang="zh-CN" sz="2200"/>
-          </a:p>
-          <a:p>
-            <a:pPr lvl="1"/>
-            <a:r>
-              <a:rPr lang="en-US" altLang="zh-CN" sz="2200"/>
-              <a:t>Data</a:t>
-            </a:r>
-            <a:r>
-              <a:rPr lang="zh-CN" altLang="en-US" sz="2200"/>
-              <a:t> </a:t>
-            </a:r>
-            <a:r>
-              <a:rPr lang="en-US" altLang="zh-CN" sz="2200"/>
-              <a:t>import</a:t>
-            </a:r>
-          </a:p>
-          <a:p>
-            <a:pPr lvl="1"/>
-            <a:r>
-              <a:rPr lang="en-US" altLang="zh-CN" sz="2200"/>
-              <a:t>Translation to readable format</a:t>
-            </a:r>
-          </a:p>
-          <a:p>
-            <a:pPr lvl="1"/>
-            <a:r>
-              <a:rPr lang="en-US" altLang="zh-CN" sz="2200"/>
-              <a:t>Visualization</a:t>
-            </a:r>
-          </a:p>
-          <a:p>
-            <a:pPr lvl="1"/>
-            <a:r>
-              <a:rPr lang="en-US" altLang="zh-CN" sz="2200"/>
-              <a:t>Find end member</a:t>
-            </a:r>
-          </a:p>
-          <a:p>
-            <a:pPr lvl="1"/>
-            <a:r>
-              <a:rPr lang="en-US" altLang="zh-CN" sz="2200"/>
-              <a:t>Advanced analysis</a:t>
-            </a:r>
-          </a:p>
-          <a:p>
-            <a:r>
-              <a:rPr lang="en-US" altLang="zh-CN" sz="2200"/>
-              <a:t>Input data:</a:t>
-            </a:r>
-          </a:p>
-          <a:p>
-            <a:pPr lvl="1"/>
-            <a:r>
-              <a:rPr lang="en-US" altLang="zh-CN" sz="2200"/>
-              <a:t>Converted HRMS data in .mzml format</a:t>
-            </a:r>
-          </a:p>
-          <a:p>
-            <a:r>
-              <a:rPr lang="en-US" altLang="zh-CN" sz="2200"/>
-              <a:t>Outputs:</a:t>
-            </a:r>
-          </a:p>
-          <a:p>
-            <a:pPr lvl="1"/>
-            <a:r>
-              <a:rPr lang="en-US" altLang="zh-CN" sz="2200"/>
-              <a:t>Data report</a:t>
-            </a:r>
-          </a:p>
-          <a:p>
-            <a:pPr lvl="1"/>
-            <a:r>
-              <a:rPr lang="en-US" altLang="zh-CN" sz="2200"/>
-              <a:t>Visualization plots</a:t>
-            </a:r>
-          </a:p>
-          <a:p>
-            <a:pPr lvl="1"/>
-            <a:r>
-              <a:rPr lang="en-US" altLang="zh-CN" sz="2200"/>
-              <a:t>Data analysis results based on user settings</a:t>
-            </a:r>
-          </a:p>
-          <a:p>
-            <a:pPr lvl="1"/>
-            <a:endParaRPr lang="en-US" altLang="zh-CN" sz="2200"/>
-          </a:p>
-          <a:p>
-            <a:pPr lvl="1"/>
-            <a:endParaRPr lang="en-US" altLang="zh-CN" sz="2200"/>
-          </a:p>
-        </p:txBody>
-      </p:sp>
-    </p:spTree>
-    <p:extLst>
-      <p:ext uri="{BB962C8B-B14F-4D97-AF65-F5344CB8AC3E}">
-        <p14:creationId xmlns:p14="http://schemas.microsoft.com/office/powerpoint/2010/main" val="1185393893"/>
-      </p:ext>
-    </p:extLst>
-  </p:cSld>
-  <p:clrMapOvr>
-    <a:masterClrMapping/>
-  </p:clrMapOvr>
-</p:sld>
-</file>
-
-<file path=ppt/slides/slide9.xml><?xml version="1.0" encoding="utf-8"?>
-<p:sld xmlns:a="http://schemas.openxmlformats.org/drawingml/2006/main" xmlns:r="http://schemas.openxmlformats.org/officeDocument/2006/relationships" xmlns:p="http://schemas.openxmlformats.org/presentationml/2006/main">
-  <p:cSld>
-    <p:bg>
-      <p:bgPr>
-        <a:solidFill>
-          <a:schemeClr val="bg1"/>
-        </a:solidFill>
-        <a:effectLst/>
-      </p:bgPr>
-    </p:bg>
-    <p:spTree>
-      <p:nvGrpSpPr>
-        <p:cNvPr id="1" name="Shape 146"/>
-        <p:cNvGrpSpPr/>
-        <p:nvPr/>
-      </p:nvGrpSpPr>
-      <p:grpSpPr>
-        <a:xfrm>
-          <a:off x="0" y="0"/>
-          <a:ext cx="0" cy="0"/>
-          <a:chOff x="0" y="0"/>
-          <a:chExt cx="0" cy="0"/>
-        </a:xfrm>
-      </p:grpSpPr>
-      <p:sp>
-        <p:nvSpPr>
-          <p:cNvPr id="104" name="Rectangle 103">
-            <a:extLst>
-              <a:ext uri="{FF2B5EF4-FFF2-40B4-BE49-F238E27FC236}">
-                <a16:creationId xmlns:a16="http://schemas.microsoft.com/office/drawing/2014/main" id="{07CEFFDD-605F-41E2-8017-6484074C5CAA}"/>
-              </a:ext>
-              <a:ext uri="{C183D7F6-B498-43B3-948B-1728B52AA6E4}">
-                <adec:decorative xmlns:adec="http://schemas.microsoft.com/office/drawing/2017/decorative" val="1"/>
-              </a:ext>
-            </a:extLst>
-          </p:cNvPr>
-          <p:cNvSpPr>
-            <a:spLocks noGrp="1" noRot="1" noChangeAspect="1" noMove="1" noResize="1" noEditPoints="1" noAdjustHandles="1" noChangeArrowheads="1" noChangeShapeType="1" noTextEdit="1"/>
-          </p:cNvSpPr>
-          <p:nvPr>
-            <p:extLst>
-              <p:ext uri="{386F3935-93C4-4BCD-93E2-E3B085C9AB24}">
-                <p16:designElem xmlns:p16="http://schemas.microsoft.com/office/powerpoint/2015/main" val="1"/>
-              </p:ext>
-            </p:extLst>
-          </p:nvPr>
-        </p:nvSpPr>
-        <p:spPr>
-          <a:xfrm>
-            <a:off x="7555992" y="0"/>
-            <a:ext cx="4636008" cy="6858000"/>
-          </a:xfrm>
-          <a:prstGeom prst="rect">
-            <a:avLst/>
-          </a:prstGeom>
-          <a:solidFill>
-            <a:schemeClr val="accent1"/>
-          </a:solidFill>
-          <a:ln>
-            <a:noFill/>
-          </a:ln>
-        </p:spPr>
-        <p:style>
-          <a:lnRef idx="2">
-            <a:schemeClr val="accent1">
-              <a:shade val="50000"/>
-            </a:schemeClr>
-          </a:lnRef>
-          <a:fillRef idx="1">
-            <a:schemeClr val="accent1"/>
-          </a:fillRef>
-          <a:effectRef idx="0">
-            <a:schemeClr val="accent1"/>
-          </a:effectRef>
-          <a:fontRef idx="minor">
-            <a:schemeClr val="lt1"/>
-          </a:fontRef>
-        </p:style>
-        <p:txBody>
-          <a:bodyPr rtlCol="0" anchor="ctr"/>
-          <a:lstStyle/>
-          <a:p>
-            <a:pPr algn="ctr"/>
-            <a:endParaRPr lang="en-US"/>
-          </a:p>
-        </p:txBody>
-      </p:sp>
-      <p:sp>
-        <p:nvSpPr>
-          <p:cNvPr id="149" name="Google Shape;149;p28"/>
-          <p:cNvSpPr txBox="1">
-            <a:spLocks noGrp="1"/>
-          </p:cNvSpPr>
-          <p:nvPr>
-            <p:ph type="title"/>
-          </p:nvPr>
-        </p:nvSpPr>
-        <p:spPr>
-          <a:xfrm>
-            <a:off x="8061245" y="2595231"/>
-            <a:ext cx="3401568" cy="1920240"/>
-          </a:xfrm>
-          <a:prstGeom prst="rect">
-            <a:avLst/>
-          </a:prstGeom>
-        </p:spPr>
-        <p:txBody>
-          <a:bodyPr spcFirstLastPara="1" vert="horz" lIns="91433" tIns="45700" rIns="91433" bIns="45700" rtlCol="0" anchor="b" anchorCtr="0">
-            <a:normAutofit/>
-          </a:bodyPr>
-          <a:lstStyle/>
-          <a:p>
-            <a:pPr>
-              <a:spcBef>
-                <a:spcPts val="0"/>
-              </a:spcBef>
-              <a:buClr>
-                <a:schemeClr val="dk1"/>
-              </a:buClr>
-              <a:buSzPts val="2700"/>
-            </a:pPr>
-            <a:r>
-              <a:rPr lang="en-US" altLang="zh-CN" sz="3400" dirty="0">
-                <a:solidFill>
-                  <a:srgbClr val="FFFFFF"/>
-                </a:solidFill>
-              </a:rPr>
-              <a:t>Peak picking</a:t>
-            </a:r>
-            <a:br>
-              <a:rPr lang="en-US" altLang="zh-CN" sz="3400" dirty="0">
-                <a:solidFill>
-                  <a:srgbClr val="FFFFFF"/>
-                </a:solidFill>
-              </a:rPr>
-            </a:br>
-            <a:r>
-              <a:rPr lang="en-US" altLang="zh-CN" sz="3400" dirty="0">
-                <a:solidFill>
-                  <a:srgbClr val="FFFFFF"/>
-                </a:solidFill>
-              </a:rPr>
-              <a:t>&amp;alignment</a:t>
-            </a:r>
-            <a:br>
-              <a:rPr lang="en-US" altLang="zh-CN" sz="3400" dirty="0">
-                <a:solidFill>
-                  <a:srgbClr val="FFFFFF"/>
-                </a:solidFill>
-              </a:rPr>
-            </a:br>
-            <a:br>
-              <a:rPr lang="en-US" altLang="zh-CN" sz="3400" dirty="0">
-                <a:solidFill>
-                  <a:srgbClr val="FFFFFF"/>
-                </a:solidFill>
-              </a:rPr>
-            </a:br>
-            <a:endParaRPr lang="en-US" sz="3400" dirty="0">
-              <a:solidFill>
-                <a:srgbClr val="FFFFFF"/>
-              </a:solidFill>
-            </a:endParaRPr>
-          </a:p>
-        </p:txBody>
-      </p:sp>
-      <p:grpSp>
-        <p:nvGrpSpPr>
-          <p:cNvPr id="151" name="Google Shape;151;p28"/>
-          <p:cNvGrpSpPr/>
-          <p:nvPr/>
-        </p:nvGrpSpPr>
-        <p:grpSpPr>
-          <a:xfrm>
-            <a:off x="633999" y="1058004"/>
-            <a:ext cx="6278529" cy="4752253"/>
-            <a:chOff x="0" y="151964"/>
-            <a:chExt cx="6967728" cy="5273911"/>
-          </a:xfrm>
-        </p:grpSpPr>
-        <p:sp>
-          <p:nvSpPr>
-            <p:cNvPr id="152" name="Google Shape;152;p28"/>
-            <p:cNvSpPr/>
-            <p:nvPr/>
-          </p:nvSpPr>
-          <p:spPr>
-            <a:xfrm>
-              <a:off x="0" y="402884"/>
-              <a:ext cx="6967728" cy="1338750"/>
-            </a:xfrm>
-            <a:prstGeom prst="rect">
-              <a:avLst/>
-            </a:prstGeom>
-            <a:solidFill>
-              <a:schemeClr val="lt1">
-                <a:alpha val="89803"/>
-              </a:schemeClr>
-            </a:solidFill>
-            <a:ln w="12700" cap="flat" cmpd="sng">
-              <a:solidFill>
-                <a:srgbClr val="4372C3"/>
-              </a:solidFill>
-              <a:prstDash val="solid"/>
-              <a:miter lim="800000"/>
-              <a:headEnd type="none" w="sm" len="sm"/>
-              <a:tailEnd type="none" w="sm" len="sm"/>
-            </a:ln>
-          </p:spPr>
-          <p:txBody>
-            <a:bodyPr spcFirstLastPara="1" wrap="square" lIns="91433" tIns="91433" rIns="91433" bIns="91433" anchor="ctr" anchorCtr="0">
-              <a:noAutofit/>
-            </a:bodyPr>
-            <a:lstStyle/>
-            <a:p>
-              <a:endParaRPr sz="2400"/>
-            </a:p>
-          </p:txBody>
-        </p:sp>
-        <p:sp>
-          <p:nvSpPr>
-            <p:cNvPr id="153" name="Google Shape;153;p28"/>
-            <p:cNvSpPr txBox="1"/>
-            <p:nvPr/>
-          </p:nvSpPr>
-          <p:spPr>
-            <a:xfrm>
-              <a:off x="0" y="402884"/>
-              <a:ext cx="6967728" cy="1338750"/>
-            </a:xfrm>
-            <a:prstGeom prst="rect">
-              <a:avLst/>
-            </a:prstGeom>
-            <a:noFill/>
-            <a:ln>
-              <a:noFill/>
-            </a:ln>
-          </p:spPr>
-          <p:txBody>
-            <a:bodyPr spcFirstLastPara="1" wrap="square" lIns="540767" tIns="354067" rIns="540767" bIns="120900" anchor="t" anchorCtr="0">
-              <a:normAutofit/>
-            </a:bodyPr>
-            <a:lstStyle/>
-            <a:p>
-              <a:pPr marL="169329" lvl="1" indent="-177796">
-                <a:lnSpc>
-                  <a:spcPct val="90000"/>
-                </a:lnSpc>
-                <a:buClr>
-                  <a:schemeClr val="dk1"/>
-                </a:buClr>
-                <a:buSzPts val="1300"/>
-                <a:buFont typeface="Arial"/>
-                <a:buChar char="•"/>
-              </a:pPr>
-              <a:r>
-                <a:rPr lang="en-US" altLang="zh-CN" sz="1300">
-                  <a:solidFill>
-                    <a:schemeClr val="dk1"/>
-                  </a:solidFill>
-                  <a:latin typeface="Arial"/>
-                  <a:ea typeface="Arial"/>
-                  <a:cs typeface="Arial"/>
-                  <a:sym typeface="Arial"/>
-                </a:rPr>
-                <a:t>Mainly based on pymzml package, which provided a high efficiency access to the raw data even during iterations</a:t>
-              </a:r>
-              <a:endParaRPr sz="1300">
-                <a:solidFill>
-                  <a:schemeClr val="dk1"/>
-                </a:solidFill>
-                <a:latin typeface="Arial"/>
-                <a:ea typeface="Arial"/>
-                <a:cs typeface="Arial"/>
-                <a:sym typeface="Arial"/>
-              </a:endParaRPr>
-            </a:p>
-            <a:p>
-              <a:pPr marL="169329" lvl="1" indent="-177796">
-                <a:lnSpc>
-                  <a:spcPct val="90000"/>
-                </a:lnSpc>
-                <a:spcBef>
-                  <a:spcPts val="267"/>
-                </a:spcBef>
-                <a:buClr>
-                  <a:schemeClr val="dk1"/>
-                </a:buClr>
-                <a:buSzPts val="1300"/>
-                <a:buFont typeface="Arial"/>
-                <a:buChar char="•"/>
-              </a:pPr>
-              <a:r>
-                <a:rPr lang="en-US" altLang="zh-CN" sz="1300">
-                  <a:solidFill>
-                    <a:schemeClr val="dk1"/>
-                  </a:solidFill>
-                  <a:latin typeface="Arial"/>
-                  <a:ea typeface="Arial"/>
-                  <a:cs typeface="Arial"/>
-                  <a:sym typeface="Arial"/>
-                </a:rPr>
-                <a:t>Single file/batch files option available</a:t>
-              </a:r>
-              <a:endParaRPr sz="1300">
-                <a:solidFill>
-                  <a:schemeClr val="dk1"/>
-                </a:solidFill>
-                <a:latin typeface="Arial"/>
-                <a:ea typeface="Arial"/>
-                <a:cs typeface="Arial"/>
-                <a:sym typeface="Arial"/>
-              </a:endParaRPr>
-            </a:p>
-          </p:txBody>
-        </p:sp>
-        <p:sp>
-          <p:nvSpPr>
-            <p:cNvPr id="154" name="Google Shape;154;p28"/>
-            <p:cNvSpPr/>
-            <p:nvPr/>
-          </p:nvSpPr>
-          <p:spPr>
-            <a:xfrm>
-              <a:off x="348386" y="151964"/>
-              <a:ext cx="4877409" cy="501840"/>
-            </a:xfrm>
-            <a:prstGeom prst="roundRect">
-              <a:avLst>
-                <a:gd name="adj" fmla="val 16667"/>
-              </a:avLst>
-            </a:prstGeom>
-            <a:solidFill>
-              <a:srgbClr val="4372C3"/>
-            </a:solidFill>
-            <a:ln w="12700" cap="flat" cmpd="sng">
-              <a:solidFill>
-                <a:schemeClr val="lt1"/>
-              </a:solidFill>
-              <a:prstDash val="solid"/>
-              <a:miter lim="800000"/>
-              <a:headEnd type="none" w="sm" len="sm"/>
-              <a:tailEnd type="none" w="sm" len="sm"/>
-            </a:ln>
-          </p:spPr>
-          <p:txBody>
-            <a:bodyPr spcFirstLastPara="1" wrap="square" lIns="91433" tIns="91433" rIns="91433" bIns="91433" anchor="ctr" anchorCtr="0">
-              <a:noAutofit/>
-            </a:bodyPr>
-            <a:lstStyle/>
-            <a:p>
-              <a:endParaRPr sz="2400"/>
-            </a:p>
-          </p:txBody>
-        </p:sp>
-        <p:sp>
-          <p:nvSpPr>
-            <p:cNvPr id="155" name="Google Shape;155;p28"/>
-            <p:cNvSpPr txBox="1"/>
-            <p:nvPr/>
-          </p:nvSpPr>
-          <p:spPr>
-            <a:xfrm>
-              <a:off x="372884" y="176462"/>
-              <a:ext cx="4828413" cy="452844"/>
-            </a:xfrm>
-            <a:prstGeom prst="rect">
-              <a:avLst/>
-            </a:prstGeom>
-            <a:noFill/>
-            <a:ln>
-              <a:noFill/>
-            </a:ln>
-          </p:spPr>
-          <p:txBody>
-            <a:bodyPr spcFirstLastPara="1" wrap="square" lIns="184367" tIns="0" rIns="184367" bIns="0" anchor="ctr" anchorCtr="0">
-              <a:normAutofit/>
-            </a:bodyPr>
-            <a:lstStyle/>
-            <a:p>
-              <a:pPr>
-                <a:lnSpc>
-                  <a:spcPct val="90000"/>
-                </a:lnSpc>
-                <a:spcAft>
-                  <a:spcPts val="600"/>
-                </a:spcAft>
-                <a:buClr>
-                  <a:schemeClr val="lt1"/>
-                </a:buClr>
-                <a:buSzPts val="1300"/>
-              </a:pPr>
-              <a:r>
-                <a:rPr lang="en-US" altLang="zh-CN" sz="2400">
-                  <a:solidFill>
-                    <a:schemeClr val="lt1"/>
-                  </a:solidFill>
-                  <a:latin typeface="Arial"/>
-                  <a:ea typeface="Arial"/>
-                  <a:cs typeface="Arial"/>
-                  <a:sym typeface="Arial"/>
-                </a:rPr>
-                <a:t>Mzml file import</a:t>
-              </a:r>
-              <a:endParaRPr sz="2400">
-                <a:solidFill>
-                  <a:schemeClr val="lt1"/>
-                </a:solidFill>
-                <a:latin typeface="Arial"/>
-                <a:ea typeface="Arial"/>
-                <a:cs typeface="Arial"/>
-                <a:sym typeface="Arial"/>
-              </a:endParaRPr>
-            </a:p>
-          </p:txBody>
-        </p:sp>
-        <p:sp>
-          <p:nvSpPr>
-            <p:cNvPr id="156" name="Google Shape;156;p28"/>
-            <p:cNvSpPr/>
-            <p:nvPr/>
-          </p:nvSpPr>
-          <p:spPr>
-            <a:xfrm>
-              <a:off x="0" y="2084355"/>
-              <a:ext cx="6967728" cy="1071000"/>
-            </a:xfrm>
-            <a:prstGeom prst="rect">
-              <a:avLst/>
-            </a:prstGeom>
-            <a:solidFill>
-              <a:schemeClr val="lt1">
-                <a:alpha val="89803"/>
-              </a:schemeClr>
-            </a:solidFill>
-            <a:ln w="12700" cap="flat" cmpd="sng">
-              <a:solidFill>
-                <a:srgbClr val="4372C3"/>
-              </a:solidFill>
-              <a:prstDash val="solid"/>
-              <a:miter lim="800000"/>
-              <a:headEnd type="none" w="sm" len="sm"/>
-              <a:tailEnd type="none" w="sm" len="sm"/>
-            </a:ln>
-          </p:spPr>
-          <p:txBody>
-            <a:bodyPr spcFirstLastPara="1" wrap="square" lIns="91433" tIns="91433" rIns="91433" bIns="91433" anchor="ctr" anchorCtr="0">
-              <a:noAutofit/>
-            </a:bodyPr>
-            <a:lstStyle/>
-            <a:p>
-              <a:endParaRPr sz="2400"/>
-            </a:p>
-          </p:txBody>
-        </p:sp>
-        <p:sp>
-          <p:nvSpPr>
-            <p:cNvPr id="157" name="Google Shape;157;p28"/>
-            <p:cNvSpPr txBox="1"/>
-            <p:nvPr/>
-          </p:nvSpPr>
-          <p:spPr>
-            <a:xfrm>
-              <a:off x="0" y="2084355"/>
-              <a:ext cx="6967728" cy="1071000"/>
-            </a:xfrm>
-            <a:prstGeom prst="rect">
-              <a:avLst/>
-            </a:prstGeom>
-            <a:noFill/>
-            <a:ln>
-              <a:noFill/>
-            </a:ln>
-          </p:spPr>
-          <p:txBody>
-            <a:bodyPr spcFirstLastPara="1" wrap="square" lIns="540767" tIns="354067" rIns="540767" bIns="120900" anchor="t" anchorCtr="0">
-              <a:normAutofit/>
-            </a:bodyPr>
-            <a:lstStyle/>
-            <a:p>
-              <a:pPr marL="169329" lvl="1" indent="-177796">
-                <a:lnSpc>
-                  <a:spcPct val="90000"/>
-                </a:lnSpc>
-                <a:buClr>
-                  <a:schemeClr val="dk1"/>
-                </a:buClr>
-                <a:buSzPts val="1300"/>
-                <a:buFont typeface="Arial"/>
-                <a:buChar char="•"/>
-              </a:pPr>
-              <a:r>
-                <a:rPr lang="en-US" altLang="zh-CN" sz="1600">
-                  <a:solidFill>
-                    <a:schemeClr val="dk1"/>
-                  </a:solidFill>
-                  <a:latin typeface="Arial"/>
-                  <a:ea typeface="Arial"/>
-                  <a:cs typeface="Arial"/>
-                  <a:sym typeface="Arial"/>
-                </a:rPr>
-                <a:t>MS1/MS2 scan selection</a:t>
-              </a:r>
-              <a:endParaRPr sz="1600">
-                <a:solidFill>
-                  <a:schemeClr val="dk1"/>
-                </a:solidFill>
-                <a:latin typeface="Arial"/>
-                <a:ea typeface="Arial"/>
-                <a:cs typeface="Arial"/>
-                <a:sym typeface="Arial"/>
-              </a:endParaRPr>
-            </a:p>
-            <a:p>
-              <a:pPr marL="169329" lvl="1" indent="-177796">
-                <a:lnSpc>
-                  <a:spcPct val="90000"/>
-                </a:lnSpc>
-                <a:spcBef>
-                  <a:spcPts val="267"/>
-                </a:spcBef>
-                <a:buClr>
-                  <a:schemeClr val="dk1"/>
-                </a:buClr>
-                <a:buSzPts val="1300"/>
-                <a:buFont typeface="Arial"/>
-                <a:buChar char="•"/>
-              </a:pPr>
-              <a:r>
-                <a:rPr lang="en-US" altLang="zh-CN" sz="1600">
-                  <a:solidFill>
-                    <a:schemeClr val="dk1"/>
-                  </a:solidFill>
-                  <a:latin typeface="Arial"/>
-                  <a:ea typeface="Arial"/>
-                  <a:cs typeface="Arial"/>
-                  <a:sym typeface="Arial"/>
-                </a:rPr>
-                <a:t>Noise removal</a:t>
-              </a:r>
-              <a:endParaRPr sz="1600">
-                <a:solidFill>
-                  <a:schemeClr val="dk1"/>
-                </a:solidFill>
-                <a:latin typeface="Arial"/>
-                <a:ea typeface="Arial"/>
-                <a:cs typeface="Arial"/>
-                <a:sym typeface="Arial"/>
-              </a:endParaRPr>
-            </a:p>
-          </p:txBody>
-        </p:sp>
-        <p:sp>
-          <p:nvSpPr>
-            <p:cNvPr id="158" name="Google Shape;158;p28"/>
-            <p:cNvSpPr/>
-            <p:nvPr/>
-          </p:nvSpPr>
-          <p:spPr>
-            <a:xfrm>
-              <a:off x="348386" y="1833435"/>
-              <a:ext cx="4877409" cy="501840"/>
-            </a:xfrm>
-            <a:prstGeom prst="roundRect">
-              <a:avLst>
-                <a:gd name="adj" fmla="val 16667"/>
-              </a:avLst>
-            </a:prstGeom>
-            <a:solidFill>
-              <a:srgbClr val="4372C3"/>
-            </a:solidFill>
-            <a:ln w="12700" cap="flat" cmpd="sng">
-              <a:solidFill>
-                <a:schemeClr val="lt1"/>
-              </a:solidFill>
-              <a:prstDash val="solid"/>
-              <a:miter lim="800000"/>
-              <a:headEnd type="none" w="sm" len="sm"/>
-              <a:tailEnd type="none" w="sm" len="sm"/>
-            </a:ln>
-          </p:spPr>
-          <p:txBody>
-            <a:bodyPr spcFirstLastPara="1" wrap="square" lIns="91433" tIns="91433" rIns="91433" bIns="91433" anchor="ctr" anchorCtr="0">
-              <a:noAutofit/>
-            </a:bodyPr>
-            <a:lstStyle/>
-            <a:p>
-              <a:endParaRPr sz="2400"/>
-            </a:p>
-          </p:txBody>
-        </p:sp>
-        <p:sp>
-          <p:nvSpPr>
-            <p:cNvPr id="159" name="Google Shape;159;p28"/>
-            <p:cNvSpPr txBox="1"/>
-            <p:nvPr/>
-          </p:nvSpPr>
-          <p:spPr>
-            <a:xfrm>
-              <a:off x="372884" y="1857933"/>
-              <a:ext cx="4828413" cy="452844"/>
-            </a:xfrm>
-            <a:prstGeom prst="rect">
-              <a:avLst/>
-            </a:prstGeom>
-            <a:noFill/>
-            <a:ln>
-              <a:noFill/>
-            </a:ln>
-          </p:spPr>
-          <p:txBody>
-            <a:bodyPr spcFirstLastPara="1" wrap="square" lIns="184367" tIns="0" rIns="184367" bIns="0" anchor="ctr" anchorCtr="0">
-              <a:normAutofit/>
-            </a:bodyPr>
-            <a:lstStyle/>
-            <a:p>
-              <a:pPr>
-                <a:lnSpc>
-                  <a:spcPct val="90000"/>
-                </a:lnSpc>
-                <a:spcAft>
-                  <a:spcPts val="600"/>
-                </a:spcAft>
-                <a:buClr>
-                  <a:schemeClr val="lt1"/>
-                </a:buClr>
-                <a:buSzPts val="1300"/>
-              </a:pPr>
-              <a:r>
-                <a:rPr lang="en-US" altLang="zh-CN" sz="2400">
-                  <a:solidFill>
-                    <a:schemeClr val="lt1"/>
-                  </a:solidFill>
-                  <a:latin typeface="Arial"/>
-                  <a:ea typeface="Arial"/>
-                  <a:cs typeface="Arial"/>
-                  <a:sym typeface="Arial"/>
-                </a:rPr>
-                <a:t>Raw data cleaning</a:t>
-              </a:r>
-              <a:endParaRPr sz="2400">
-                <a:solidFill>
-                  <a:schemeClr val="lt1"/>
-                </a:solidFill>
-                <a:latin typeface="Arial"/>
-                <a:ea typeface="Arial"/>
-                <a:cs typeface="Arial"/>
-                <a:sym typeface="Arial"/>
-              </a:endParaRPr>
-            </a:p>
-          </p:txBody>
-        </p:sp>
-        <p:sp>
-          <p:nvSpPr>
-            <p:cNvPr id="160" name="Google Shape;160;p28"/>
-            <p:cNvSpPr/>
-            <p:nvPr/>
-          </p:nvSpPr>
-          <p:spPr>
-            <a:xfrm>
-              <a:off x="0" y="3498075"/>
-              <a:ext cx="6967728" cy="1927800"/>
-            </a:xfrm>
-            <a:prstGeom prst="rect">
-              <a:avLst/>
-            </a:prstGeom>
-            <a:solidFill>
-              <a:schemeClr val="lt1">
-                <a:alpha val="89803"/>
-              </a:schemeClr>
-            </a:solidFill>
-            <a:ln w="12700" cap="flat" cmpd="sng">
-              <a:solidFill>
-                <a:srgbClr val="4372C3"/>
-              </a:solidFill>
-              <a:prstDash val="solid"/>
-              <a:miter lim="800000"/>
-              <a:headEnd type="none" w="sm" len="sm"/>
-              <a:tailEnd type="none" w="sm" len="sm"/>
-            </a:ln>
-          </p:spPr>
-          <p:txBody>
-            <a:bodyPr spcFirstLastPara="1" wrap="square" lIns="91433" tIns="91433" rIns="91433" bIns="91433" anchor="ctr" anchorCtr="0">
-              <a:noAutofit/>
-            </a:bodyPr>
-            <a:lstStyle/>
-            <a:p>
-              <a:endParaRPr sz="2400"/>
-            </a:p>
-          </p:txBody>
-        </p:sp>
-        <p:sp>
-          <p:nvSpPr>
-            <p:cNvPr id="161" name="Google Shape;161;p28"/>
-            <p:cNvSpPr txBox="1"/>
-            <p:nvPr/>
-          </p:nvSpPr>
-          <p:spPr>
-            <a:xfrm>
-              <a:off x="0" y="3498075"/>
-              <a:ext cx="6967728" cy="1927800"/>
-            </a:xfrm>
-            <a:prstGeom prst="rect">
-              <a:avLst/>
-            </a:prstGeom>
-            <a:noFill/>
-            <a:ln>
-              <a:noFill/>
-            </a:ln>
-          </p:spPr>
-          <p:txBody>
-            <a:bodyPr spcFirstLastPara="1" wrap="square" lIns="540767" tIns="354067" rIns="540767" bIns="120900" anchor="t" anchorCtr="0">
-              <a:normAutofit/>
-            </a:bodyPr>
-            <a:lstStyle/>
-            <a:p>
-              <a:pPr marL="169329" lvl="1" indent="-177796">
-                <a:lnSpc>
-                  <a:spcPct val="90000"/>
-                </a:lnSpc>
-                <a:spcAft>
-                  <a:spcPts val="600"/>
-                </a:spcAft>
-                <a:buClr>
-                  <a:schemeClr val="dk1"/>
-                </a:buClr>
-                <a:buSzPts val="1300"/>
-                <a:buFont typeface="Arial"/>
-                <a:buChar char="•"/>
-              </a:pPr>
-              <a:r>
-                <a:rPr lang="en-US" altLang="zh-CN" sz="1600">
-                  <a:solidFill>
-                    <a:schemeClr val="dk1"/>
-                  </a:solidFill>
-                  <a:latin typeface="Arial"/>
-                  <a:ea typeface="Arial"/>
-                  <a:cs typeface="Arial"/>
-                  <a:sym typeface="Arial"/>
-                </a:rPr>
-                <a:t>Mainly based on </a:t>
-              </a:r>
-              <a:r>
-                <a:rPr lang="en-US" altLang="zh-CN" sz="1600" err="1">
-                  <a:solidFill>
-                    <a:schemeClr val="dk1"/>
-                  </a:solidFill>
-                  <a:latin typeface="Arial"/>
-                  <a:ea typeface="Arial"/>
-                  <a:cs typeface="Arial"/>
-                  <a:sym typeface="Arial"/>
-                </a:rPr>
-                <a:t>peakUtils</a:t>
-              </a:r>
-              <a:r>
-                <a:rPr lang="en-US" altLang="zh-CN" sz="1600">
-                  <a:solidFill>
-                    <a:schemeClr val="dk1"/>
-                  </a:solidFill>
-                  <a:latin typeface="Arial"/>
-                  <a:ea typeface="Arial"/>
-                  <a:cs typeface="Arial"/>
-                  <a:sym typeface="Arial"/>
-                </a:rPr>
-                <a:t> package </a:t>
-              </a:r>
-            </a:p>
-            <a:p>
-              <a:pPr marL="169329" lvl="1" indent="-177796">
-                <a:lnSpc>
-                  <a:spcPct val="90000"/>
-                </a:lnSpc>
-                <a:spcAft>
-                  <a:spcPts val="600"/>
-                </a:spcAft>
-                <a:buClr>
-                  <a:schemeClr val="dk1"/>
-                </a:buClr>
-                <a:buSzPts val="1300"/>
-                <a:buFont typeface="Arial"/>
-                <a:buChar char="•"/>
-              </a:pPr>
-              <a:r>
-                <a:rPr lang="en-US" altLang="zh-CN" sz="1600">
-                  <a:solidFill>
-                    <a:schemeClr val="dk1"/>
-                  </a:solidFill>
-                  <a:latin typeface="Arial"/>
-                  <a:ea typeface="Arial"/>
-                  <a:cs typeface="Arial"/>
-                  <a:sym typeface="Arial"/>
-                </a:rPr>
-                <a:t>Utilized random forest model to assess the peaks</a:t>
-              </a:r>
-            </a:p>
-            <a:p>
-              <a:pPr marL="169329" lvl="1" indent="-177796">
-                <a:lnSpc>
-                  <a:spcPct val="90000"/>
-                </a:lnSpc>
-                <a:spcAft>
-                  <a:spcPts val="600"/>
-                </a:spcAft>
-                <a:buClr>
-                  <a:schemeClr val="dk1"/>
-                </a:buClr>
-                <a:buSzPts val="1300"/>
-                <a:buFont typeface="Arial"/>
-                <a:buChar char="•"/>
-              </a:pPr>
-              <a:r>
-                <a:rPr lang="en-US" sz="1600">
-                  <a:solidFill>
-                    <a:schemeClr val="dk1"/>
-                  </a:solidFill>
-                  <a:latin typeface="Arial"/>
-                  <a:ea typeface="Arial"/>
-                  <a:cs typeface="Arial"/>
-                  <a:sym typeface="Arial"/>
-                </a:rPr>
-                <a:t>Alignment of different data using user settings</a:t>
-              </a:r>
-            </a:p>
-            <a:p>
-              <a:pPr marL="169329" lvl="1" indent="-177796">
-                <a:lnSpc>
-                  <a:spcPct val="90000"/>
-                </a:lnSpc>
-                <a:spcAft>
-                  <a:spcPts val="600"/>
-                </a:spcAft>
-                <a:buClr>
-                  <a:schemeClr val="dk1"/>
-                </a:buClr>
-                <a:buSzPts val="1300"/>
-                <a:buFont typeface="Arial"/>
-                <a:buChar char="•"/>
-              </a:pPr>
-              <a:endParaRPr sz="1600">
-                <a:solidFill>
-                  <a:schemeClr val="dk1"/>
-                </a:solidFill>
-                <a:latin typeface="Arial"/>
-                <a:ea typeface="Arial"/>
-                <a:cs typeface="Arial"/>
-                <a:sym typeface="Arial"/>
-              </a:endParaRPr>
-            </a:p>
-          </p:txBody>
-        </p:sp>
-        <p:sp>
-          <p:nvSpPr>
-            <p:cNvPr id="162" name="Google Shape;162;p28"/>
-            <p:cNvSpPr/>
-            <p:nvPr/>
-          </p:nvSpPr>
-          <p:spPr>
-            <a:xfrm>
-              <a:off x="348386" y="3247155"/>
-              <a:ext cx="4877409" cy="501840"/>
-            </a:xfrm>
-            <a:prstGeom prst="roundRect">
-              <a:avLst>
-                <a:gd name="adj" fmla="val 16667"/>
-              </a:avLst>
-            </a:prstGeom>
-            <a:solidFill>
-              <a:srgbClr val="4372C3"/>
-            </a:solidFill>
-            <a:ln w="12700" cap="flat" cmpd="sng">
-              <a:solidFill>
-                <a:schemeClr val="lt1"/>
-              </a:solidFill>
-              <a:prstDash val="solid"/>
-              <a:miter lim="800000"/>
-              <a:headEnd type="none" w="sm" len="sm"/>
-              <a:tailEnd type="none" w="sm" len="sm"/>
-            </a:ln>
-          </p:spPr>
-          <p:txBody>
-            <a:bodyPr spcFirstLastPara="1" wrap="square" lIns="91433" tIns="91433" rIns="91433" bIns="91433" anchor="ctr" anchorCtr="0">
-              <a:noAutofit/>
-            </a:bodyPr>
-            <a:lstStyle/>
-            <a:p>
-              <a:endParaRPr sz="2400"/>
-            </a:p>
-          </p:txBody>
-        </p:sp>
-        <p:sp>
-          <p:nvSpPr>
-            <p:cNvPr id="163" name="Google Shape;163;p28"/>
-            <p:cNvSpPr txBox="1"/>
-            <p:nvPr/>
-          </p:nvSpPr>
-          <p:spPr>
-            <a:xfrm>
-              <a:off x="372884" y="3271653"/>
-              <a:ext cx="4828413" cy="452844"/>
-            </a:xfrm>
-            <a:prstGeom prst="rect">
-              <a:avLst/>
-            </a:prstGeom>
-            <a:noFill/>
-            <a:ln>
-              <a:noFill/>
-            </a:ln>
-          </p:spPr>
-          <p:txBody>
-            <a:bodyPr spcFirstLastPara="1" wrap="square" lIns="184367" tIns="0" rIns="184367" bIns="0" anchor="ctr" anchorCtr="0">
-              <a:normAutofit/>
-            </a:bodyPr>
-            <a:lstStyle/>
-            <a:p>
-              <a:pPr>
-                <a:lnSpc>
-                  <a:spcPct val="90000"/>
-                </a:lnSpc>
-                <a:spcAft>
-                  <a:spcPts val="600"/>
-                </a:spcAft>
-                <a:buClr>
-                  <a:schemeClr val="lt1"/>
-                </a:buClr>
-                <a:buSzPts val="1300"/>
-              </a:pPr>
-              <a:r>
-                <a:rPr lang="en-US" altLang="zh-CN" sz="2000">
-                  <a:solidFill>
-                    <a:schemeClr val="lt1"/>
-                  </a:solidFill>
-                  <a:latin typeface="Arial"/>
-                  <a:ea typeface="Arial"/>
-                  <a:cs typeface="Arial"/>
-                  <a:sym typeface="Arial"/>
-                </a:rPr>
-                <a:t>Peak picking &amp; peak table export</a:t>
-              </a:r>
-              <a:endParaRPr sz="2000">
-                <a:solidFill>
-                  <a:schemeClr val="lt1"/>
-                </a:solidFill>
-                <a:latin typeface="Arial"/>
-                <a:ea typeface="Arial"/>
-                <a:cs typeface="Arial"/>
-                <a:sym typeface="Arial"/>
-              </a:endParaRPr>
-            </a:p>
-          </p:txBody>
-        </p:sp>
-      </p:grpSp>
-    </p:spTree>
   </p:cSld>
   <p:clrMapOvr>
     <a:masterClrMapping/>

--- a/doc/20210326 ACS presentation.pptx
+++ b/doc/20210326 ACS presentation.pptx
@@ -5,7 +5,7 @@
     <p:sldMasterId id="2147483660" r:id="rId1"/>
   </p:sldMasterIdLst>
   <p:notesMasterIdLst>
-    <p:notesMasterId r:id="rId30"/>
+    <p:notesMasterId r:id="rId31"/>
   </p:notesMasterIdLst>
   <p:sldIdLst>
     <p:sldId id="256" r:id="rId2"/>
@@ -13,29 +13,30 @@
     <p:sldId id="285" r:id="rId4"/>
     <p:sldId id="287" r:id="rId5"/>
     <p:sldId id="291" r:id="rId6"/>
-    <p:sldId id="292" r:id="rId7"/>
-    <p:sldId id="293" r:id="rId8"/>
-    <p:sldId id="294" r:id="rId9"/>
-    <p:sldId id="288" r:id="rId10"/>
-    <p:sldId id="289" r:id="rId11"/>
-    <p:sldId id="290" r:id="rId12"/>
-    <p:sldId id="283" r:id="rId13"/>
-    <p:sldId id="271" r:id="rId14"/>
-    <p:sldId id="272" r:id="rId15"/>
-    <p:sldId id="284" r:id="rId16"/>
-    <p:sldId id="265" r:id="rId17"/>
-    <p:sldId id="280" r:id="rId18"/>
-    <p:sldId id="274" r:id="rId19"/>
-    <p:sldId id="282" r:id="rId20"/>
-    <p:sldId id="273" r:id="rId21"/>
-    <p:sldId id="277" r:id="rId22"/>
-    <p:sldId id="260" r:id="rId23"/>
-    <p:sldId id="278" r:id="rId24"/>
-    <p:sldId id="276" r:id="rId25"/>
-    <p:sldId id="261" r:id="rId26"/>
-    <p:sldId id="262" r:id="rId27"/>
-    <p:sldId id="269" r:id="rId28"/>
-    <p:sldId id="279" r:id="rId29"/>
+    <p:sldId id="295" r:id="rId7"/>
+    <p:sldId id="292" r:id="rId8"/>
+    <p:sldId id="293" r:id="rId9"/>
+    <p:sldId id="294" r:id="rId10"/>
+    <p:sldId id="288" r:id="rId11"/>
+    <p:sldId id="289" r:id="rId12"/>
+    <p:sldId id="290" r:id="rId13"/>
+    <p:sldId id="283" r:id="rId14"/>
+    <p:sldId id="271" r:id="rId15"/>
+    <p:sldId id="272" r:id="rId16"/>
+    <p:sldId id="284" r:id="rId17"/>
+    <p:sldId id="265" r:id="rId18"/>
+    <p:sldId id="280" r:id="rId19"/>
+    <p:sldId id="274" r:id="rId20"/>
+    <p:sldId id="282" r:id="rId21"/>
+    <p:sldId id="273" r:id="rId22"/>
+    <p:sldId id="277" r:id="rId23"/>
+    <p:sldId id="260" r:id="rId24"/>
+    <p:sldId id="278" r:id="rId25"/>
+    <p:sldId id="276" r:id="rId26"/>
+    <p:sldId id="261" r:id="rId27"/>
+    <p:sldId id="262" r:id="rId28"/>
+    <p:sldId id="269" r:id="rId29"/>
+    <p:sldId id="279" r:id="rId30"/>
   </p:sldIdLst>
   <p:sldSz cx="12192000" cy="6858000"/>
   <p:notesSz cx="6858000" cy="9144000"/>
@@ -16034,7 +16035,7 @@
           <a:p>
             <a:fld id="{181E8529-792C-43C9-8979-6F67AD67ABED}" type="datetimeFigureOut">
               <a:rPr lang="zh-CN" altLang="en-US" smtClean="0"/>
-              <a:t>2021/3/26</a:t>
+              <a:t>2021/3/28</a:t>
             </a:fld>
             <a:endParaRPr lang="zh-CN" altLang="en-US"/>
           </a:p>
@@ -16303,6 +16304,90 @@
 </file>
 
 <file path=ppt/notesSlides/notesSlide1.xml><?xml version="1.0" encoding="utf-8"?>
+<p:notes xmlns:a="http://schemas.openxmlformats.org/drawingml/2006/main" xmlns:r="http://schemas.openxmlformats.org/officeDocument/2006/relationships" xmlns:p="http://schemas.openxmlformats.org/presentationml/2006/main">
+  <p:cSld>
+    <p:spTree>
+      <p:nvGrpSpPr>
+        <p:cNvPr id="1" name=""/>
+        <p:cNvGrpSpPr/>
+        <p:nvPr/>
+      </p:nvGrpSpPr>
+      <p:grpSpPr>
+        <a:xfrm>
+          <a:off x="0" y="0"/>
+          <a:ext cx="0" cy="0"/>
+          <a:chOff x="0" y="0"/>
+          <a:chExt cx="0" cy="0"/>
+        </a:xfrm>
+      </p:grpSpPr>
+      <p:sp>
+        <p:nvSpPr>
+          <p:cNvPr id="2" name="Slide Image Placeholder 1"/>
+          <p:cNvSpPr>
+            <a:spLocks noGrp="1" noRot="1" noChangeAspect="1"/>
+          </p:cNvSpPr>
+          <p:nvPr>
+            <p:ph type="sldImg"/>
+          </p:nvPr>
+        </p:nvSpPr>
+        <p:spPr/>
+      </p:sp>
+      <p:sp>
+        <p:nvSpPr>
+          <p:cNvPr id="3" name="Notes Placeholder 2"/>
+          <p:cNvSpPr>
+            <a:spLocks noGrp="1"/>
+          </p:cNvSpPr>
+          <p:nvPr>
+            <p:ph type="body" idx="1"/>
+          </p:nvPr>
+        </p:nvSpPr>
+        <p:spPr/>
+        <p:txBody>
+          <a:bodyPr/>
+          <a:lstStyle/>
+          <a:p>
+            <a:endParaRPr lang="zh-CN" altLang="en-US" dirty="0"/>
+          </a:p>
+        </p:txBody>
+      </p:sp>
+      <p:sp>
+        <p:nvSpPr>
+          <p:cNvPr id="4" name="Slide Number Placeholder 3"/>
+          <p:cNvSpPr>
+            <a:spLocks noGrp="1"/>
+          </p:cNvSpPr>
+          <p:nvPr>
+            <p:ph type="sldNum" sz="quarter" idx="5"/>
+          </p:nvPr>
+        </p:nvSpPr>
+        <p:spPr/>
+        <p:txBody>
+          <a:bodyPr/>
+          <a:lstStyle/>
+          <a:p>
+            <a:fld id="{6824DAEF-527D-46C3-9337-8837EAB68535}" type="slidenum">
+              <a:rPr lang="zh-CN" altLang="en-US" smtClean="0"/>
+              <a:t>3</a:t>
+            </a:fld>
+            <a:endParaRPr lang="zh-CN" altLang="en-US"/>
+          </a:p>
+        </p:txBody>
+      </p:sp>
+    </p:spTree>
+    <p:extLst>
+      <p:ext uri="{BB962C8B-B14F-4D97-AF65-F5344CB8AC3E}">
+        <p14:creationId xmlns:p14="http://schemas.microsoft.com/office/powerpoint/2010/main" val="3769594686"/>
+      </p:ext>
+    </p:extLst>
+  </p:cSld>
+  <p:clrMapOvr>
+    <a:masterClrMapping/>
+  </p:clrMapOvr>
+</p:notes>
+</file>
+
+<file path=ppt/notesSlides/notesSlide2.xml><?xml version="1.0" encoding="utf-8"?>
 <p:notes xmlns:a="http://schemas.openxmlformats.org/drawingml/2006/main" xmlns:r="http://schemas.openxmlformats.org/officeDocument/2006/relationships" xmlns:p="http://schemas.openxmlformats.org/presentationml/2006/main" showMasterSp="0" showMasterPhAnim="0">
   <p:cSld>
     <p:spTree>
@@ -16406,7 +16491,7 @@
 </p:notes>
 </file>
 
-<file path=ppt/notesSlides/notesSlide2.xml><?xml version="1.0" encoding="utf-8"?>
+<file path=ppt/notesSlides/notesSlide3.xml><?xml version="1.0" encoding="utf-8"?>
 <p:notes xmlns:a="http://schemas.openxmlformats.org/drawingml/2006/main" xmlns:r="http://schemas.openxmlformats.org/officeDocument/2006/relationships" xmlns:p="http://schemas.openxmlformats.org/presentationml/2006/main" showMasterSp="0" showMasterPhAnim="0">
   <p:cSld>
     <p:spTree>
@@ -16510,7 +16595,7 @@
 </p:notes>
 </file>
 
-<file path=ppt/notesSlides/notesSlide3.xml><?xml version="1.0" encoding="utf-8"?>
+<file path=ppt/notesSlides/notesSlide4.xml><?xml version="1.0" encoding="utf-8"?>
 <p:notes xmlns:a="http://schemas.openxmlformats.org/drawingml/2006/main" xmlns:r="http://schemas.openxmlformats.org/officeDocument/2006/relationships" xmlns:p="http://schemas.openxmlformats.org/presentationml/2006/main">
   <p:cSld>
     <p:spTree>
@@ -16575,7 +16660,7 @@
           <a:p>
             <a:fld id="{303AB7D7-D5A4-4A9C-8AD6-2C55E0D1ABF5}" type="slidenum">
               <a:rPr lang="zh-CN" altLang="en-US" smtClean="0"/>
-              <a:t>19</a:t>
+              <a:t>20</a:t>
             </a:fld>
             <a:endParaRPr lang="zh-CN" altLang="en-US"/>
           </a:p>
@@ -16594,7 +16679,7 @@
 </p:notes>
 </file>
 
-<file path=ppt/notesSlides/notesSlide4.xml><?xml version="1.0" encoding="utf-8"?>
+<file path=ppt/notesSlides/notesSlide5.xml><?xml version="1.0" encoding="utf-8"?>
 <p:notes xmlns:a="http://schemas.openxmlformats.org/drawingml/2006/main" xmlns:r="http://schemas.openxmlformats.org/officeDocument/2006/relationships" xmlns:p="http://schemas.openxmlformats.org/presentationml/2006/main" showMasterSp="0" showMasterPhAnim="0">
   <p:cSld>
     <p:spTree>
@@ -16898,7 +16983,7 @@
           <a:p>
             <a:fld id="{B435AACF-D74E-4E13-A56A-99C37B9EB3F2}" type="datetimeFigureOut">
               <a:rPr lang="zh-CN" altLang="en-US" smtClean="0"/>
-              <a:t>2021/3/26</a:t>
+              <a:t>2021/3/28</a:t>
             </a:fld>
             <a:endParaRPr lang="zh-CN" altLang="en-US"/>
           </a:p>
@@ -17088,7 +17173,7 @@
           <a:p>
             <a:fld id="{B435AACF-D74E-4E13-A56A-99C37B9EB3F2}" type="datetimeFigureOut">
               <a:rPr lang="zh-CN" altLang="en-US" smtClean="0"/>
-              <a:t>2021/3/26</a:t>
+              <a:t>2021/3/28</a:t>
             </a:fld>
             <a:endParaRPr lang="zh-CN" altLang="en-US"/>
           </a:p>
@@ -17268,7 +17353,7 @@
           <a:p>
             <a:fld id="{B435AACF-D74E-4E13-A56A-99C37B9EB3F2}" type="datetimeFigureOut">
               <a:rPr lang="zh-CN" altLang="en-US" smtClean="0"/>
-              <a:t>2021/3/26</a:t>
+              <a:t>2021/3/28</a:t>
             </a:fld>
             <a:endParaRPr lang="zh-CN" altLang="en-US"/>
           </a:p>
@@ -17438,7 +17523,7 @@
           <a:p>
             <a:fld id="{B435AACF-D74E-4E13-A56A-99C37B9EB3F2}" type="datetimeFigureOut">
               <a:rPr lang="zh-CN" altLang="en-US" smtClean="0"/>
-              <a:t>2021/3/26</a:t>
+              <a:t>2021/3/28</a:t>
             </a:fld>
             <a:endParaRPr lang="zh-CN" altLang="en-US"/>
           </a:p>
@@ -17694,7 +17779,7 @@
           <a:p>
             <a:fld id="{B435AACF-D74E-4E13-A56A-99C37B9EB3F2}" type="datetimeFigureOut">
               <a:rPr lang="zh-CN" altLang="en-US" smtClean="0"/>
-              <a:t>2021/3/26</a:t>
+              <a:t>2021/3/28</a:t>
             </a:fld>
             <a:endParaRPr lang="zh-CN" altLang="en-US"/>
           </a:p>
@@ -17982,7 +18067,7 @@
           <a:p>
             <a:fld id="{B435AACF-D74E-4E13-A56A-99C37B9EB3F2}" type="datetimeFigureOut">
               <a:rPr lang="zh-CN" altLang="en-US" smtClean="0"/>
-              <a:t>2021/3/26</a:t>
+              <a:t>2021/3/28</a:t>
             </a:fld>
             <a:endParaRPr lang="zh-CN" altLang="en-US"/>
           </a:p>
@@ -18420,7 +18505,7 @@
           <a:p>
             <a:fld id="{B435AACF-D74E-4E13-A56A-99C37B9EB3F2}" type="datetimeFigureOut">
               <a:rPr lang="zh-CN" altLang="en-US" smtClean="0"/>
-              <a:t>2021/3/26</a:t>
+              <a:t>2021/3/28</a:t>
             </a:fld>
             <a:endParaRPr lang="zh-CN" altLang="en-US"/>
           </a:p>
@@ -18538,7 +18623,7 @@
           <a:p>
             <a:fld id="{B435AACF-D74E-4E13-A56A-99C37B9EB3F2}" type="datetimeFigureOut">
               <a:rPr lang="zh-CN" altLang="en-US" smtClean="0"/>
-              <a:t>2021/3/26</a:t>
+              <a:t>2021/3/28</a:t>
             </a:fld>
             <a:endParaRPr lang="zh-CN" altLang="en-US"/>
           </a:p>
@@ -18633,7 +18718,7 @@
           <a:p>
             <a:fld id="{B435AACF-D74E-4E13-A56A-99C37B9EB3F2}" type="datetimeFigureOut">
               <a:rPr lang="zh-CN" altLang="en-US" smtClean="0"/>
-              <a:t>2021/3/26</a:t>
+              <a:t>2021/3/28</a:t>
             </a:fld>
             <a:endParaRPr lang="zh-CN" altLang="en-US"/>
           </a:p>
@@ -18989,7 +19074,7 @@
           <a:p>
             <a:fld id="{B435AACF-D74E-4E13-A56A-99C37B9EB3F2}" type="datetimeFigureOut">
               <a:rPr lang="zh-CN" altLang="en-US" smtClean="0"/>
-              <a:t>2021/3/26</a:t>
+              <a:t>2021/3/28</a:t>
             </a:fld>
             <a:endParaRPr lang="zh-CN" altLang="en-US"/>
           </a:p>
@@ -19305,7 +19390,7 @@
           <a:p>
             <a:fld id="{B435AACF-D74E-4E13-A56A-99C37B9EB3F2}" type="datetimeFigureOut">
               <a:rPr lang="zh-CN" altLang="en-US" smtClean="0"/>
-              <a:t>2021/3/26</a:t>
+              <a:t>2021/3/28</a:t>
             </a:fld>
             <a:endParaRPr lang="zh-CN" altLang="en-US"/>
           </a:p>
@@ -19538,7 +19623,7 @@
           <a:p>
             <a:fld id="{B435AACF-D74E-4E13-A56A-99C37B9EB3F2}" type="datetimeFigureOut">
               <a:rPr lang="zh-CN" altLang="en-US" smtClean="0"/>
-              <a:t>2021/3/26</a:t>
+              <a:t>2021/3/28</a:t>
             </a:fld>
             <a:endParaRPr lang="zh-CN" altLang="en-US"/>
           </a:p>
@@ -20075,6 +20160,127 @@
           <p:cNvPr id="2" name="Title 1">
             <a:extLst>
               <a:ext uri="{FF2B5EF4-FFF2-40B4-BE49-F238E27FC236}">
+                <a16:creationId xmlns:a16="http://schemas.microsoft.com/office/drawing/2014/main" id="{8162ED61-48D6-4C79-BB05-627C599D1528}"/>
+              </a:ext>
+            </a:extLst>
+          </p:cNvPr>
+          <p:cNvSpPr>
+            <a:spLocks noGrp="1"/>
+          </p:cNvSpPr>
+          <p:nvPr>
+            <p:ph type="title"/>
+          </p:nvPr>
+        </p:nvSpPr>
+        <p:spPr/>
+        <p:txBody>
+          <a:bodyPr/>
+          <a:lstStyle/>
+          <a:p>
+            <a:r>
+              <a:rPr lang="en-US" altLang="zh-CN" dirty="0"/>
+              <a:t>Peak picking &amp; alignment</a:t>
+            </a:r>
+            <a:endParaRPr lang="zh-CN" altLang="en-US" dirty="0"/>
+          </a:p>
+        </p:txBody>
+      </p:sp>
+      <p:sp>
+        <p:nvSpPr>
+          <p:cNvPr id="3" name="Content Placeholder 2">
+            <a:extLst>
+              <a:ext uri="{FF2B5EF4-FFF2-40B4-BE49-F238E27FC236}">
+                <a16:creationId xmlns:a16="http://schemas.microsoft.com/office/drawing/2014/main" id="{52E62FF2-705C-4D13-92C8-C5FD01552B69}"/>
+              </a:ext>
+            </a:extLst>
+          </p:cNvPr>
+          <p:cNvSpPr>
+            <a:spLocks noGrp="1"/>
+          </p:cNvSpPr>
+          <p:nvPr>
+            <p:ph idx="1"/>
+          </p:nvPr>
+        </p:nvSpPr>
+        <p:spPr/>
+        <p:txBody>
+          <a:bodyPr/>
+          <a:lstStyle/>
+          <a:p>
+            <a:r>
+              <a:rPr lang="en-US" altLang="zh-CN" dirty="0"/>
+              <a:t>Quality report</a:t>
+            </a:r>
+          </a:p>
+          <a:p>
+            <a:r>
+              <a:rPr lang="en-US" altLang="zh-CN" dirty="0" err="1"/>
+              <a:t>Oneline</a:t>
+            </a:r>
+            <a:r>
+              <a:rPr lang="en-US" altLang="zh-CN" dirty="0"/>
+              <a:t> vs </a:t>
+            </a:r>
+            <a:r>
+              <a:rPr lang="en-US" altLang="zh-CN"/>
+              <a:t>discrete steps</a:t>
+            </a:r>
+            <a:endParaRPr lang="en-US" altLang="zh-CN" dirty="0"/>
+          </a:p>
+          <a:p>
+            <a:r>
+              <a:rPr lang="en-US" altLang="zh-CN" dirty="0"/>
+              <a:t>Modeling?</a:t>
+            </a:r>
+          </a:p>
+          <a:p>
+            <a:r>
+              <a:rPr lang="en-US" altLang="zh-CN" dirty="0"/>
+              <a:t>One-line processing</a:t>
+            </a:r>
+          </a:p>
+          <a:p>
+            <a:r>
+              <a:rPr lang="en-US" altLang="zh-CN" dirty="0"/>
+              <a:t>Show benchmark</a:t>
+            </a:r>
+            <a:endParaRPr lang="zh-CN" altLang="en-US" dirty="0"/>
+          </a:p>
+        </p:txBody>
+      </p:sp>
+    </p:spTree>
+    <p:extLst>
+      <p:ext uri="{BB962C8B-B14F-4D97-AF65-F5344CB8AC3E}">
+        <p14:creationId xmlns:p14="http://schemas.microsoft.com/office/powerpoint/2010/main" val="3347890718"/>
+      </p:ext>
+    </p:extLst>
+  </p:cSld>
+  <p:clrMapOvr>
+    <a:masterClrMapping/>
+  </p:clrMapOvr>
+</p:sld>
+</file>
+
+<file path=ppt/slides/slide11.xml><?xml version="1.0" encoding="utf-8"?>
+<p:sld xmlns:a="http://schemas.openxmlformats.org/drawingml/2006/main" xmlns:r="http://schemas.openxmlformats.org/officeDocument/2006/relationships" xmlns:p="http://schemas.openxmlformats.org/presentationml/2006/main">
+  <p:cSld>
+    <p:spTree>
+      <p:nvGrpSpPr>
+        <p:cNvPr id="1" name=""/>
+        <p:cNvGrpSpPr/>
+        <p:nvPr/>
+      </p:nvGrpSpPr>
+      <p:grpSpPr>
+        <a:xfrm>
+          <a:off x="0" y="0"/>
+          <a:ext cx="0" cy="0"/>
+          <a:chOff x="0" y="0"/>
+          <a:chExt cx="0" cy="0"/>
+        </a:xfrm>
+      </p:grpSpPr>
+      <p:sp>
+        <p:nvSpPr>
+          <p:cNvPr id="2" name="Title 1">
+            <a:extLst>
+              <a:ext uri="{FF2B5EF4-FFF2-40B4-BE49-F238E27FC236}">
                 <a16:creationId xmlns:a16="http://schemas.microsoft.com/office/drawing/2014/main" id="{CD2FB4A2-FEAC-40CE-A9ED-D2118E13048A}"/>
               </a:ext>
             </a:extLst>
@@ -20149,7 +20355,7 @@
 </p:sld>
 </file>
 
-<file path=ppt/slides/slide11.xml><?xml version="1.0" encoding="utf-8"?>
+<file path=ppt/slides/slide12.xml><?xml version="1.0" encoding="utf-8"?>
 <p:sld xmlns:a="http://schemas.openxmlformats.org/drawingml/2006/main" xmlns:r="http://schemas.openxmlformats.org/officeDocument/2006/relationships" xmlns:p="http://schemas.openxmlformats.org/presentationml/2006/main">
   <p:cSld>
     <p:spTree>
@@ -20247,7 +20453,7 @@
 </p:sld>
 </file>
 
-<file path=ppt/slides/slide12.xml><?xml version="1.0" encoding="utf-8"?>
+<file path=ppt/slides/slide13.xml><?xml version="1.0" encoding="utf-8"?>
 <p:sld xmlns:a="http://schemas.openxmlformats.org/drawingml/2006/main" xmlns:r="http://schemas.openxmlformats.org/officeDocument/2006/relationships" xmlns:p="http://schemas.openxmlformats.org/presentationml/2006/main">
   <p:cSld>
     <p:bg>
@@ -20529,7 +20735,7 @@
 </p:sld>
 </file>
 
-<file path=ppt/slides/slide13.xml><?xml version="1.0" encoding="utf-8"?>
+<file path=ppt/slides/slide14.xml><?xml version="1.0" encoding="utf-8"?>
 <p:sld xmlns:a="http://schemas.openxmlformats.org/drawingml/2006/main" xmlns:r="http://schemas.openxmlformats.org/officeDocument/2006/relationships" xmlns:p="http://schemas.openxmlformats.org/presentationml/2006/main">
   <p:cSld>
     <p:bg>
@@ -21489,7 +21695,7 @@
 </p:sld>
 </file>
 
-<file path=ppt/slides/slide14.xml><?xml version="1.0" encoding="utf-8"?>
+<file path=ppt/slides/slide15.xml><?xml version="1.0" encoding="utf-8"?>
 <p:sld xmlns:a="http://schemas.openxmlformats.org/drawingml/2006/main" xmlns:r="http://schemas.openxmlformats.org/officeDocument/2006/relationships" xmlns:p="http://schemas.openxmlformats.org/presentationml/2006/main">
   <p:cSld>
     <p:spTree>
@@ -21656,7 +21862,7 @@
 </p:sld>
 </file>
 
-<file path=ppt/slides/slide15.xml><?xml version="1.0" encoding="utf-8"?>
+<file path=ppt/slides/slide16.xml><?xml version="1.0" encoding="utf-8"?>
 <p:sld xmlns:a="http://schemas.openxmlformats.org/drawingml/2006/main" xmlns:r="http://schemas.openxmlformats.org/officeDocument/2006/relationships" xmlns:p="http://schemas.openxmlformats.org/presentationml/2006/main">
   <p:cSld>
     <p:bg>
@@ -21956,7 +22162,7 @@
 </p:sld>
 </file>
 
-<file path=ppt/slides/slide16.xml><?xml version="1.0" encoding="utf-8"?>
+<file path=ppt/slides/slide17.xml><?xml version="1.0" encoding="utf-8"?>
 <p:sld xmlns:a="http://schemas.openxmlformats.org/drawingml/2006/main" xmlns:r="http://schemas.openxmlformats.org/officeDocument/2006/relationships" xmlns:p="http://schemas.openxmlformats.org/presentationml/2006/main">
   <p:cSld>
     <p:bg>
@@ -22217,7 +22423,7 @@
 </p:sld>
 </file>
 
-<file path=ppt/slides/slide17.xml><?xml version="1.0" encoding="utf-8"?>
+<file path=ppt/slides/slide18.xml><?xml version="1.0" encoding="utf-8"?>
 <p:sld xmlns:a="http://schemas.openxmlformats.org/drawingml/2006/main" xmlns:r="http://schemas.openxmlformats.org/officeDocument/2006/relationships" xmlns:p="http://schemas.openxmlformats.org/presentationml/2006/main">
   <p:cSld>
     <p:bg>
@@ -22322,7 +22528,7 @@
 </p:sld>
 </file>
 
-<file path=ppt/slides/slide18.xml><?xml version="1.0" encoding="utf-8"?>
+<file path=ppt/slides/slide19.xml><?xml version="1.0" encoding="utf-8"?>
 <p:sld xmlns:a="http://schemas.openxmlformats.org/drawingml/2006/main" xmlns:r="http://schemas.openxmlformats.org/officeDocument/2006/relationships" xmlns:p="http://schemas.openxmlformats.org/presentationml/2006/main">
   <p:cSld>
     <p:bg>
@@ -22684,7 +22890,112 @@
 </p:sld>
 </file>
 
-<file path=ppt/slides/slide19.xml><?xml version="1.0" encoding="utf-8"?>
+<file path=ppt/slides/slide2.xml><?xml version="1.0" encoding="utf-8"?>
+<p:sld xmlns:a="http://schemas.openxmlformats.org/drawingml/2006/main" xmlns:r="http://schemas.openxmlformats.org/officeDocument/2006/relationships" xmlns:p="http://schemas.openxmlformats.org/presentationml/2006/main">
+  <p:cSld>
+    <p:bg>
+      <p:bgPr>
+        <a:solidFill>
+          <a:schemeClr val="bg1"/>
+        </a:solidFill>
+        <a:effectLst/>
+      </p:bgPr>
+    </p:bg>
+    <p:spTree>
+      <p:nvGrpSpPr>
+        <p:cNvPr id="1" name=""/>
+        <p:cNvGrpSpPr/>
+        <p:nvPr/>
+      </p:nvGrpSpPr>
+      <p:grpSpPr>
+        <a:xfrm>
+          <a:off x="0" y="0"/>
+          <a:ext cx="0" cy="0"/>
+          <a:chOff x="0" y="0"/>
+          <a:chExt cx="0" cy="0"/>
+        </a:xfrm>
+      </p:grpSpPr>
+      <p:sp>
+        <p:nvSpPr>
+          <p:cNvPr id="2" name="Title 1">
+            <a:extLst>
+              <a:ext uri="{FF2B5EF4-FFF2-40B4-BE49-F238E27FC236}">
+                <a16:creationId xmlns:a16="http://schemas.microsoft.com/office/drawing/2014/main" id="{66AC7444-9C4F-4B4C-A80A-E35C17D55A84}"/>
+              </a:ext>
+            </a:extLst>
+          </p:cNvPr>
+          <p:cNvSpPr>
+            <a:spLocks noGrp="1"/>
+          </p:cNvSpPr>
+          <p:nvPr>
+            <p:ph type="title"/>
+          </p:nvPr>
+        </p:nvSpPr>
+        <p:spPr>
+          <a:xfrm>
+            <a:off x="657224" y="499533"/>
+            <a:ext cx="10772775" cy="1658198"/>
+          </a:xfrm>
+        </p:spPr>
+        <p:txBody>
+          <a:bodyPr>
+            <a:normAutofit/>
+          </a:bodyPr>
+          <a:lstStyle/>
+          <a:p>
+            <a:r>
+              <a:rPr lang="en-US" altLang="zh-CN"/>
+              <a:t>Introduction</a:t>
+            </a:r>
+            <a:endParaRPr lang="zh-CN" altLang="en-US" dirty="0"/>
+          </a:p>
+        </p:txBody>
+      </p:sp>
+      <p:graphicFrame>
+        <p:nvGraphicFramePr>
+          <p:cNvPr id="4" name="Content Placeholder 2">
+            <a:extLst>
+              <a:ext uri="{FF2B5EF4-FFF2-40B4-BE49-F238E27FC236}">
+                <a16:creationId xmlns:a16="http://schemas.microsoft.com/office/drawing/2014/main" id="{A4027849-7BEA-43CC-B358-9B60B78EC099}"/>
+              </a:ext>
+            </a:extLst>
+          </p:cNvPr>
+          <p:cNvGraphicFramePr>
+            <a:graphicFrameLocks noGrp="1"/>
+          </p:cNvGraphicFramePr>
+          <p:nvPr>
+            <p:ph idx="1"/>
+            <p:extLst>
+              <p:ext uri="{D42A27DB-BD31-4B8C-83A1-F6EECF244321}">
+                <p14:modId xmlns:p14="http://schemas.microsoft.com/office/powerpoint/2010/main" val="3702656316"/>
+              </p:ext>
+            </p:extLst>
+          </p:nvPr>
+        </p:nvGraphicFramePr>
+        <p:xfrm>
+          <a:off x="676275" y="2373549"/>
+          <a:ext cx="10753725" cy="3599234"/>
+        </p:xfrm>
+        <a:graphic>
+          <a:graphicData uri="http://schemas.openxmlformats.org/drawingml/2006/diagram">
+            <dgm:relIds xmlns:dgm="http://schemas.openxmlformats.org/drawingml/2006/diagram" xmlns:r="http://schemas.openxmlformats.org/officeDocument/2006/relationships" r:dm="rId2" r:lo="rId3" r:qs="rId4" r:cs="rId5"/>
+          </a:graphicData>
+        </a:graphic>
+      </p:graphicFrame>
+    </p:spTree>
+    <p:extLst>
+      <p:ext uri="{BB962C8B-B14F-4D97-AF65-F5344CB8AC3E}">
+        <p14:creationId xmlns:p14="http://schemas.microsoft.com/office/powerpoint/2010/main" val="4216842124"/>
+      </p:ext>
+    </p:extLst>
+  </p:cSld>
+  <p:clrMapOvr>
+    <a:masterClrMapping/>
+  </p:clrMapOvr>
+</p:sld>
+</file>
+
+<file path=ppt/slides/slide20.xml><?xml version="1.0" encoding="utf-8"?>
 <p:sld xmlns:a="http://schemas.openxmlformats.org/drawingml/2006/main" xmlns:r="http://schemas.openxmlformats.org/officeDocument/2006/relationships" xmlns:p="http://schemas.openxmlformats.org/presentationml/2006/main">
   <p:cSld>
     <p:spTree>
@@ -23094,112 +23405,7 @@
 </p:sld>
 </file>
 
-<file path=ppt/slides/slide2.xml><?xml version="1.0" encoding="utf-8"?>
-<p:sld xmlns:a="http://schemas.openxmlformats.org/drawingml/2006/main" xmlns:r="http://schemas.openxmlformats.org/officeDocument/2006/relationships" xmlns:p="http://schemas.openxmlformats.org/presentationml/2006/main">
-  <p:cSld>
-    <p:bg>
-      <p:bgPr>
-        <a:solidFill>
-          <a:schemeClr val="bg1"/>
-        </a:solidFill>
-        <a:effectLst/>
-      </p:bgPr>
-    </p:bg>
-    <p:spTree>
-      <p:nvGrpSpPr>
-        <p:cNvPr id="1" name=""/>
-        <p:cNvGrpSpPr/>
-        <p:nvPr/>
-      </p:nvGrpSpPr>
-      <p:grpSpPr>
-        <a:xfrm>
-          <a:off x="0" y="0"/>
-          <a:ext cx="0" cy="0"/>
-          <a:chOff x="0" y="0"/>
-          <a:chExt cx="0" cy="0"/>
-        </a:xfrm>
-      </p:grpSpPr>
-      <p:sp>
-        <p:nvSpPr>
-          <p:cNvPr id="2" name="Title 1">
-            <a:extLst>
-              <a:ext uri="{FF2B5EF4-FFF2-40B4-BE49-F238E27FC236}">
-                <a16:creationId xmlns:a16="http://schemas.microsoft.com/office/drawing/2014/main" id="{66AC7444-9C4F-4B4C-A80A-E35C17D55A84}"/>
-              </a:ext>
-            </a:extLst>
-          </p:cNvPr>
-          <p:cNvSpPr>
-            <a:spLocks noGrp="1"/>
-          </p:cNvSpPr>
-          <p:nvPr>
-            <p:ph type="title"/>
-          </p:nvPr>
-        </p:nvSpPr>
-        <p:spPr>
-          <a:xfrm>
-            <a:off x="657224" y="499533"/>
-            <a:ext cx="10772775" cy="1658198"/>
-          </a:xfrm>
-        </p:spPr>
-        <p:txBody>
-          <a:bodyPr>
-            <a:normAutofit/>
-          </a:bodyPr>
-          <a:lstStyle/>
-          <a:p>
-            <a:r>
-              <a:rPr lang="en-US" altLang="zh-CN"/>
-              <a:t>Introduction</a:t>
-            </a:r>
-            <a:endParaRPr lang="zh-CN" altLang="en-US" dirty="0"/>
-          </a:p>
-        </p:txBody>
-      </p:sp>
-      <p:graphicFrame>
-        <p:nvGraphicFramePr>
-          <p:cNvPr id="4" name="Content Placeholder 2">
-            <a:extLst>
-              <a:ext uri="{FF2B5EF4-FFF2-40B4-BE49-F238E27FC236}">
-                <a16:creationId xmlns:a16="http://schemas.microsoft.com/office/drawing/2014/main" id="{A4027849-7BEA-43CC-B358-9B60B78EC099}"/>
-              </a:ext>
-            </a:extLst>
-          </p:cNvPr>
-          <p:cNvGraphicFramePr>
-            <a:graphicFrameLocks noGrp="1"/>
-          </p:cNvGraphicFramePr>
-          <p:nvPr>
-            <p:ph idx="1"/>
-            <p:extLst>
-              <p:ext uri="{D42A27DB-BD31-4B8C-83A1-F6EECF244321}">
-                <p14:modId xmlns:p14="http://schemas.microsoft.com/office/powerpoint/2010/main" val="3702656316"/>
-              </p:ext>
-            </p:extLst>
-          </p:nvPr>
-        </p:nvGraphicFramePr>
-        <p:xfrm>
-          <a:off x="676275" y="2373549"/>
-          <a:ext cx="10753725" cy="3599234"/>
-        </p:xfrm>
-        <a:graphic>
-          <a:graphicData uri="http://schemas.openxmlformats.org/drawingml/2006/diagram">
-            <dgm:relIds xmlns:dgm="http://schemas.openxmlformats.org/drawingml/2006/diagram" xmlns:r="http://schemas.openxmlformats.org/officeDocument/2006/relationships" r:dm="rId2" r:lo="rId3" r:qs="rId4" r:cs="rId5"/>
-          </a:graphicData>
-        </a:graphic>
-      </p:graphicFrame>
-    </p:spTree>
-    <p:extLst>
-      <p:ext uri="{BB962C8B-B14F-4D97-AF65-F5344CB8AC3E}">
-        <p14:creationId xmlns:p14="http://schemas.microsoft.com/office/powerpoint/2010/main" val="4216842124"/>
-      </p:ext>
-    </p:extLst>
-  </p:cSld>
-  <p:clrMapOvr>
-    <a:masterClrMapping/>
-  </p:clrMapOvr>
-</p:sld>
-</file>
-
-<file path=ppt/slides/slide20.xml><?xml version="1.0" encoding="utf-8"?>
+<file path=ppt/slides/slide21.xml><?xml version="1.0" encoding="utf-8"?>
 <p:sld xmlns:a="http://schemas.openxmlformats.org/drawingml/2006/main" xmlns:r="http://schemas.openxmlformats.org/officeDocument/2006/relationships" xmlns:p="http://schemas.openxmlformats.org/presentationml/2006/main">
   <p:cSld>
     <p:bg>
@@ -23380,7 +23586,7 @@
 </p:sld>
 </file>
 
-<file path=ppt/slides/slide21.xml><?xml version="1.0" encoding="utf-8"?>
+<file path=ppt/slides/slide22.xml><?xml version="1.0" encoding="utf-8"?>
 <p:sld xmlns:a="http://schemas.openxmlformats.org/drawingml/2006/main" xmlns:r="http://schemas.openxmlformats.org/officeDocument/2006/relationships" xmlns:p="http://schemas.openxmlformats.org/presentationml/2006/main">
   <p:cSld>
     <p:bg>
@@ -23745,7 +23951,7 @@
 </p:sld>
 </file>
 
-<file path=ppt/slides/slide22.xml><?xml version="1.0" encoding="utf-8"?>
+<file path=ppt/slides/slide23.xml><?xml version="1.0" encoding="utf-8"?>
 <p:sld xmlns:a="http://schemas.openxmlformats.org/drawingml/2006/main" xmlns:r="http://schemas.openxmlformats.org/officeDocument/2006/relationships" xmlns:p="http://schemas.openxmlformats.org/presentationml/2006/main">
   <p:cSld>
     <p:bg>
@@ -24069,7 +24275,7 @@
 </p:sld>
 </file>
 
-<file path=ppt/slides/slide23.xml><?xml version="1.0" encoding="utf-8"?>
+<file path=ppt/slides/slide24.xml><?xml version="1.0" encoding="utf-8"?>
 <p:sld xmlns:a="http://schemas.openxmlformats.org/drawingml/2006/main" xmlns:r="http://schemas.openxmlformats.org/officeDocument/2006/relationships" xmlns:p="http://schemas.openxmlformats.org/presentationml/2006/main">
   <p:cSld>
     <p:bg>
@@ -24192,14 +24398,14 @@
               <a:buSzPts val="3300"/>
             </a:pPr>
             <a:r>
-              <a:rPr lang="en-US" altLang="zh-CN" sz="4400">
+              <a:rPr lang="en-US" altLang="zh-CN" sz="4400" dirty="0">
                 <a:solidFill>
                   <a:srgbClr val="FFFFFF"/>
                 </a:solidFill>
               </a:rPr>
-              <a:t>Main features</a:t>
+              <a:t>Pros</a:t>
             </a:r>
-            <a:endParaRPr lang="en-US" sz="4400">
+            <a:endParaRPr lang="en-US" sz="4400" dirty="0">
               <a:solidFill>
                 <a:srgbClr val="FFFFFF"/>
               </a:solidFill>
@@ -24244,10 +24450,10 @@
               <a:buChar char="u"/>
             </a:pPr>
             <a:r>
-              <a:rPr lang="en-US" altLang="zh-CN" sz="1500"/>
+              <a:rPr lang="en-US" altLang="zh-CN" sz="1500" dirty="0"/>
               <a:t>General:</a:t>
             </a:r>
-            <a:endParaRPr lang="en-US" sz="1500"/>
+            <a:endParaRPr lang="en-US" sz="1500" dirty="0"/>
           </a:p>
           <a:p>
             <a:pPr marL="838179" lvl="1" indent="-380990">
@@ -24262,7 +24468,7 @@
               <a:buChar char="u"/>
             </a:pPr>
             <a:r>
-              <a:rPr lang="en-US" altLang="zh-CN" sz="1500"/>
+              <a:rPr lang="en-US" altLang="zh-CN" sz="1500" dirty="0"/>
               <a:t>First package on python which provide full workflow from data import to alignment result </a:t>
             </a:r>
           </a:p>
@@ -24279,7 +24485,7 @@
               <a:buChar char="u"/>
             </a:pPr>
             <a:r>
-              <a:rPr lang="en-US" altLang="zh-CN" sz="1500"/>
+              <a:rPr lang="en-US" altLang="zh-CN" sz="1500" dirty="0"/>
               <a:t>Light memory usage make it possible to be run on personal laptops </a:t>
             </a:r>
           </a:p>
@@ -24296,10 +24502,10 @@
               <a:buChar char="u"/>
             </a:pPr>
             <a:r>
-              <a:rPr lang="en-US" altLang="zh-CN" sz="1500"/>
+              <a:rPr lang="en-US" altLang="zh-CN" sz="1500" dirty="0"/>
               <a:t>Remote process option</a:t>
             </a:r>
-            <a:endParaRPr lang="en-US" sz="1500"/>
+            <a:endParaRPr lang="en-US" sz="1500" dirty="0"/>
           </a:p>
           <a:p>
             <a:pPr marL="838179" lvl="1" indent="-380990">
@@ -24314,7 +24520,7 @@
               <a:buChar char="u"/>
             </a:pPr>
             <a:r>
-              <a:rPr lang="en-US" altLang="zh-CN" sz="1500"/>
+              <a:rPr lang="en-US" altLang="zh-CN" sz="1500" dirty="0"/>
               <a:t>Modularized setup – always possible for more</a:t>
             </a:r>
           </a:p>
@@ -24331,7 +24537,7 @@
               <a:buChar char="u"/>
             </a:pPr>
             <a:r>
-              <a:rPr lang="en-US" altLang="zh-CN" sz="1500"/>
+              <a:rPr lang="en-US" altLang="zh-CN" sz="1500" dirty="0"/>
               <a:t>Open source – free to go!</a:t>
             </a:r>
           </a:p>
@@ -24348,10 +24554,10 @@
               <a:buChar char="u"/>
             </a:pPr>
             <a:r>
-              <a:rPr lang="en-US" altLang="zh-CN" sz="1500"/>
+              <a:rPr lang="en-US" altLang="zh-CN" sz="1500" dirty="0"/>
               <a:t>Peak picking</a:t>
             </a:r>
-            <a:endParaRPr lang="en-US" sz="1500"/>
+            <a:endParaRPr lang="en-US" sz="1500" dirty="0"/>
           </a:p>
           <a:p>
             <a:pPr marL="838179" lvl="1" indent="-380990">
@@ -24366,14 +24572,14 @@
               <a:buChar char="u"/>
             </a:pPr>
             <a:r>
-              <a:rPr lang="en-US" altLang="zh-CN" sz="1500" err="1"/>
+              <a:rPr lang="en-US" altLang="zh-CN" sz="1500" dirty="0" err="1"/>
               <a:t>Pymzml</a:t>
             </a:r>
             <a:r>
-              <a:rPr lang="en-US" altLang="zh-CN" sz="1500"/>
+              <a:rPr lang="en-US" altLang="zh-CN" sz="1500" dirty="0"/>
               <a:t> import enables faster speed</a:t>
             </a:r>
-            <a:endParaRPr lang="en-US" sz="1500"/>
+            <a:endParaRPr lang="en-US" sz="1500" dirty="0"/>
           </a:p>
           <a:p>
             <a:pPr marL="838179" lvl="1" indent="-380990">
@@ -24388,7 +24594,7 @@
               <a:buChar char="u"/>
             </a:pPr>
             <a:r>
-              <a:rPr lang="en-US" altLang="zh-CN" sz="1500"/>
+              <a:rPr lang="en-US" altLang="zh-CN" sz="1500" dirty="0"/>
               <a:t>Peak score to enhance data quality</a:t>
             </a:r>
           </a:p>
@@ -24405,7 +24611,7 @@
               <a:buChar char="u"/>
             </a:pPr>
             <a:r>
-              <a:rPr lang="en-US" altLang="zh-CN" sz="1500"/>
+              <a:rPr lang="en-US" altLang="zh-CN" sz="1500" dirty="0"/>
               <a:t>Alignment</a:t>
             </a:r>
           </a:p>
@@ -24422,7 +24628,7 @@
               <a:buChar char="u"/>
             </a:pPr>
             <a:r>
-              <a:rPr lang="en-US" altLang="zh-CN" sz="1500"/>
+              <a:rPr lang="en-US" altLang="zh-CN" sz="1500" dirty="0"/>
               <a:t>Can do the alignment for 100+ files in ~10 min</a:t>
             </a:r>
           </a:p>
@@ -24439,7 +24645,7 @@
               <a:buChar char="u"/>
             </a:pPr>
             <a:r>
-              <a:rPr lang="en-US" altLang="zh-CN" sz="1500"/>
+              <a:rPr lang="en-US" altLang="zh-CN" sz="1500" dirty="0"/>
               <a:t>Flexible settings for users</a:t>
             </a:r>
           </a:p>
@@ -24456,7 +24662,7 @@
               <a:buChar char="u"/>
             </a:pPr>
             <a:r>
-              <a:rPr lang="en-US" sz="1500"/>
+              <a:rPr lang="en-US" sz="1500" dirty="0"/>
               <a:t>Data analysis</a:t>
             </a:r>
           </a:p>
@@ -24473,7 +24679,7 @@
               <a:buChar char="u"/>
             </a:pPr>
             <a:r>
-              <a:rPr lang="en-US" sz="1500"/>
+              <a:rPr lang="en-US" sz="1500" dirty="0"/>
               <a:t>Visualization result for assess the analysis quality</a:t>
             </a:r>
           </a:p>
@@ -24490,7 +24696,7 @@
               <a:buChar char="u"/>
             </a:pPr>
             <a:r>
-              <a:rPr lang="en-US" sz="1500"/>
+              <a:rPr lang="en-US" sz="1500" dirty="0"/>
               <a:t>Open end algorithm options to fit different needs</a:t>
             </a:r>
           </a:p>
@@ -24507,7 +24713,7 @@
               <a:buChar char="u"/>
             </a:pPr>
             <a:r>
-              <a:rPr lang="en-US" sz="1500"/>
+              <a:rPr lang="en-US" sz="1500" dirty="0"/>
               <a:t>Handy function to boost up efficiency</a:t>
             </a:r>
           </a:p>
@@ -24521,7 +24727,7 @@
 </p:sld>
 </file>
 
-<file path=ppt/slides/slide24.xml><?xml version="1.0" encoding="utf-8"?>
+<file path=ppt/slides/slide25.xml><?xml version="1.0" encoding="utf-8"?>
 <p:sld xmlns:a="http://schemas.openxmlformats.org/drawingml/2006/main" xmlns:r="http://schemas.openxmlformats.org/officeDocument/2006/relationships" xmlns:p="http://schemas.openxmlformats.org/presentationml/2006/main">
   <p:cSld>
     <p:spTree>
@@ -24612,12 +24818,8 @@
           </a:p>
           <a:p>
             <a:r>
-              <a:rPr lang="en-US" altLang="zh-CN" dirty="0" err="1"/>
-              <a:t>Unittest</a:t>
-            </a:r>
-            <a:r>
               <a:rPr lang="en-US" altLang="zh-CN" dirty="0"/>
-              <a:t> and Travis CI is incorporated to make sure the package pass through without hitch</a:t>
+              <a:t>Travis CI is incorporated to make sure the package pass through without hitch</a:t>
             </a:r>
             <a:endParaRPr lang="zh-CN" altLang="en-US" dirty="0"/>
           </a:p>
@@ -24665,7 +24867,7 @@
 </p:sld>
 </file>
 
-<file path=ppt/slides/slide25.xml><?xml version="1.0" encoding="utf-8"?>
+<file path=ppt/slides/slide26.xml><?xml version="1.0" encoding="utf-8"?>
 <p:sld xmlns:a="http://schemas.openxmlformats.org/drawingml/2006/main" xmlns:r="http://schemas.openxmlformats.org/officeDocument/2006/relationships" xmlns:p="http://schemas.openxmlformats.org/presentationml/2006/main">
   <p:cSld>
     <p:bg>
@@ -24767,7 +24969,7 @@
 </p:sld>
 </file>
 
-<file path=ppt/slides/slide26.xml><?xml version="1.0" encoding="utf-8"?>
+<file path=ppt/slides/slide27.xml><?xml version="1.0" encoding="utf-8"?>
 <p:sld xmlns:a="http://schemas.openxmlformats.org/drawingml/2006/main" xmlns:r="http://schemas.openxmlformats.org/officeDocument/2006/relationships" xmlns:p="http://schemas.openxmlformats.org/presentationml/2006/main">
   <p:cSld>
     <p:bg>
@@ -25133,7 +25335,7 @@
 </p:sld>
 </file>
 
-<file path=ppt/slides/slide27.xml><?xml version="1.0" encoding="utf-8"?>
+<file path=ppt/slides/slide28.xml><?xml version="1.0" encoding="utf-8"?>
 <p:sld xmlns:a="http://schemas.openxmlformats.org/drawingml/2006/main" xmlns:r="http://schemas.openxmlformats.org/officeDocument/2006/relationships" xmlns:p="http://schemas.openxmlformats.org/presentationml/2006/main">
   <p:cSld>
     <p:bg>
@@ -25354,7 +25556,7 @@
 </p:sld>
 </file>
 
-<file path=ppt/slides/slide28.xml><?xml version="1.0" encoding="utf-8"?>
+<file path=ppt/slides/slide29.xml><?xml version="1.0" encoding="utf-8"?>
 <p:sld xmlns:a="http://schemas.openxmlformats.org/drawingml/2006/main" xmlns:r="http://schemas.openxmlformats.org/officeDocument/2006/relationships" xmlns:p="http://schemas.openxmlformats.org/presentationml/2006/main">
   <p:cSld>
     <p:bg>
@@ -25793,7 +25995,7 @@
         </p:nvGrpSpPr>
         <p:grpSpPr>
           <a:xfrm>
-            <a:off x="3275235" y="1373049"/>
+            <a:off x="3313965" y="1058476"/>
             <a:ext cx="5590730" cy="3365663"/>
             <a:chOff x="3275235" y="1373049"/>
             <a:chExt cx="5590730" cy="3365663"/>
@@ -27889,10 +28091,10 @@
         </p:nvGrpSpPr>
         <p:grpSpPr>
           <a:xfrm>
-            <a:off x="8209287" y="4331102"/>
-            <a:ext cx="3647770" cy="1659485"/>
+            <a:off x="8401859" y="4154623"/>
+            <a:ext cx="3647770" cy="1705651"/>
             <a:chOff x="8921977" y="4073386"/>
-            <a:chExt cx="2937088" cy="1659485"/>
+            <a:chExt cx="2937088" cy="1705651"/>
           </a:xfrm>
         </p:grpSpPr>
         <p:sp>
@@ -27951,7 +28153,7 @@
           <p:spPr>
             <a:xfrm>
               <a:off x="8929772" y="4532542"/>
-              <a:ext cx="2929293" cy="1200329"/>
+              <a:ext cx="2929293" cy="1246495"/>
             </a:xfrm>
             <a:prstGeom prst="rect">
               <a:avLst/>
@@ -27966,13 +28168,13 @@
             <a:p>
               <a:pPr algn="just" defTabSz="914400"/>
               <a:r>
-                <a:rPr lang="en-US" sz="1200" b="1" noProof="1">
+                <a:rPr lang="en-US" sz="1500" b="1" noProof="1">
                   <a:solidFill>
                     <a:schemeClr val="accent1"/>
                   </a:solidFill>
                   <a:latin typeface="Calibri" panose="020F0502020204030204"/>
                 </a:rPr>
-                <a:t>As the package is keeping update, there are always something new:</a:t>
+                <a:t>There are always something new:</a:t>
               </a:r>
             </a:p>
             <a:p>
@@ -27981,13 +28183,13 @@
                 <a:buChar char="•"/>
               </a:pPr>
               <a:r>
-                <a:rPr lang="en-US" sz="1200" b="1" noProof="1">
+                <a:rPr lang="en-US" sz="1500" b="1" noProof="1">
                   <a:solidFill>
                     <a:schemeClr val="accent1"/>
                   </a:solidFill>
                   <a:latin typeface="Calibri" panose="020F0502020204030204"/>
                 </a:rPr>
-                <a:t>Source identification and quantitative apportionment</a:t>
+                <a:t>Source identification </a:t>
               </a:r>
             </a:p>
             <a:p>
@@ -27996,7 +28198,22 @@
                 <a:buChar char="•"/>
               </a:pPr>
               <a:r>
-                <a:rPr lang="en-US" sz="1200" b="1" noProof="1">
+                <a:rPr lang="en-US" sz="1500" b="1" noProof="1">
+                  <a:solidFill>
+                    <a:schemeClr val="accent1"/>
+                  </a:solidFill>
+                  <a:latin typeface="Calibri" panose="020F0502020204030204"/>
+                </a:rPr>
+                <a:t>Source quantitative apportionment</a:t>
+              </a:r>
+            </a:p>
+            <a:p>
+              <a:pPr marL="171450" indent="-171450" algn="just" defTabSz="914400">
+                <a:buFont typeface="Arial" panose="020B0604020202020204" pitchFamily="34" charset="0"/>
+                <a:buChar char="•"/>
+              </a:pPr>
+              <a:r>
+                <a:rPr lang="en-US" sz="1500" b="1" noProof="1">
                   <a:solidFill>
                     <a:schemeClr val="accent1"/>
                   </a:solidFill>
@@ -28011,13 +28228,13 @@
                 <a:buChar char="•"/>
               </a:pPr>
               <a:r>
-                <a:rPr lang="en-US" sz="1200" b="1" noProof="1">
+                <a:rPr lang="en-US" sz="1500" b="1" noProof="1">
                   <a:solidFill>
                     <a:schemeClr val="accent1"/>
                   </a:solidFill>
                   <a:latin typeface="Calibri" panose="020F0502020204030204"/>
                 </a:rPr>
-                <a:t>Always more..</a:t>
+                <a:t>Even more..</a:t>
               </a:r>
             </a:p>
           </p:txBody>
@@ -28025,10 +28242,10 @@
       </p:grpSp>
       <p:grpSp>
         <p:nvGrpSpPr>
-          <p:cNvPr id="54" name="Group 53">
+          <p:cNvPr id="5" name="Group 4">
             <a:extLst>
               <a:ext uri="{FF2B5EF4-FFF2-40B4-BE49-F238E27FC236}">
-                <a16:creationId xmlns:a16="http://schemas.microsoft.com/office/drawing/2014/main" id="{AB781471-D043-40DB-9384-06BFE1CDA37F}"/>
+                <a16:creationId xmlns:a16="http://schemas.microsoft.com/office/drawing/2014/main" id="{B160EB70-F493-4C7E-B61D-8E26FCC5B417}"/>
               </a:ext>
             </a:extLst>
           </p:cNvPr>
@@ -28037,535 +28254,215 @@
         </p:nvGrpSpPr>
         <p:grpSpPr>
           <a:xfrm>
-            <a:off x="332936" y="4264057"/>
-            <a:ext cx="2937088" cy="1474819"/>
-            <a:chOff x="332936" y="4652338"/>
-            <a:chExt cx="2937088" cy="1474819"/>
+            <a:off x="236692" y="4116715"/>
+            <a:ext cx="3824419" cy="1785391"/>
+            <a:chOff x="8568403" y="1501129"/>
+            <a:chExt cx="3824419" cy="1785391"/>
           </a:xfrm>
         </p:grpSpPr>
-        <p:sp>
-          <p:nvSpPr>
-            <p:cNvPr id="55" name="TextBox 54">
+        <p:grpSp>
+          <p:nvGrpSpPr>
+            <p:cNvPr id="57" name="Group 56">
               <a:extLst>
                 <a:ext uri="{FF2B5EF4-FFF2-40B4-BE49-F238E27FC236}">
-                  <a16:creationId xmlns:a16="http://schemas.microsoft.com/office/drawing/2014/main" id="{0819E825-1198-49C0-A460-4155EEE985BF}"/>
+                  <a16:creationId xmlns:a16="http://schemas.microsoft.com/office/drawing/2014/main" id="{47726574-0CF9-42DF-97DB-0706CF1C92D0}"/>
                 </a:ext>
               </a:extLst>
             </p:cNvPr>
-            <p:cNvSpPr txBox="1"/>
+            <p:cNvGrpSpPr/>
             <p:nvPr/>
-          </p:nvSpPr>
+          </p:nvGrpSpPr>
+          <p:grpSpPr>
+            <a:xfrm>
+              <a:off x="8568403" y="1580869"/>
+              <a:ext cx="3824419" cy="1705651"/>
+              <a:chOff x="8921977" y="4073386"/>
+              <a:chExt cx="3824419" cy="1705651"/>
+            </a:xfrm>
+          </p:grpSpPr>
+          <p:sp>
+            <p:nvSpPr>
+              <p:cNvPr id="58" name="TextBox 57">
+                <a:extLst>
+                  <a:ext uri="{FF2B5EF4-FFF2-40B4-BE49-F238E27FC236}">
+                    <a16:creationId xmlns:a16="http://schemas.microsoft.com/office/drawing/2014/main" id="{8D921685-6E8C-45D4-A6D3-BC44CFCCFCBE}"/>
+                  </a:ext>
+                </a:extLst>
+              </p:cNvPr>
+              <p:cNvSpPr txBox="1"/>
+              <p:nvPr/>
+            </p:nvSpPr>
+            <p:spPr>
+              <a:xfrm>
+                <a:off x="8921977" y="4073386"/>
+                <a:ext cx="2937088" cy="461665"/>
+              </a:xfrm>
+              <a:prstGeom prst="rect">
+                <a:avLst/>
+              </a:prstGeom>
+              <a:noFill/>
+            </p:spPr>
+            <p:txBody>
+              <a:bodyPr wrap="square" lIns="0" rIns="0" rtlCol="0" anchor="b">
+                <a:spAutoFit/>
+              </a:bodyPr>
+              <a:lstStyle/>
+              <a:p>
+                <a:pPr defTabSz="914400"/>
+                <a:r>
+                  <a:rPr lang="en-US" sz="2400" b="1" cap="all" noProof="1">
+                    <a:solidFill>
+                      <a:srgbClr val="FFCC4C"/>
+                    </a:solidFill>
+                    <a:latin typeface="Calibri" panose="020F0502020204030204"/>
+                  </a:rPr>
+                  <a:t>visualization</a:t>
+                </a:r>
+              </a:p>
+            </p:txBody>
+          </p:sp>
+          <p:sp>
+            <p:nvSpPr>
+              <p:cNvPr id="59" name="TextBox 58">
+                <a:extLst>
+                  <a:ext uri="{FF2B5EF4-FFF2-40B4-BE49-F238E27FC236}">
+                    <a16:creationId xmlns:a16="http://schemas.microsoft.com/office/drawing/2014/main" id="{3F0A96A2-276F-44C7-AD5F-E5A4C928DCF5}"/>
+                  </a:ext>
+                </a:extLst>
+              </p:cNvPr>
+              <p:cNvSpPr txBox="1"/>
+              <p:nvPr/>
+            </p:nvSpPr>
+            <p:spPr>
+              <a:xfrm>
+                <a:off x="8929772" y="4532542"/>
+                <a:ext cx="3816624" cy="1246495"/>
+              </a:xfrm>
+              <a:prstGeom prst="rect">
+                <a:avLst/>
+              </a:prstGeom>
+              <a:noFill/>
+            </p:spPr>
+            <p:txBody>
+              <a:bodyPr wrap="square" lIns="0" rIns="0" rtlCol="0" anchor="t">
+                <a:spAutoFit/>
+              </a:bodyPr>
+              <a:lstStyle/>
+              <a:p>
+                <a:pPr algn="just" defTabSz="914400"/>
+                <a:r>
+                  <a:rPr lang="en-US" sz="1500" b="1" noProof="1">
+                    <a:solidFill>
+                      <a:schemeClr val="accent1"/>
+                    </a:solidFill>
+                    <a:latin typeface="Calibri" panose="020F0502020204030204"/>
+                  </a:rPr>
+                  <a:t>Various plot tools for visualizing HRMS data:</a:t>
+                </a:r>
+              </a:p>
+              <a:p>
+                <a:pPr marL="171450" indent="-171450" algn="just" defTabSz="914400">
+                  <a:buFont typeface="Arial" panose="020B0604020202020204" pitchFamily="34" charset="0"/>
+                  <a:buChar char="•"/>
+                </a:pPr>
+                <a:r>
+                  <a:rPr lang="en-US" sz="1500" b="1" noProof="1">
+                    <a:solidFill>
+                      <a:schemeClr val="accent1"/>
+                    </a:solidFill>
+                    <a:latin typeface="Calibri" panose="020F0502020204030204"/>
+                  </a:rPr>
+                  <a:t>Chromatograms </a:t>
+                </a:r>
+              </a:p>
+              <a:p>
+                <a:pPr marL="171450" indent="-171450" algn="just" defTabSz="914400">
+                  <a:buFont typeface="Arial" panose="020B0604020202020204" pitchFamily="34" charset="0"/>
+                  <a:buChar char="•"/>
+                </a:pPr>
+                <a:r>
+                  <a:rPr lang="en-US" sz="1500" b="1" noProof="1">
+                    <a:solidFill>
+                      <a:schemeClr val="accent1"/>
+                    </a:solidFill>
+                    <a:latin typeface="Calibri" panose="020F0502020204030204"/>
+                  </a:rPr>
+                  <a:t>Spectrums</a:t>
+                </a:r>
+              </a:p>
+              <a:p>
+                <a:pPr marL="171450" indent="-171450" algn="just" defTabSz="914400">
+                  <a:buFont typeface="Arial" panose="020B0604020202020204" pitchFamily="34" charset="0"/>
+                  <a:buChar char="•"/>
+                </a:pPr>
+                <a:r>
+                  <a:rPr lang="en-US" sz="1500" b="1" noProof="1">
+                    <a:solidFill>
+                      <a:schemeClr val="accent1"/>
+                    </a:solidFill>
+                    <a:latin typeface="Calibri" panose="020F0502020204030204"/>
+                  </a:rPr>
+                  <a:t>Static/Interactive options</a:t>
+                </a:r>
+              </a:p>
+              <a:p>
+                <a:pPr marL="171450" indent="-171450" algn="just" defTabSz="914400">
+                  <a:buFont typeface="Arial" panose="020B0604020202020204" pitchFamily="34" charset="0"/>
+                  <a:buChar char="•"/>
+                </a:pPr>
+                <a:r>
+                  <a:rPr lang="en-US" sz="1500" b="1" noProof="1">
+                    <a:solidFill>
+                      <a:schemeClr val="accent1"/>
+                    </a:solidFill>
+                    <a:latin typeface="Calibri" panose="020F0502020204030204"/>
+                  </a:rPr>
+                  <a:t>More..</a:t>
+                </a:r>
+              </a:p>
+            </p:txBody>
+          </p:sp>
+        </p:grpSp>
+        <p:pic>
+          <p:nvPicPr>
+            <p:cNvPr id="63" name="Graphic 62" descr="Signal">
+              <a:extLst>
+                <a:ext uri="{FF2B5EF4-FFF2-40B4-BE49-F238E27FC236}">
+                  <a16:creationId xmlns:a16="http://schemas.microsoft.com/office/drawing/2014/main" id="{044262C5-DEBF-4662-9BD6-208F2ABB8A0C}"/>
+                </a:ext>
+              </a:extLst>
+            </p:cNvPr>
+            <p:cNvPicPr>
+              <a:picLocks noChangeAspect="1"/>
+            </p:cNvPicPr>
+            <p:nvPr/>
+          </p:nvPicPr>
+          <p:blipFill>
+            <a:blip r:embed="rId3">
+              <a:extLst>
+                <a:ext uri="{28A0092B-C50C-407E-A947-70E740481C1C}">
+                  <a14:useLocalDpi xmlns:a14="http://schemas.microsoft.com/office/drawing/2010/main" val="0"/>
+                </a:ext>
+                <a:ext uri="{96DAC541-7B7A-43D3-8B79-37D633B846F1}">
+                  <asvg:svgBlip xmlns:asvg="http://schemas.microsoft.com/office/drawing/2016/SVG/main" r:embed="rId4"/>
+                </a:ext>
+              </a:extLst>
+            </a:blip>
+            <a:stretch>
+              <a:fillRect/>
+            </a:stretch>
+          </p:blipFill>
           <p:spPr>
             <a:xfrm>
-              <a:off x="332936" y="4652338"/>
-              <a:ext cx="2937088" cy="461665"/>
+              <a:off x="10668888" y="1501129"/>
+              <a:ext cx="580838" cy="580838"/>
             </a:xfrm>
             <a:prstGeom prst="rect">
               <a:avLst/>
             </a:prstGeom>
-            <a:noFill/>
           </p:spPr>
-          <p:txBody>
-            <a:bodyPr wrap="square" lIns="0" rIns="0" rtlCol="0" anchor="b">
-              <a:spAutoFit/>
-            </a:bodyPr>
-            <a:lstStyle/>
-            <a:p>
-              <a:pPr algn="r" defTabSz="914400"/>
-              <a:r>
-                <a:rPr lang="en-US" sz="2400" b="1" cap="all" noProof="1">
-                  <a:solidFill>
-                    <a:srgbClr val="FFCC4C"/>
-                  </a:solidFill>
-                  <a:latin typeface="Calibri" panose="020F0502020204030204"/>
-                </a:rPr>
-                <a:t>Other tools</a:t>
-              </a:r>
-            </a:p>
-          </p:txBody>
-        </p:sp>
-        <p:sp>
-          <p:nvSpPr>
-            <p:cNvPr id="56" name="TextBox 55">
-              <a:extLst>
-                <a:ext uri="{FF2B5EF4-FFF2-40B4-BE49-F238E27FC236}">
-                  <a16:creationId xmlns:a16="http://schemas.microsoft.com/office/drawing/2014/main" id="{CA1F81FD-24CC-4935-A306-382310F676BE}"/>
-                </a:ext>
-              </a:extLst>
-            </p:cNvPr>
-            <p:cNvSpPr txBox="1"/>
-            <p:nvPr/>
-          </p:nvSpPr>
-          <p:spPr>
-            <a:xfrm>
-              <a:off x="340731" y="5111494"/>
-              <a:ext cx="2929293" cy="1015663"/>
-            </a:xfrm>
-            <a:prstGeom prst="rect">
-              <a:avLst/>
-            </a:prstGeom>
-            <a:noFill/>
-          </p:spPr>
-          <p:txBody>
-            <a:bodyPr wrap="square" lIns="0" rIns="0" rtlCol="0" anchor="t">
-              <a:spAutoFit/>
-            </a:bodyPr>
-            <a:lstStyle/>
-            <a:p>
-              <a:pPr algn="just" defTabSz="914400"/>
-              <a:r>
-                <a:rPr lang="en-US" sz="1200" b="1" noProof="1">
-                  <a:solidFill>
-                    <a:schemeClr val="accent1"/>
-                  </a:solidFill>
-                  <a:latin typeface="Calibri" panose="020F0502020204030204"/>
-                </a:rPr>
-                <a:t>HRMS data processing assisting tools:</a:t>
-              </a:r>
-            </a:p>
-            <a:p>
-              <a:pPr marL="171450" indent="-171450" algn="just" defTabSz="914400">
-                <a:buFont typeface="Arial" panose="020B0604020202020204" pitchFamily="34" charset="0"/>
-                <a:buChar char="•"/>
-              </a:pPr>
-              <a:r>
-                <a:rPr lang="en-US" sz="1200" b="1" noProof="1">
-                  <a:solidFill>
-                    <a:schemeClr val="accent1"/>
-                  </a:solidFill>
-                  <a:latin typeface="Calibri" panose="020F0502020204030204"/>
-                </a:rPr>
-                <a:t>Formula annotation</a:t>
-              </a:r>
-            </a:p>
-            <a:p>
-              <a:pPr marL="171450" indent="-171450" algn="just" defTabSz="914400">
-                <a:buFont typeface="Arial" panose="020B0604020202020204" pitchFamily="34" charset="0"/>
-                <a:buChar char="•"/>
-              </a:pPr>
-              <a:r>
-                <a:rPr lang="en-US" sz="1200" b="1" noProof="1">
-                  <a:solidFill>
-                    <a:schemeClr val="accent1"/>
-                  </a:solidFill>
-                  <a:latin typeface="Calibri" panose="020F0502020204030204"/>
-                </a:rPr>
-                <a:t>MS2 spectrum online search</a:t>
-              </a:r>
-            </a:p>
-            <a:p>
-              <a:pPr marL="171450" indent="-171450" algn="just" defTabSz="914400">
-                <a:buFont typeface="Arial" panose="020B0604020202020204" pitchFamily="34" charset="0"/>
-                <a:buChar char="•"/>
-              </a:pPr>
-              <a:r>
-                <a:rPr lang="en-US" sz="1200" b="1" noProof="1">
-                  <a:solidFill>
-                    <a:schemeClr val="accent1"/>
-                  </a:solidFill>
-                  <a:latin typeface="Calibri" panose="020F0502020204030204"/>
-                </a:rPr>
-                <a:t>HRMS data quality report</a:t>
-              </a:r>
-            </a:p>
-            <a:p>
-              <a:pPr marL="171450" indent="-171450" algn="just" defTabSz="914400">
-                <a:buFont typeface="Arial" panose="020B0604020202020204" pitchFamily="34" charset="0"/>
-                <a:buChar char="•"/>
-              </a:pPr>
-              <a:r>
-                <a:rPr lang="en-US" sz="1200" b="1" noProof="1">
-                  <a:solidFill>
-                    <a:schemeClr val="accent1"/>
-                  </a:solidFill>
-                  <a:latin typeface="Calibri" panose="020F0502020204030204"/>
-                </a:rPr>
-                <a:t>More.. </a:t>
-              </a:r>
-            </a:p>
-          </p:txBody>
-        </p:sp>
+        </p:pic>
       </p:grpSp>
-      <p:grpSp>
-        <p:nvGrpSpPr>
-          <p:cNvPr id="57" name="Group 56">
-            <a:extLst>
-              <a:ext uri="{FF2B5EF4-FFF2-40B4-BE49-F238E27FC236}">
-                <a16:creationId xmlns:a16="http://schemas.microsoft.com/office/drawing/2014/main" id="{47726574-0CF9-42DF-97DB-0706CF1C92D0}"/>
-              </a:ext>
-            </a:extLst>
-          </p:cNvPr>
-          <p:cNvGrpSpPr/>
-          <p:nvPr/>
-        </p:nvGrpSpPr>
-        <p:grpSpPr>
-          <a:xfrm>
-            <a:off x="8568403" y="1580869"/>
-            <a:ext cx="2937088" cy="1659485"/>
-            <a:chOff x="8921977" y="4073386"/>
-            <a:chExt cx="2937088" cy="1659485"/>
-          </a:xfrm>
-        </p:grpSpPr>
-        <p:sp>
-          <p:nvSpPr>
-            <p:cNvPr id="58" name="TextBox 57">
-              <a:extLst>
-                <a:ext uri="{FF2B5EF4-FFF2-40B4-BE49-F238E27FC236}">
-                  <a16:creationId xmlns:a16="http://schemas.microsoft.com/office/drawing/2014/main" id="{8D921685-6E8C-45D4-A6D3-BC44CFCCFCBE}"/>
-                </a:ext>
-              </a:extLst>
-            </p:cNvPr>
-            <p:cNvSpPr txBox="1"/>
-            <p:nvPr/>
-          </p:nvSpPr>
-          <p:spPr>
-            <a:xfrm>
-              <a:off x="8921977" y="4073386"/>
-              <a:ext cx="2937088" cy="461665"/>
-            </a:xfrm>
-            <a:prstGeom prst="rect">
-              <a:avLst/>
-            </a:prstGeom>
-            <a:noFill/>
-          </p:spPr>
-          <p:txBody>
-            <a:bodyPr wrap="square" lIns="0" rIns="0" rtlCol="0" anchor="b">
-              <a:spAutoFit/>
-            </a:bodyPr>
-            <a:lstStyle/>
-            <a:p>
-              <a:pPr defTabSz="914400"/>
-              <a:r>
-                <a:rPr lang="en-US" sz="2400" b="1" cap="all" noProof="1">
-                  <a:solidFill>
-                    <a:srgbClr val="A2B969"/>
-                  </a:solidFill>
-                  <a:latin typeface="Calibri" panose="020F0502020204030204"/>
-                </a:rPr>
-                <a:t>visualization</a:t>
-              </a:r>
-            </a:p>
-          </p:txBody>
-        </p:sp>
-        <p:sp>
-          <p:nvSpPr>
-            <p:cNvPr id="59" name="TextBox 58">
-              <a:extLst>
-                <a:ext uri="{FF2B5EF4-FFF2-40B4-BE49-F238E27FC236}">
-                  <a16:creationId xmlns:a16="http://schemas.microsoft.com/office/drawing/2014/main" id="{3F0A96A2-276F-44C7-AD5F-E5A4C928DCF5}"/>
-                </a:ext>
-              </a:extLst>
-            </p:cNvPr>
-            <p:cNvSpPr txBox="1"/>
-            <p:nvPr/>
-          </p:nvSpPr>
-          <p:spPr>
-            <a:xfrm>
-              <a:off x="8929772" y="4532542"/>
-              <a:ext cx="2929293" cy="1200329"/>
-            </a:xfrm>
-            <a:prstGeom prst="rect">
-              <a:avLst/>
-            </a:prstGeom>
-            <a:noFill/>
-          </p:spPr>
-          <p:txBody>
-            <a:bodyPr wrap="square" lIns="0" rIns="0" rtlCol="0" anchor="t">
-              <a:spAutoFit/>
-            </a:bodyPr>
-            <a:lstStyle/>
-            <a:p>
-              <a:pPr algn="just" defTabSz="914400"/>
-              <a:r>
-                <a:rPr lang="en-US" sz="1200" b="1" noProof="1">
-                  <a:solidFill>
-                    <a:schemeClr val="accent1"/>
-                  </a:solidFill>
-                  <a:latin typeface="Calibri" panose="020F0502020204030204"/>
-                </a:rPr>
-                <a:t>Various plot tools for visualizing HRMS data:</a:t>
-              </a:r>
-            </a:p>
-            <a:p>
-              <a:pPr marL="171450" indent="-171450" algn="just" defTabSz="914400">
-                <a:buFont typeface="Arial" panose="020B0604020202020204" pitchFamily="34" charset="0"/>
-                <a:buChar char="•"/>
-              </a:pPr>
-              <a:r>
-                <a:rPr lang="en-US" sz="1200" b="1" noProof="1">
-                  <a:solidFill>
-                    <a:schemeClr val="accent1"/>
-                  </a:solidFill>
-                  <a:latin typeface="Calibri" panose="020F0502020204030204"/>
-                </a:rPr>
-                <a:t>Chromatograms </a:t>
-              </a:r>
-            </a:p>
-            <a:p>
-              <a:pPr marL="171450" indent="-171450" algn="just" defTabSz="914400">
-                <a:buFont typeface="Arial" panose="020B0604020202020204" pitchFamily="34" charset="0"/>
-                <a:buChar char="•"/>
-              </a:pPr>
-              <a:r>
-                <a:rPr lang="en-US" sz="1200" b="1" noProof="1">
-                  <a:solidFill>
-                    <a:schemeClr val="accent1"/>
-                  </a:solidFill>
-                  <a:latin typeface="Calibri" panose="020F0502020204030204"/>
-                </a:rPr>
-                <a:t>Spectrums</a:t>
-              </a:r>
-            </a:p>
-            <a:p>
-              <a:pPr marL="171450" indent="-171450" algn="just" defTabSz="914400">
-                <a:buFont typeface="Arial" panose="020B0604020202020204" pitchFamily="34" charset="0"/>
-                <a:buChar char="•"/>
-              </a:pPr>
-              <a:r>
-                <a:rPr lang="en-US" sz="1200" b="1" noProof="1">
-                  <a:solidFill>
-                    <a:schemeClr val="accent1"/>
-                  </a:solidFill>
-                  <a:latin typeface="Calibri" panose="020F0502020204030204"/>
-                </a:rPr>
-                <a:t>Static/Interactive options</a:t>
-              </a:r>
-            </a:p>
-            <a:p>
-              <a:pPr marL="171450" indent="-171450" algn="just" defTabSz="914400">
-                <a:buFont typeface="Arial" panose="020B0604020202020204" pitchFamily="34" charset="0"/>
-                <a:buChar char="•"/>
-              </a:pPr>
-              <a:r>
-                <a:rPr lang="en-US" sz="1200" b="1" noProof="1">
-                  <a:solidFill>
-                    <a:schemeClr val="accent1"/>
-                  </a:solidFill>
-                  <a:latin typeface="Calibri" panose="020F0502020204030204"/>
-                </a:rPr>
-                <a:t>More..</a:t>
-              </a:r>
-            </a:p>
-          </p:txBody>
-        </p:sp>
-      </p:grpSp>
-      <p:grpSp>
-        <p:nvGrpSpPr>
-          <p:cNvPr id="60" name="Group 59">
-            <a:extLst>
-              <a:ext uri="{FF2B5EF4-FFF2-40B4-BE49-F238E27FC236}">
-                <a16:creationId xmlns:a16="http://schemas.microsoft.com/office/drawing/2014/main" id="{060A1ACA-94B8-442E-9FFA-D3173D8C3F25}"/>
-              </a:ext>
-            </a:extLst>
-          </p:cNvPr>
-          <p:cNvGrpSpPr/>
-          <p:nvPr/>
-        </p:nvGrpSpPr>
-        <p:grpSpPr>
-          <a:xfrm>
-            <a:off x="340732" y="1580869"/>
-            <a:ext cx="3269464" cy="1659485"/>
-            <a:chOff x="332936" y="4652338"/>
-            <a:chExt cx="2937088" cy="1659485"/>
-          </a:xfrm>
-        </p:grpSpPr>
-        <p:sp>
-          <p:nvSpPr>
-            <p:cNvPr id="61" name="TextBox 60">
-              <a:extLst>
-                <a:ext uri="{FF2B5EF4-FFF2-40B4-BE49-F238E27FC236}">
-                  <a16:creationId xmlns:a16="http://schemas.microsoft.com/office/drawing/2014/main" id="{7B96D3EE-F309-4C30-AAAA-2F8A805F939A}"/>
-                </a:ext>
-              </a:extLst>
-            </p:cNvPr>
-            <p:cNvSpPr txBox="1"/>
-            <p:nvPr/>
-          </p:nvSpPr>
-          <p:spPr>
-            <a:xfrm>
-              <a:off x="332936" y="4652338"/>
-              <a:ext cx="2937088" cy="461665"/>
-            </a:xfrm>
-            <a:prstGeom prst="rect">
-              <a:avLst/>
-            </a:prstGeom>
-            <a:noFill/>
-          </p:spPr>
-          <p:txBody>
-            <a:bodyPr wrap="square" lIns="0" rIns="0" rtlCol="0" anchor="b">
-              <a:spAutoFit/>
-            </a:bodyPr>
-            <a:lstStyle/>
-            <a:p>
-              <a:pPr algn="ctr" defTabSz="914400"/>
-              <a:r>
-                <a:rPr lang="en-US" sz="2400" b="1" cap="all" noProof="1">
-                  <a:solidFill>
-                    <a:srgbClr val="4CC1EF"/>
-                  </a:solidFill>
-                  <a:latin typeface="Calibri" panose="020F0502020204030204"/>
-                </a:rPr>
-                <a:t>Data mining</a:t>
-              </a:r>
-            </a:p>
-          </p:txBody>
-        </p:sp>
-        <p:sp>
-          <p:nvSpPr>
-            <p:cNvPr id="62" name="TextBox 61">
-              <a:extLst>
-                <a:ext uri="{FF2B5EF4-FFF2-40B4-BE49-F238E27FC236}">
-                  <a16:creationId xmlns:a16="http://schemas.microsoft.com/office/drawing/2014/main" id="{A01B1A23-BF46-4E9B-87D6-0987A2C24F29}"/>
-                </a:ext>
-              </a:extLst>
-            </p:cNvPr>
-            <p:cNvSpPr txBox="1"/>
-            <p:nvPr/>
-          </p:nvSpPr>
-          <p:spPr>
-            <a:xfrm>
-              <a:off x="340731" y="5111494"/>
-              <a:ext cx="2929293" cy="1200329"/>
-            </a:xfrm>
-            <a:prstGeom prst="rect">
-              <a:avLst/>
-            </a:prstGeom>
-            <a:noFill/>
-          </p:spPr>
-          <p:txBody>
-            <a:bodyPr wrap="square" lIns="0" rIns="0" rtlCol="0" anchor="t">
-              <a:spAutoFit/>
-            </a:bodyPr>
-            <a:lstStyle/>
-            <a:p>
-              <a:pPr algn="just" defTabSz="914400"/>
-              <a:r>
-                <a:rPr lang="en-US" sz="1200" b="1" noProof="1">
-                  <a:solidFill>
-                    <a:schemeClr val="accent1"/>
-                  </a:solidFill>
-                  <a:latin typeface="Calibri" panose="020F0502020204030204"/>
-                </a:rPr>
-                <a:t>Explore HRMS data with data science tools:</a:t>
-              </a:r>
-            </a:p>
-            <a:p>
-              <a:pPr marL="171450" indent="-171450" algn="just" defTabSz="914400">
-                <a:buFont typeface="Arial" panose="020B0604020202020204" pitchFamily="34" charset="0"/>
-                <a:buChar char="•"/>
-              </a:pPr>
-              <a:r>
-                <a:rPr lang="en-US" sz="1200" b="1" noProof="1">
-                  <a:solidFill>
-                    <a:schemeClr val="accent1"/>
-                  </a:solidFill>
-                  <a:latin typeface="Calibri" panose="020F0502020204030204"/>
-                </a:rPr>
-                <a:t>Principle Component Analysis</a:t>
-              </a:r>
-            </a:p>
-            <a:p>
-              <a:pPr marL="171450" indent="-171450" algn="just" defTabSz="914400">
-                <a:buFont typeface="Arial" panose="020B0604020202020204" pitchFamily="34" charset="0"/>
-                <a:buChar char="•"/>
-              </a:pPr>
-              <a:r>
-                <a:rPr lang="en-US" sz="1200" b="1" noProof="1">
-                  <a:solidFill>
-                    <a:schemeClr val="accent1"/>
-                  </a:solidFill>
-                  <a:latin typeface="Calibri" panose="020F0502020204030204"/>
-                </a:rPr>
-                <a:t>T-SNE Dimension reduction</a:t>
-              </a:r>
-            </a:p>
-            <a:p>
-              <a:pPr marL="171450" indent="-171450" algn="just" defTabSz="914400">
-                <a:buFont typeface="Arial" panose="020B0604020202020204" pitchFamily="34" charset="0"/>
-                <a:buChar char="•"/>
-              </a:pPr>
-              <a:r>
-                <a:rPr lang="en-US" sz="1200" b="1" noProof="1">
-                  <a:solidFill>
-                    <a:schemeClr val="accent1"/>
-                  </a:solidFill>
-                  <a:latin typeface="Calibri" panose="020F0502020204030204"/>
-                </a:rPr>
-                <a:t>Clustering analysis based on DBSCAN/OPTICS</a:t>
-              </a:r>
-            </a:p>
-            <a:p>
-              <a:pPr marL="171450" indent="-171450" algn="just" defTabSz="914400">
-                <a:buFont typeface="Arial" panose="020B0604020202020204" pitchFamily="34" charset="0"/>
-                <a:buChar char="•"/>
-              </a:pPr>
-              <a:r>
-                <a:rPr lang="en-US" sz="1200" b="1" noProof="1">
-                  <a:solidFill>
-                    <a:schemeClr val="accent1"/>
-                  </a:solidFill>
-                  <a:latin typeface="Calibri" panose="020F0502020204030204"/>
-                </a:rPr>
-                <a:t>Various modeling options</a:t>
-              </a:r>
-            </a:p>
-            <a:p>
-              <a:pPr marL="171450" indent="-171450" algn="just" defTabSz="914400">
-                <a:buFont typeface="Arial" panose="020B0604020202020204" pitchFamily="34" charset="0"/>
-                <a:buChar char="•"/>
-              </a:pPr>
-              <a:r>
-                <a:rPr lang="en-US" sz="1200" b="1" noProof="1">
-                  <a:solidFill>
-                    <a:schemeClr val="accent1"/>
-                  </a:solidFill>
-                  <a:latin typeface="Calibri" panose="020F0502020204030204"/>
-                </a:rPr>
-                <a:t>More..</a:t>
-              </a:r>
-            </a:p>
-          </p:txBody>
-        </p:sp>
-      </p:grpSp>
-      <p:pic>
-        <p:nvPicPr>
-          <p:cNvPr id="63" name="Graphic 62" descr="Signal">
-            <a:extLst>
-              <a:ext uri="{FF2B5EF4-FFF2-40B4-BE49-F238E27FC236}">
-                <a16:creationId xmlns:a16="http://schemas.microsoft.com/office/drawing/2014/main" id="{044262C5-DEBF-4662-9BD6-208F2ABB8A0C}"/>
-              </a:ext>
-            </a:extLst>
-          </p:cNvPr>
-          <p:cNvPicPr>
-            <a:picLocks noChangeAspect="1"/>
-          </p:cNvPicPr>
-          <p:nvPr/>
-        </p:nvPicPr>
-        <p:blipFill>
-          <a:blip r:embed="rId2">
-            <a:extLst>
-              <a:ext uri="{28A0092B-C50C-407E-A947-70E740481C1C}">
-                <a14:useLocalDpi xmlns:a14="http://schemas.microsoft.com/office/drawing/2010/main" val="0"/>
-              </a:ext>
-              <a:ext uri="{96DAC541-7B7A-43D3-8B79-37D633B846F1}">
-                <asvg:svgBlip xmlns:asvg="http://schemas.microsoft.com/office/drawing/2016/SVG/main" r:embed="rId3"/>
-              </a:ext>
-            </a:extLst>
-          </a:blip>
-          <a:stretch>
-            <a:fillRect/>
-          </a:stretch>
-        </p:blipFill>
-        <p:spPr>
-          <a:xfrm>
-            <a:off x="10519229" y="1491295"/>
-            <a:ext cx="580838" cy="580838"/>
-          </a:xfrm>
-          <a:prstGeom prst="rect">
-            <a:avLst/>
-          </a:prstGeom>
-        </p:spPr>
-      </p:pic>
       <p:pic>
         <p:nvPicPr>
           <p:cNvPr id="64" name="Graphic 63" descr="Puzzle">
@@ -28581,13 +28478,13 @@
           <p:nvPr/>
         </p:nvPicPr>
         <p:blipFill>
-          <a:blip r:embed="rId4">
+          <a:blip r:embed="rId5">
             <a:extLst>
               <a:ext uri="{28A0092B-C50C-407E-A947-70E740481C1C}">
                 <a14:useLocalDpi xmlns:a14="http://schemas.microsoft.com/office/drawing/2010/main" val="0"/>
               </a:ext>
               <a:ext uri="{96DAC541-7B7A-43D3-8B79-37D633B846F1}">
-                <asvg:svgBlip xmlns:asvg="http://schemas.microsoft.com/office/drawing/2016/SVG/main" r:embed="rId5"/>
+                <asvg:svgBlip xmlns:asvg="http://schemas.microsoft.com/office/drawing/2016/SVG/main" r:embed="rId6"/>
               </a:ext>
             </a:extLst>
           </a:blip>
@@ -28597,7 +28494,7 @@
         </p:blipFill>
         <p:spPr>
           <a:xfrm>
-            <a:off x="10021687" y="4249216"/>
+            <a:off x="10214259" y="4072737"/>
             <a:ext cx="580838" cy="580838"/>
           </a:xfrm>
           <a:prstGeom prst="rect">
@@ -28605,84 +28502,467 @@
           </a:prstGeom>
         </p:spPr>
       </p:pic>
-      <p:pic>
-        <p:nvPicPr>
-          <p:cNvPr id="65" name="Graphic 64" descr="Lightbulb">
+      <p:grpSp>
+        <p:nvGrpSpPr>
+          <p:cNvPr id="3" name="Group 2">
             <a:extLst>
               <a:ext uri="{FF2B5EF4-FFF2-40B4-BE49-F238E27FC236}">
-                <a16:creationId xmlns:a16="http://schemas.microsoft.com/office/drawing/2014/main" id="{35344D72-FAE1-413E-BC67-E93E633D5570}"/>
+                <a16:creationId xmlns:a16="http://schemas.microsoft.com/office/drawing/2014/main" id="{EF6A16E5-D0C7-4F21-AE4E-8D0E7AC66D71}"/>
               </a:ext>
             </a:extLst>
           </p:cNvPr>
-          <p:cNvPicPr>
-            <a:picLocks noChangeAspect="1"/>
-          </p:cNvPicPr>
+          <p:cNvGrpSpPr/>
           <p:nvPr/>
-        </p:nvPicPr>
-        <p:blipFill>
-          <a:blip r:embed="rId6">
-            <a:extLst>
-              <a:ext uri="{28A0092B-C50C-407E-A947-70E740481C1C}">
-                <a14:useLocalDpi xmlns:a14="http://schemas.microsoft.com/office/drawing/2010/main" val="0"/>
-              </a:ext>
-              <a:ext uri="{96DAC541-7B7A-43D3-8B79-37D633B846F1}">
-                <asvg:svgBlip xmlns:asvg="http://schemas.microsoft.com/office/drawing/2016/SVG/main" r:embed="rId7"/>
-              </a:ext>
-            </a:extLst>
-          </a:blip>
-          <a:stretch>
-            <a:fillRect/>
-          </a:stretch>
-        </p:blipFill>
-        <p:spPr>
+        </p:nvGrpSpPr>
+        <p:grpSpPr>
           <a:xfrm>
-            <a:off x="713528" y="4127348"/>
-            <a:ext cx="580838" cy="580838"/>
+            <a:off x="8122736" y="1250665"/>
+            <a:ext cx="3862857" cy="1775497"/>
+            <a:chOff x="-274370" y="4194211"/>
+            <a:chExt cx="3862857" cy="1775497"/>
           </a:xfrm>
-          <a:prstGeom prst="rect">
-            <a:avLst/>
-          </a:prstGeom>
-        </p:spPr>
-      </p:pic>
-      <p:pic>
-        <p:nvPicPr>
-          <p:cNvPr id="66" name="Graphic 65" descr="Atom">
+        </p:grpSpPr>
+        <p:grpSp>
+          <p:nvGrpSpPr>
+            <p:cNvPr id="54" name="Group 53">
+              <a:extLst>
+                <a:ext uri="{FF2B5EF4-FFF2-40B4-BE49-F238E27FC236}">
+                  <a16:creationId xmlns:a16="http://schemas.microsoft.com/office/drawing/2014/main" id="{AB781471-D043-40DB-9384-06BFE1CDA37F}"/>
+                </a:ext>
+              </a:extLst>
+            </p:cNvPr>
+            <p:cNvGrpSpPr/>
+            <p:nvPr/>
+          </p:nvGrpSpPr>
+          <p:grpSpPr>
+            <a:xfrm>
+              <a:off x="-274370" y="4300394"/>
+              <a:ext cx="3862857" cy="1669314"/>
+              <a:chOff x="-274370" y="4688675"/>
+              <a:chExt cx="3862857" cy="1669314"/>
+            </a:xfrm>
+          </p:grpSpPr>
+          <p:sp>
+            <p:nvSpPr>
+              <p:cNvPr id="55" name="TextBox 54">
+                <a:extLst>
+                  <a:ext uri="{FF2B5EF4-FFF2-40B4-BE49-F238E27FC236}">
+                    <a16:creationId xmlns:a16="http://schemas.microsoft.com/office/drawing/2014/main" id="{0819E825-1198-49C0-A460-4155EEE985BF}"/>
+                  </a:ext>
+                </a:extLst>
+              </p:cNvPr>
+              <p:cNvSpPr txBox="1"/>
+              <p:nvPr/>
+            </p:nvSpPr>
+            <p:spPr>
+              <a:xfrm>
+                <a:off x="-274370" y="4688675"/>
+                <a:ext cx="2937088" cy="461665"/>
+              </a:xfrm>
+              <a:prstGeom prst="rect">
+                <a:avLst/>
+              </a:prstGeom>
+              <a:noFill/>
+            </p:spPr>
+            <p:txBody>
+              <a:bodyPr wrap="square" lIns="0" rIns="0" rtlCol="0" anchor="b">
+                <a:spAutoFit/>
+              </a:bodyPr>
+              <a:lstStyle/>
+              <a:p>
+                <a:pPr algn="r" defTabSz="914400"/>
+                <a:r>
+                  <a:rPr lang="en-US" sz="2400" b="1" cap="all" noProof="1">
+                    <a:solidFill>
+                      <a:srgbClr val="A2B969"/>
+                    </a:solidFill>
+                    <a:latin typeface="Calibri" panose="020F0502020204030204"/>
+                  </a:rPr>
+                  <a:t>Other tools</a:t>
+                </a:r>
+              </a:p>
+            </p:txBody>
+          </p:sp>
+          <p:sp>
+            <p:nvSpPr>
+              <p:cNvPr id="56" name="TextBox 55">
+                <a:extLst>
+                  <a:ext uri="{FF2B5EF4-FFF2-40B4-BE49-F238E27FC236}">
+                    <a16:creationId xmlns:a16="http://schemas.microsoft.com/office/drawing/2014/main" id="{CA1F81FD-24CC-4935-A306-382310F676BE}"/>
+                  </a:ext>
+                </a:extLst>
+              </p:cNvPr>
+              <p:cNvSpPr txBox="1"/>
+              <p:nvPr/>
+            </p:nvSpPr>
+            <p:spPr>
+              <a:xfrm>
+                <a:off x="340731" y="5111494"/>
+                <a:ext cx="3247756" cy="1246495"/>
+              </a:xfrm>
+              <a:prstGeom prst="rect">
+                <a:avLst/>
+              </a:prstGeom>
+              <a:noFill/>
+            </p:spPr>
+            <p:txBody>
+              <a:bodyPr wrap="square" lIns="0" rIns="0" rtlCol="0" anchor="t">
+                <a:spAutoFit/>
+              </a:bodyPr>
+              <a:lstStyle/>
+              <a:p>
+                <a:pPr algn="just" defTabSz="914400"/>
+                <a:r>
+                  <a:rPr lang="en-US" sz="1500" b="1" noProof="1">
+                    <a:solidFill>
+                      <a:schemeClr val="accent1"/>
+                    </a:solidFill>
+                    <a:latin typeface="Calibri" panose="020F0502020204030204"/>
+                  </a:rPr>
+                  <a:t>HRMS data processing assisting tools:</a:t>
+                </a:r>
+              </a:p>
+              <a:p>
+                <a:pPr marL="171450" indent="-171450" algn="just" defTabSz="914400">
+                  <a:buFont typeface="Arial" panose="020B0604020202020204" pitchFamily="34" charset="0"/>
+                  <a:buChar char="•"/>
+                </a:pPr>
+                <a:r>
+                  <a:rPr lang="en-US" sz="1500" b="1" noProof="1">
+                    <a:solidFill>
+                      <a:schemeClr val="accent1"/>
+                    </a:solidFill>
+                    <a:latin typeface="Calibri" panose="020F0502020204030204"/>
+                  </a:rPr>
+                  <a:t>Formula annotation</a:t>
+                </a:r>
+              </a:p>
+              <a:p>
+                <a:pPr marL="171450" indent="-171450" algn="just" defTabSz="914400">
+                  <a:buFont typeface="Arial" panose="020B0604020202020204" pitchFamily="34" charset="0"/>
+                  <a:buChar char="•"/>
+                </a:pPr>
+                <a:r>
+                  <a:rPr lang="en-US" sz="1500" b="1" noProof="1">
+                    <a:solidFill>
+                      <a:schemeClr val="accent1"/>
+                    </a:solidFill>
+                    <a:latin typeface="Calibri" panose="020F0502020204030204"/>
+                  </a:rPr>
+                  <a:t>MS2 spectrum online search</a:t>
+                </a:r>
+              </a:p>
+              <a:p>
+                <a:pPr marL="171450" indent="-171450" algn="just" defTabSz="914400">
+                  <a:buFont typeface="Arial" panose="020B0604020202020204" pitchFamily="34" charset="0"/>
+                  <a:buChar char="•"/>
+                </a:pPr>
+                <a:r>
+                  <a:rPr lang="en-US" sz="1500" b="1" noProof="1">
+                    <a:solidFill>
+                      <a:schemeClr val="accent1"/>
+                    </a:solidFill>
+                    <a:latin typeface="Calibri" panose="020F0502020204030204"/>
+                  </a:rPr>
+                  <a:t>HRMS data quality report</a:t>
+                </a:r>
+              </a:p>
+              <a:p>
+                <a:pPr marL="171450" indent="-171450" algn="just" defTabSz="914400">
+                  <a:buFont typeface="Arial" panose="020B0604020202020204" pitchFamily="34" charset="0"/>
+                  <a:buChar char="•"/>
+                </a:pPr>
+                <a:r>
+                  <a:rPr lang="en-US" sz="1500" b="1" noProof="1">
+                    <a:solidFill>
+                      <a:schemeClr val="accent1"/>
+                    </a:solidFill>
+                    <a:latin typeface="Calibri" panose="020F0502020204030204"/>
+                  </a:rPr>
+                  <a:t>More.. </a:t>
+                </a:r>
+              </a:p>
+            </p:txBody>
+          </p:sp>
+        </p:grpSp>
+        <p:pic>
+          <p:nvPicPr>
+            <p:cNvPr id="65" name="Graphic 64" descr="Lightbulb">
+              <a:extLst>
+                <a:ext uri="{FF2B5EF4-FFF2-40B4-BE49-F238E27FC236}">
+                  <a16:creationId xmlns:a16="http://schemas.microsoft.com/office/drawing/2014/main" id="{35344D72-FAE1-413E-BC67-E93E633D5570}"/>
+                </a:ext>
+              </a:extLst>
+            </p:cNvPr>
+            <p:cNvPicPr>
+              <a:picLocks noChangeAspect="1"/>
+            </p:cNvPicPr>
+            <p:nvPr/>
+          </p:nvPicPr>
+          <p:blipFill>
+            <a:blip r:embed="rId7">
+              <a:extLst>
+                <a:ext uri="{28A0092B-C50C-407E-A947-70E740481C1C}">
+                  <a14:useLocalDpi xmlns:a14="http://schemas.microsoft.com/office/drawing/2010/main" val="0"/>
+                </a:ext>
+                <a:ext uri="{96DAC541-7B7A-43D3-8B79-37D633B846F1}">
+                  <asvg:svgBlip xmlns:asvg="http://schemas.microsoft.com/office/drawing/2016/SVG/main" r:embed="rId8"/>
+                </a:ext>
+              </a:extLst>
+            </a:blip>
+            <a:stretch>
+              <a:fillRect/>
+            </a:stretch>
+          </p:blipFill>
+          <p:spPr>
+            <a:xfrm>
+              <a:off x="231601" y="4194211"/>
+              <a:ext cx="580838" cy="580838"/>
+            </a:xfrm>
+            <a:prstGeom prst="rect">
+              <a:avLst/>
+            </a:prstGeom>
+          </p:spPr>
+        </p:pic>
+      </p:grpSp>
+      <p:grpSp>
+        <p:nvGrpSpPr>
+          <p:cNvPr id="4" name="Group 3">
             <a:extLst>
               <a:ext uri="{FF2B5EF4-FFF2-40B4-BE49-F238E27FC236}">
-                <a16:creationId xmlns:a16="http://schemas.microsoft.com/office/drawing/2014/main" id="{E4396593-4EFF-4D3C-98C0-4CE4EC9A9527}"/>
+                <a16:creationId xmlns:a16="http://schemas.microsoft.com/office/drawing/2014/main" id="{E2026D45-D52B-4C7E-AE2C-DD4FD9F1C0B5}"/>
               </a:ext>
             </a:extLst>
           </p:cNvPr>
-          <p:cNvPicPr>
-            <a:picLocks noChangeAspect="1"/>
-          </p:cNvPicPr>
+          <p:cNvGrpSpPr/>
           <p:nvPr/>
-        </p:nvPicPr>
-        <p:blipFill>
-          <a:blip r:embed="rId8">
-            <a:extLst>
-              <a:ext uri="{28A0092B-C50C-407E-A947-70E740481C1C}">
-                <a14:useLocalDpi xmlns:a14="http://schemas.microsoft.com/office/drawing/2010/main" val="0"/>
-              </a:ext>
-              <a:ext uri="{96DAC541-7B7A-43D3-8B79-37D633B846F1}">
-                <asvg:svgBlip xmlns:asvg="http://schemas.microsoft.com/office/drawing/2016/SVG/main" r:embed="rId9"/>
-              </a:ext>
-            </a:extLst>
-          </a:blip>
-          <a:stretch>
-            <a:fillRect/>
-          </a:stretch>
-        </p:blipFill>
-        <p:spPr>
+        </p:nvGrpSpPr>
+        <p:grpSpPr>
           <a:xfrm>
-            <a:off x="547781" y="1491295"/>
-            <a:ext cx="580838" cy="580838"/>
+            <a:off x="4274259" y="4641472"/>
+            <a:ext cx="4178610" cy="2026058"/>
+            <a:chOff x="340732" y="1491295"/>
+            <a:chExt cx="4178610" cy="2026058"/>
           </a:xfrm>
-          <a:prstGeom prst="rect">
-            <a:avLst/>
-          </a:prstGeom>
-        </p:spPr>
-      </p:pic>
+        </p:grpSpPr>
+        <p:grpSp>
+          <p:nvGrpSpPr>
+            <p:cNvPr id="60" name="Group 59">
+              <a:extLst>
+                <a:ext uri="{FF2B5EF4-FFF2-40B4-BE49-F238E27FC236}">
+                  <a16:creationId xmlns:a16="http://schemas.microsoft.com/office/drawing/2014/main" id="{060A1ACA-94B8-442E-9FFA-D3173D8C3F25}"/>
+                </a:ext>
+              </a:extLst>
+            </p:cNvPr>
+            <p:cNvGrpSpPr/>
+            <p:nvPr/>
+          </p:nvGrpSpPr>
+          <p:grpSpPr>
+            <a:xfrm>
+              <a:off x="340732" y="1580869"/>
+              <a:ext cx="4178610" cy="1936484"/>
+              <a:chOff x="332936" y="4652338"/>
+              <a:chExt cx="3753810" cy="1936484"/>
+            </a:xfrm>
+          </p:grpSpPr>
+          <p:sp>
+            <p:nvSpPr>
+              <p:cNvPr id="61" name="TextBox 60">
+                <a:extLst>
+                  <a:ext uri="{FF2B5EF4-FFF2-40B4-BE49-F238E27FC236}">
+                    <a16:creationId xmlns:a16="http://schemas.microsoft.com/office/drawing/2014/main" id="{7B96D3EE-F309-4C30-AAAA-2F8A805F939A}"/>
+                  </a:ext>
+                </a:extLst>
+              </p:cNvPr>
+              <p:cNvSpPr txBox="1"/>
+              <p:nvPr/>
+            </p:nvSpPr>
+            <p:spPr>
+              <a:xfrm>
+                <a:off x="332936" y="4652338"/>
+                <a:ext cx="2937088" cy="461665"/>
+              </a:xfrm>
+              <a:prstGeom prst="rect">
+                <a:avLst/>
+              </a:prstGeom>
+              <a:noFill/>
+            </p:spPr>
+            <p:txBody>
+              <a:bodyPr wrap="square" lIns="0" rIns="0" rtlCol="0" anchor="b">
+                <a:spAutoFit/>
+              </a:bodyPr>
+              <a:lstStyle/>
+              <a:p>
+                <a:pPr algn="ctr" defTabSz="914400"/>
+                <a:r>
+                  <a:rPr lang="en-US" sz="2400" b="1" cap="all" noProof="1">
+                    <a:solidFill>
+                      <a:srgbClr val="C13018"/>
+                    </a:solidFill>
+                    <a:latin typeface="Calibri" panose="020F0502020204030204"/>
+                  </a:rPr>
+                  <a:t>Data mining</a:t>
+                </a:r>
+              </a:p>
+            </p:txBody>
+          </p:sp>
+          <p:sp>
+            <p:nvSpPr>
+              <p:cNvPr id="62" name="TextBox 61">
+                <a:extLst>
+                  <a:ext uri="{FF2B5EF4-FFF2-40B4-BE49-F238E27FC236}">
+                    <a16:creationId xmlns:a16="http://schemas.microsoft.com/office/drawing/2014/main" id="{A01B1A23-BF46-4E9B-87D6-0987A2C24F29}"/>
+                  </a:ext>
+                </a:extLst>
+              </p:cNvPr>
+              <p:cNvSpPr txBox="1"/>
+              <p:nvPr/>
+            </p:nvSpPr>
+            <p:spPr>
+              <a:xfrm>
+                <a:off x="340731" y="5111494"/>
+                <a:ext cx="3746015" cy="1477328"/>
+              </a:xfrm>
+              <a:prstGeom prst="rect">
+                <a:avLst/>
+              </a:prstGeom>
+              <a:noFill/>
+            </p:spPr>
+            <p:txBody>
+              <a:bodyPr wrap="square" lIns="0" rIns="0" rtlCol="0" anchor="t">
+                <a:spAutoFit/>
+              </a:bodyPr>
+              <a:lstStyle/>
+              <a:p>
+                <a:pPr algn="just" defTabSz="914400"/>
+                <a:r>
+                  <a:rPr lang="en-US" sz="1500" b="1" noProof="1">
+                    <a:solidFill>
+                      <a:schemeClr val="accent1"/>
+                    </a:solidFill>
+                    <a:latin typeface="Calibri" panose="020F0502020204030204"/>
+                  </a:rPr>
+                  <a:t>Explore HRMS data with data science tools:</a:t>
+                </a:r>
+              </a:p>
+              <a:p>
+                <a:pPr marL="171450" indent="-171450" algn="just" defTabSz="914400">
+                  <a:buFont typeface="Arial" panose="020B0604020202020204" pitchFamily="34" charset="0"/>
+                  <a:buChar char="•"/>
+                </a:pPr>
+                <a:r>
+                  <a:rPr lang="en-US" sz="1500" b="1" noProof="1">
+                    <a:solidFill>
+                      <a:schemeClr val="accent1"/>
+                    </a:solidFill>
+                    <a:latin typeface="Calibri" panose="020F0502020204030204"/>
+                  </a:rPr>
+                  <a:t>Principle Component Analysis</a:t>
+                </a:r>
+              </a:p>
+              <a:p>
+                <a:pPr marL="171450" indent="-171450" algn="just" defTabSz="914400">
+                  <a:buFont typeface="Arial" panose="020B0604020202020204" pitchFamily="34" charset="0"/>
+                  <a:buChar char="•"/>
+                </a:pPr>
+                <a:r>
+                  <a:rPr lang="en-US" sz="1500" b="1" noProof="1">
+                    <a:solidFill>
+                      <a:schemeClr val="accent1"/>
+                    </a:solidFill>
+                    <a:latin typeface="Calibri" panose="020F0502020204030204"/>
+                  </a:rPr>
+                  <a:t>T-SNE Dimension reduction</a:t>
+                </a:r>
+              </a:p>
+              <a:p>
+                <a:pPr marL="171450" indent="-171450" algn="just" defTabSz="914400">
+                  <a:buFont typeface="Arial" panose="020B0604020202020204" pitchFamily="34" charset="0"/>
+                  <a:buChar char="•"/>
+                </a:pPr>
+                <a:r>
+                  <a:rPr lang="en-US" sz="1500" b="1" noProof="1">
+                    <a:solidFill>
+                      <a:schemeClr val="accent1"/>
+                    </a:solidFill>
+                    <a:latin typeface="Calibri" panose="020F0502020204030204"/>
+                  </a:rPr>
+                  <a:t>Clustering analysis based on DBSCAN/OPTICS</a:t>
+                </a:r>
+              </a:p>
+              <a:p>
+                <a:pPr marL="171450" indent="-171450" algn="just" defTabSz="914400">
+                  <a:buFont typeface="Arial" panose="020B0604020202020204" pitchFamily="34" charset="0"/>
+                  <a:buChar char="•"/>
+                </a:pPr>
+                <a:r>
+                  <a:rPr lang="en-US" sz="1500" b="1" noProof="1">
+                    <a:solidFill>
+                      <a:schemeClr val="accent1"/>
+                    </a:solidFill>
+                    <a:latin typeface="Calibri" panose="020F0502020204030204"/>
+                  </a:rPr>
+                  <a:t>Various modeling options</a:t>
+                </a:r>
+              </a:p>
+              <a:p>
+                <a:pPr marL="171450" indent="-171450" algn="just" defTabSz="914400">
+                  <a:buFont typeface="Arial" panose="020B0604020202020204" pitchFamily="34" charset="0"/>
+                  <a:buChar char="•"/>
+                </a:pPr>
+                <a:r>
+                  <a:rPr lang="en-US" sz="1500" b="1" noProof="1">
+                    <a:solidFill>
+                      <a:schemeClr val="accent1"/>
+                    </a:solidFill>
+                    <a:latin typeface="Calibri" panose="020F0502020204030204"/>
+                  </a:rPr>
+                  <a:t>More..</a:t>
+                </a:r>
+              </a:p>
+            </p:txBody>
+          </p:sp>
+        </p:grpSp>
+        <p:pic>
+          <p:nvPicPr>
+            <p:cNvPr id="66" name="Graphic 65" descr="Atom">
+              <a:extLst>
+                <a:ext uri="{FF2B5EF4-FFF2-40B4-BE49-F238E27FC236}">
+                  <a16:creationId xmlns:a16="http://schemas.microsoft.com/office/drawing/2014/main" id="{E4396593-4EFF-4D3C-98C0-4CE4EC9A9527}"/>
+                </a:ext>
+              </a:extLst>
+            </p:cNvPr>
+            <p:cNvPicPr>
+              <a:picLocks noChangeAspect="1"/>
+            </p:cNvPicPr>
+            <p:nvPr/>
+          </p:nvPicPr>
+          <p:blipFill>
+            <a:blip r:embed="rId9">
+              <a:extLst>
+                <a:ext uri="{28A0092B-C50C-407E-A947-70E740481C1C}">
+                  <a14:useLocalDpi xmlns:a14="http://schemas.microsoft.com/office/drawing/2010/main" val="0"/>
+                </a:ext>
+                <a:ext uri="{96DAC541-7B7A-43D3-8B79-37D633B846F1}">
+                  <asvg:svgBlip xmlns:asvg="http://schemas.microsoft.com/office/drawing/2016/SVG/main" r:embed="rId10"/>
+                </a:ext>
+              </a:extLst>
+            </a:blip>
+            <a:stretch>
+              <a:fillRect/>
+            </a:stretch>
+          </p:blipFill>
+          <p:spPr>
+            <a:xfrm>
+              <a:off x="547781" y="1491295"/>
+              <a:ext cx="580838" cy="580838"/>
+            </a:xfrm>
+            <a:prstGeom prst="rect">
+              <a:avLst/>
+            </a:prstGeom>
+          </p:spPr>
+        </p:pic>
+      </p:grpSp>
       <p:pic>
         <p:nvPicPr>
           <p:cNvPr id="67" name="Graphic 66" descr="Puzzle">
@@ -28698,13 +28978,13 @@
           <p:nvPr/>
         </p:nvPicPr>
         <p:blipFill>
-          <a:blip r:embed="rId10">
+          <a:blip r:embed="rId11">
             <a:extLst>
               <a:ext uri="{28A0092B-C50C-407E-A947-70E740481C1C}">
                 <a14:useLocalDpi xmlns:a14="http://schemas.microsoft.com/office/drawing/2010/main" val="0"/>
               </a:ext>
               <a:ext uri="{96DAC541-7B7A-43D3-8B79-37D633B846F1}">
-                <asvg:svgBlip xmlns:asvg="http://schemas.microsoft.com/office/drawing/2016/SVG/main" r:embed="rId11"/>
+                <asvg:svgBlip xmlns:asvg="http://schemas.microsoft.com/office/drawing/2016/SVG/main" r:embed="rId12"/>
               </a:ext>
             </a:extLst>
           </a:blip>
@@ -28714,7 +28994,7 @@
         </p:blipFill>
         <p:spPr>
           <a:xfrm>
-            <a:off x="7821203" y="3412674"/>
+            <a:off x="7859933" y="3098101"/>
             <a:ext cx="597366" cy="597366"/>
           </a:xfrm>
           <a:prstGeom prst="rect">
@@ -28737,13 +29017,13 @@
           <p:nvPr/>
         </p:nvPicPr>
         <p:blipFill>
-          <a:blip r:embed="rId12">
+          <a:blip r:embed="rId13">
             <a:extLst>
               <a:ext uri="{28A0092B-C50C-407E-A947-70E740481C1C}">
                 <a14:useLocalDpi xmlns:a14="http://schemas.microsoft.com/office/drawing/2010/main" val="0"/>
               </a:ext>
               <a:ext uri="{96DAC541-7B7A-43D3-8B79-37D633B846F1}">
-                <asvg:svgBlip xmlns:asvg="http://schemas.microsoft.com/office/drawing/2016/SVG/main" r:embed="rId13"/>
+                <asvg:svgBlip xmlns:asvg="http://schemas.microsoft.com/office/drawing/2016/SVG/main" r:embed="rId14"/>
               </a:ext>
             </a:extLst>
           </a:blip>
@@ -28753,7 +29033,7 @@
         </p:blipFill>
         <p:spPr>
           <a:xfrm>
-            <a:off x="3681320" y="3312166"/>
+            <a:off x="7234734" y="1880861"/>
             <a:ext cx="597366" cy="597366"/>
           </a:xfrm>
           <a:prstGeom prst="rect">
@@ -28776,13 +29056,13 @@
           <p:nvPr/>
         </p:nvPicPr>
         <p:blipFill>
-          <a:blip r:embed="rId14">
+          <a:blip r:embed="rId15">
             <a:extLst>
               <a:ext uri="{28A0092B-C50C-407E-A947-70E740481C1C}">
                 <a14:useLocalDpi xmlns:a14="http://schemas.microsoft.com/office/drawing/2010/main" val="0"/>
               </a:ext>
               <a:ext uri="{96DAC541-7B7A-43D3-8B79-37D633B846F1}">
-                <asvg:svgBlip xmlns:asvg="http://schemas.microsoft.com/office/drawing/2016/SVG/main" r:embed="rId15"/>
+                <asvg:svgBlip xmlns:asvg="http://schemas.microsoft.com/office/drawing/2016/SVG/main" r:embed="rId16"/>
               </a:ext>
             </a:extLst>
           </a:blip>
@@ -28792,7 +29072,7 @@
         </p:blipFill>
         <p:spPr>
           <a:xfrm>
-            <a:off x="7058973" y="2372849"/>
+            <a:off x="3694279" y="2950891"/>
             <a:ext cx="597366" cy="597366"/>
           </a:xfrm>
           <a:prstGeom prst="rect">
@@ -28815,13 +29095,13 @@
           <p:nvPr/>
         </p:nvPicPr>
         <p:blipFill>
-          <a:blip r:embed="rId16">
+          <a:blip r:embed="rId17">
             <a:extLst>
               <a:ext uri="{28A0092B-C50C-407E-A947-70E740481C1C}">
                 <a14:useLocalDpi xmlns:a14="http://schemas.microsoft.com/office/drawing/2010/main" val="0"/>
               </a:ext>
               <a:ext uri="{96DAC541-7B7A-43D3-8B79-37D633B846F1}">
-                <asvg:svgBlip xmlns:asvg="http://schemas.microsoft.com/office/drawing/2016/SVG/main" r:embed="rId17"/>
+                <asvg:svgBlip xmlns:asvg="http://schemas.microsoft.com/office/drawing/2016/SVG/main" r:embed="rId18"/>
               </a:ext>
             </a:extLst>
           </a:blip>
@@ -28831,7 +29111,7 @@
         </p:blipFill>
         <p:spPr>
           <a:xfrm>
-            <a:off x="4449602" y="2261381"/>
+            <a:off x="5828328" y="1319085"/>
             <a:ext cx="597366" cy="597366"/>
           </a:xfrm>
           <a:prstGeom prst="rect">
@@ -28854,13 +29134,13 @@
           <p:nvPr/>
         </p:nvPicPr>
         <p:blipFill>
-          <a:blip r:embed="rId18">
+          <a:blip r:embed="rId19">
             <a:extLst>
               <a:ext uri="{28A0092B-C50C-407E-A947-70E740481C1C}">
                 <a14:useLocalDpi xmlns:a14="http://schemas.microsoft.com/office/drawing/2010/main" val="0"/>
               </a:ext>
               <a:ext uri="{96DAC541-7B7A-43D3-8B79-37D633B846F1}">
-                <asvg:svgBlip xmlns:asvg="http://schemas.microsoft.com/office/drawing/2016/SVG/main" r:embed="rId19"/>
+                <asvg:svgBlip xmlns:asvg="http://schemas.microsoft.com/office/drawing/2016/SVG/main" r:embed="rId20"/>
               </a:ext>
             </a:extLst>
           </a:blip>
@@ -28870,7 +29150,7 @@
         </p:blipFill>
         <p:spPr>
           <a:xfrm>
-            <a:off x="5798820" y="1714867"/>
+            <a:off x="4454467" y="1817827"/>
             <a:ext cx="594360" cy="594360"/>
           </a:xfrm>
           <a:prstGeom prst="rect">
@@ -28893,13 +29173,13 @@
           <p:nvPr/>
         </p:nvPicPr>
         <p:blipFill>
-          <a:blip r:embed="rId20">
+          <a:blip r:embed="rId21">
             <a:extLst>
               <a:ext uri="{28A0092B-C50C-407E-A947-70E740481C1C}">
                 <a14:useLocalDpi xmlns:a14="http://schemas.microsoft.com/office/drawing/2010/main" val="0"/>
               </a:ext>
               <a:ext uri="{96DAC541-7B7A-43D3-8B79-37D633B846F1}">
-                <asvg:svgBlip xmlns:asvg="http://schemas.microsoft.com/office/drawing/2016/SVG/main" r:embed="rId21"/>
+                <asvg:svgBlip xmlns:asvg="http://schemas.microsoft.com/office/drawing/2016/SVG/main" r:embed="rId22"/>
               </a:ext>
             </a:extLst>
           </a:blip>
@@ -28909,7 +29189,7 @@
         </p:blipFill>
         <p:spPr>
           <a:xfrm>
-            <a:off x="4627456" y="4919856"/>
+            <a:off x="324607" y="1193024"/>
             <a:ext cx="585216" cy="585216"/>
           </a:xfrm>
           <a:prstGeom prst="rect">
@@ -28931,10 +29211,10 @@
         </p:nvGrpSpPr>
         <p:grpSpPr>
           <a:xfrm>
-            <a:off x="4627456" y="4982886"/>
-            <a:ext cx="2937088" cy="1659485"/>
+            <a:off x="318324" y="1274271"/>
+            <a:ext cx="3936528" cy="1936484"/>
             <a:chOff x="332936" y="4652338"/>
-            <a:chExt cx="2937088" cy="1659485"/>
+            <a:chExt cx="3643978" cy="1936484"/>
           </a:xfrm>
         </p:grpSpPr>
         <p:sp>
@@ -28965,15 +29245,15 @@
             </a:bodyPr>
             <a:lstStyle/>
             <a:p>
-              <a:pPr defTabSz="914400"/>
+              <a:pPr algn="ctr" defTabSz="914400"/>
               <a:r>
                 <a:rPr lang="en-US" sz="2400" b="1" cap="all" noProof="1">
                   <a:solidFill>
-                    <a:srgbClr val="C13018"/>
+                    <a:srgbClr val="4CC1EF"/>
                   </a:solidFill>
                   <a:latin typeface="Calibri" panose="020F0502020204030204"/>
                 </a:rPr>
-                <a:t>Mss main</a:t>
+                <a:t>data processing</a:t>
               </a:r>
             </a:p>
           </p:txBody>
@@ -28992,8 +29272,8 @@
           </p:nvSpPr>
           <p:spPr>
             <a:xfrm>
-              <a:off x="340731" y="5111494"/>
-              <a:ext cx="2929293" cy="1200329"/>
+              <a:off x="340730" y="5111494"/>
+              <a:ext cx="3636184" cy="1477328"/>
             </a:xfrm>
             <a:prstGeom prst="rect">
               <a:avLst/>
@@ -29008,7 +29288,7 @@
             <a:p>
               <a:pPr algn="just" defTabSz="914400"/>
               <a:r>
-                <a:rPr lang="en-US" sz="1200" b="1" noProof="1">
+                <a:rPr lang="en-US" sz="1500" b="1" noProof="1">
                   <a:solidFill>
                     <a:schemeClr val="accent1"/>
                   </a:solidFill>
@@ -29023,7 +29303,7 @@
                 <a:buChar char="•"/>
               </a:pPr>
               <a:r>
-                <a:rPr lang="en-US" sz="1200" b="1" noProof="1">
+                <a:rPr lang="en-US" sz="1500" b="1" noProof="1">
                   <a:solidFill>
                     <a:schemeClr val="accent1"/>
                   </a:solidFill>
@@ -29038,7 +29318,7 @@
                 <a:buChar char="•"/>
               </a:pPr>
               <a:r>
-                <a:rPr lang="en-US" sz="1200" b="1" noProof="1">
+                <a:rPr lang="en-US" sz="1500" b="1" noProof="1">
                   <a:solidFill>
                     <a:schemeClr val="accent1"/>
                   </a:solidFill>
@@ -29053,7 +29333,7 @@
                 <a:buChar char="•"/>
               </a:pPr>
               <a:r>
-                <a:rPr lang="en-US" sz="1200" b="1" noProof="1">
+                <a:rPr lang="en-US" sz="1500" b="1" noProof="1">
                   <a:solidFill>
                     <a:schemeClr val="accent1"/>
                   </a:solidFill>
@@ -29068,7 +29348,7 @@
                 <a:buChar char="•"/>
               </a:pPr>
               <a:r>
-                <a:rPr lang="en-US" sz="1200" b="1" noProof="1">
+                <a:rPr lang="en-US" sz="1500" b="1" noProof="1">
                   <a:solidFill>
                     <a:schemeClr val="accent1"/>
                   </a:solidFill>
@@ -29083,7 +29363,7 @@
                 <a:buChar char="•"/>
               </a:pPr>
               <a:r>
-                <a:rPr lang="en-US" sz="1200" b="1" noProof="1">
+                <a:rPr lang="en-US" sz="1500" b="1" noProof="1">
                   <a:solidFill>
                     <a:schemeClr val="accent1"/>
                   </a:solidFill>
@@ -29478,6 +29758,146 @@
       </p:grpSpPr>
       <p:sp>
         <p:nvSpPr>
+          <p:cNvPr id="3" name="Content Placeholder 2">
+            <a:extLst>
+              <a:ext uri="{FF2B5EF4-FFF2-40B4-BE49-F238E27FC236}">
+                <a16:creationId xmlns:a16="http://schemas.microsoft.com/office/drawing/2014/main" id="{BF486A89-1C98-4969-B3E7-E6A06FA03A33}"/>
+              </a:ext>
+            </a:extLst>
+          </p:cNvPr>
+          <p:cNvSpPr>
+            <a:spLocks noGrp="1"/>
+          </p:cNvSpPr>
+          <p:nvPr>
+            <p:ph idx="1"/>
+          </p:nvPr>
+        </p:nvSpPr>
+        <p:spPr>
+          <a:xfrm>
+            <a:off x="1511157" y="3429000"/>
+            <a:ext cx="4250451" cy="3766185"/>
+          </a:xfrm>
+        </p:spPr>
+        <p:txBody>
+          <a:bodyPr/>
+          <a:lstStyle/>
+          <a:p>
+            <a:r>
+              <a:rPr lang="en-US" altLang="zh-CN" dirty="0"/>
+              <a:t>code</a:t>
+            </a:r>
+            <a:endParaRPr lang="zh-CN" altLang="en-US" dirty="0"/>
+          </a:p>
+        </p:txBody>
+      </p:sp>
+      <p:sp>
+        <p:nvSpPr>
+          <p:cNvPr id="4" name="Arrow: Right 3">
+            <a:extLst>
+              <a:ext uri="{FF2B5EF4-FFF2-40B4-BE49-F238E27FC236}">
+                <a16:creationId xmlns:a16="http://schemas.microsoft.com/office/drawing/2014/main" id="{7125921F-EF51-448C-B54B-7DEC0D301EED}"/>
+              </a:ext>
+            </a:extLst>
+          </p:cNvPr>
+          <p:cNvSpPr/>
+          <p:nvPr/>
+        </p:nvSpPr>
+        <p:spPr>
+          <a:xfrm>
+            <a:off x="4305670" y="3429000"/>
+            <a:ext cx="2911876" cy="716872"/>
+          </a:xfrm>
+          <a:prstGeom prst="rightArrow">
+            <a:avLst/>
+          </a:prstGeom>
+        </p:spPr>
+        <p:style>
+          <a:lnRef idx="2">
+            <a:schemeClr val="accent1">
+              <a:shade val="50000"/>
+            </a:schemeClr>
+          </a:lnRef>
+          <a:fillRef idx="1">
+            <a:schemeClr val="accent1"/>
+          </a:fillRef>
+          <a:effectRef idx="0">
+            <a:schemeClr val="accent1"/>
+          </a:effectRef>
+          <a:fontRef idx="minor">
+            <a:schemeClr val="lt1"/>
+          </a:fontRef>
+        </p:style>
+        <p:txBody>
+          <a:bodyPr rtlCol="0" anchor="ctr"/>
+          <a:lstStyle/>
+          <a:p>
+            <a:pPr algn="ctr"/>
+            <a:endParaRPr lang="zh-CN" altLang="en-US"/>
+          </a:p>
+        </p:txBody>
+      </p:sp>
+      <p:pic>
+        <p:nvPicPr>
+          <p:cNvPr id="5" name="Picture 4">
+            <a:extLst>
+              <a:ext uri="{FF2B5EF4-FFF2-40B4-BE49-F238E27FC236}">
+                <a16:creationId xmlns:a16="http://schemas.microsoft.com/office/drawing/2014/main" id="{AB4137F6-BF5C-4FFE-98AE-B1CA1821D13E}"/>
+              </a:ext>
+            </a:extLst>
+          </p:cNvPr>
+          <p:cNvPicPr>
+            <a:picLocks noChangeAspect="1"/>
+          </p:cNvPicPr>
+          <p:nvPr/>
+        </p:nvPicPr>
+        <p:blipFill>
+          <a:blip r:embed="rId2"/>
+          <a:stretch>
+            <a:fillRect/>
+          </a:stretch>
+        </p:blipFill>
+        <p:spPr>
+          <a:xfrm>
+            <a:off x="7591386" y="1822641"/>
+            <a:ext cx="4600614" cy="2989182"/>
+          </a:xfrm>
+          <a:prstGeom prst="rect">
+            <a:avLst/>
+          </a:prstGeom>
+        </p:spPr>
+      </p:pic>
+    </p:spTree>
+    <p:extLst>
+      <p:ext uri="{BB962C8B-B14F-4D97-AF65-F5344CB8AC3E}">
+        <p14:creationId xmlns:p14="http://schemas.microsoft.com/office/powerpoint/2010/main" val="4273473172"/>
+      </p:ext>
+    </p:extLst>
+  </p:cSld>
+  <p:clrMapOvr>
+    <a:masterClrMapping/>
+  </p:clrMapOvr>
+</p:sld>
+</file>
+
+<file path=ppt/slides/slide7.xml><?xml version="1.0" encoding="utf-8"?>
+<p:sld xmlns:a="http://schemas.openxmlformats.org/drawingml/2006/main" xmlns:r="http://schemas.openxmlformats.org/officeDocument/2006/relationships" xmlns:p="http://schemas.openxmlformats.org/presentationml/2006/main">
+  <p:cSld>
+    <p:spTree>
+      <p:nvGrpSpPr>
+        <p:cNvPr id="1" name=""/>
+        <p:cNvGrpSpPr/>
+        <p:nvPr/>
+      </p:nvGrpSpPr>
+      <p:grpSpPr>
+        <a:xfrm>
+          <a:off x="0" y="0"/>
+          <a:ext cx="0" cy="0"/>
+          <a:chOff x="0" y="0"/>
+          <a:chExt cx="0" cy="0"/>
+        </a:xfrm>
+      </p:grpSpPr>
+      <p:sp>
+        <p:nvSpPr>
           <p:cNvPr id="2" name="Title 1">
             <a:extLst>
               <a:ext uri="{FF2B5EF4-FFF2-40B4-BE49-F238E27FC236}">
@@ -29569,7 +29989,7 @@
 </p:sld>
 </file>
 
-<file path=ppt/slides/slide7.xml><?xml version="1.0" encoding="utf-8"?>
+<file path=ppt/slides/slide8.xml><?xml version="1.0" encoding="utf-8"?>
 <p:sld xmlns:a="http://schemas.openxmlformats.org/drawingml/2006/main" xmlns:r="http://schemas.openxmlformats.org/officeDocument/2006/relationships" xmlns:p="http://schemas.openxmlformats.org/presentationml/2006/main">
   <p:cSld>
     <p:spTree>
@@ -29666,6 +30086,60 @@
           </a:prstGeom>
         </p:spPr>
       </p:pic>
+      <p:sp>
+        <p:nvSpPr>
+          <p:cNvPr id="4" name="Rectangle 3">
+            <a:extLst>
+              <a:ext uri="{FF2B5EF4-FFF2-40B4-BE49-F238E27FC236}">
+                <a16:creationId xmlns:a16="http://schemas.microsoft.com/office/drawing/2014/main" id="{7FA7C668-FCD3-4B69-88AE-077D2539976A}"/>
+              </a:ext>
+            </a:extLst>
+          </p:cNvPr>
+          <p:cNvSpPr/>
+          <p:nvPr/>
+        </p:nvSpPr>
+        <p:spPr>
+          <a:xfrm>
+            <a:off x="7643674" y="568171"/>
+            <a:ext cx="3761850" cy="463803"/>
+          </a:xfrm>
+          <a:prstGeom prst="rect">
+            <a:avLst/>
+          </a:prstGeom>
+          <a:solidFill>
+            <a:schemeClr val="bg1"/>
+          </a:solidFill>
+          <a:ln>
+            <a:solidFill>
+              <a:schemeClr val="bg1"/>
+            </a:solidFill>
+          </a:ln>
+        </p:spPr>
+        <p:style>
+          <a:lnRef idx="2">
+            <a:schemeClr val="accent1">
+              <a:shade val="50000"/>
+            </a:schemeClr>
+          </a:lnRef>
+          <a:fillRef idx="1">
+            <a:schemeClr val="accent1"/>
+          </a:fillRef>
+          <a:effectRef idx="0">
+            <a:schemeClr val="accent1"/>
+          </a:effectRef>
+          <a:fontRef idx="minor">
+            <a:schemeClr val="lt1"/>
+          </a:fontRef>
+        </p:style>
+        <p:txBody>
+          <a:bodyPr rtlCol="0" anchor="ctr"/>
+          <a:lstStyle/>
+          <a:p>
+            <a:pPr algn="ctr"/>
+            <a:endParaRPr lang="zh-CN" altLang="en-US"/>
+          </a:p>
+        </p:txBody>
+      </p:sp>
     </p:spTree>
     <p:extLst>
       <p:ext uri="{BB962C8B-B14F-4D97-AF65-F5344CB8AC3E}">
@@ -29679,7 +30153,7 @@
 </p:sld>
 </file>
 
-<file path=ppt/slides/slide8.xml><?xml version="1.0" encoding="utf-8"?>
+<file path=ppt/slides/slide9.xml><?xml version="1.0" encoding="utf-8"?>
 <p:sld xmlns:a="http://schemas.openxmlformats.org/drawingml/2006/main" xmlns:r="http://schemas.openxmlformats.org/officeDocument/2006/relationships" xmlns:p="http://schemas.openxmlformats.org/presentationml/2006/main">
   <p:cSld>
     <p:spTree>
@@ -29780,127 +30254,6 @@
     <p:extLst>
       <p:ext uri="{BB962C8B-B14F-4D97-AF65-F5344CB8AC3E}">
         <p14:creationId xmlns:p14="http://schemas.microsoft.com/office/powerpoint/2010/main" val="4230804003"/>
-      </p:ext>
-    </p:extLst>
-  </p:cSld>
-  <p:clrMapOvr>
-    <a:masterClrMapping/>
-  </p:clrMapOvr>
-</p:sld>
-</file>
-
-<file path=ppt/slides/slide9.xml><?xml version="1.0" encoding="utf-8"?>
-<p:sld xmlns:a="http://schemas.openxmlformats.org/drawingml/2006/main" xmlns:r="http://schemas.openxmlformats.org/officeDocument/2006/relationships" xmlns:p="http://schemas.openxmlformats.org/presentationml/2006/main">
-  <p:cSld>
-    <p:spTree>
-      <p:nvGrpSpPr>
-        <p:cNvPr id="1" name=""/>
-        <p:cNvGrpSpPr/>
-        <p:nvPr/>
-      </p:nvGrpSpPr>
-      <p:grpSpPr>
-        <a:xfrm>
-          <a:off x="0" y="0"/>
-          <a:ext cx="0" cy="0"/>
-          <a:chOff x="0" y="0"/>
-          <a:chExt cx="0" cy="0"/>
-        </a:xfrm>
-      </p:grpSpPr>
-      <p:sp>
-        <p:nvSpPr>
-          <p:cNvPr id="2" name="Title 1">
-            <a:extLst>
-              <a:ext uri="{FF2B5EF4-FFF2-40B4-BE49-F238E27FC236}">
-                <a16:creationId xmlns:a16="http://schemas.microsoft.com/office/drawing/2014/main" id="{8162ED61-48D6-4C79-BB05-627C599D1528}"/>
-              </a:ext>
-            </a:extLst>
-          </p:cNvPr>
-          <p:cNvSpPr>
-            <a:spLocks noGrp="1"/>
-          </p:cNvSpPr>
-          <p:nvPr>
-            <p:ph type="title"/>
-          </p:nvPr>
-        </p:nvSpPr>
-        <p:spPr/>
-        <p:txBody>
-          <a:bodyPr/>
-          <a:lstStyle/>
-          <a:p>
-            <a:r>
-              <a:rPr lang="en-US" altLang="zh-CN" dirty="0"/>
-              <a:t>Peak picking &amp; alignment</a:t>
-            </a:r>
-            <a:endParaRPr lang="zh-CN" altLang="en-US" dirty="0"/>
-          </a:p>
-        </p:txBody>
-      </p:sp>
-      <p:sp>
-        <p:nvSpPr>
-          <p:cNvPr id="3" name="Content Placeholder 2">
-            <a:extLst>
-              <a:ext uri="{FF2B5EF4-FFF2-40B4-BE49-F238E27FC236}">
-                <a16:creationId xmlns:a16="http://schemas.microsoft.com/office/drawing/2014/main" id="{52E62FF2-705C-4D13-92C8-C5FD01552B69}"/>
-              </a:ext>
-            </a:extLst>
-          </p:cNvPr>
-          <p:cNvSpPr>
-            <a:spLocks noGrp="1"/>
-          </p:cNvSpPr>
-          <p:nvPr>
-            <p:ph idx="1"/>
-          </p:nvPr>
-        </p:nvSpPr>
-        <p:spPr/>
-        <p:txBody>
-          <a:bodyPr/>
-          <a:lstStyle/>
-          <a:p>
-            <a:r>
-              <a:rPr lang="en-US" altLang="zh-CN" dirty="0"/>
-              <a:t>Quality report</a:t>
-            </a:r>
-          </a:p>
-          <a:p>
-            <a:r>
-              <a:rPr lang="en-US" altLang="zh-CN" dirty="0" err="1"/>
-              <a:t>Oneline</a:t>
-            </a:r>
-            <a:r>
-              <a:rPr lang="en-US" altLang="zh-CN" dirty="0"/>
-              <a:t> vs </a:t>
-            </a:r>
-            <a:r>
-              <a:rPr lang="en-US" altLang="zh-CN"/>
-              <a:t>discrete steps</a:t>
-            </a:r>
-            <a:endParaRPr lang="en-US" altLang="zh-CN" dirty="0"/>
-          </a:p>
-          <a:p>
-            <a:r>
-              <a:rPr lang="en-US" altLang="zh-CN" dirty="0"/>
-              <a:t>Modeling?</a:t>
-            </a:r>
-          </a:p>
-          <a:p>
-            <a:r>
-              <a:rPr lang="en-US" altLang="zh-CN" dirty="0"/>
-              <a:t>One-line processing</a:t>
-            </a:r>
-          </a:p>
-          <a:p>
-            <a:r>
-              <a:rPr lang="en-US" altLang="zh-CN" dirty="0"/>
-              <a:t>Show benchmark</a:t>
-            </a:r>
-            <a:endParaRPr lang="zh-CN" altLang="en-US" dirty="0"/>
-          </a:p>
-        </p:txBody>
-      </p:sp>
-    </p:spTree>
-    <p:extLst>
-      <p:ext uri="{BB962C8B-B14F-4D97-AF65-F5344CB8AC3E}">
-        <p14:creationId xmlns:p14="http://schemas.microsoft.com/office/powerpoint/2010/main" val="3347890718"/>
       </p:ext>
     </p:extLst>
   </p:cSld>

--- a/doc/20210326 ACS presentation.pptx
+++ b/doc/20210326 ACS presentation.pptx
@@ -8860,7 +8860,7 @@
   <dgm:whole/>
   <dgm:extLst>
     <a:ext uri="http://schemas.microsoft.com/office/drawing/2008/diagram">
-      <dsp:dataModelExt xmlns:dsp="http://schemas.microsoft.com/office/drawing/2008/diagram" relId="rId9" minVer="http://schemas.openxmlformats.org/drawingml/2006/diagram"/>
+      <dsp:dataModelExt xmlns:dsp="http://schemas.microsoft.com/office/drawing/2008/diagram" relId="rId8" minVer="http://schemas.openxmlformats.org/drawingml/2006/diagram"/>
     </a:ext>
   </dgm:extLst>
 </dgm:dataModel>
@@ -9114,7 +9114,9 @@
         <a:lstStyle/>
         <a:p>
           <a:r>
-            <a:rPr lang="en-US"/>
+            <a:rPr lang="en-US" dirty="0">
+              <a:latin typeface="Proxima nova"/>
+            </a:rPr>
             <a:t>Statistical analysis</a:t>
           </a:r>
         </a:p>
@@ -9127,7 +9129,9 @@
         <a:bodyPr/>
         <a:lstStyle/>
         <a:p>
-          <a:endParaRPr lang="en-US"/>
+          <a:endParaRPr lang="en-US">
+            <a:latin typeface="Proxima nova"/>
+          </a:endParaRPr>
         </a:p>
       </dgm:t>
     </dgm:pt>
@@ -9138,7 +9142,9 @@
         <a:bodyPr/>
         <a:lstStyle/>
         <a:p>
-          <a:endParaRPr lang="en-US"/>
+          <a:endParaRPr lang="en-US">
+            <a:latin typeface="Proxima nova"/>
+          </a:endParaRPr>
         </a:p>
       </dgm:t>
     </dgm:pt>
@@ -9150,7 +9156,9 @@
         <a:lstStyle/>
         <a:p>
           <a:r>
-            <a:rPr lang="en-US" dirty="0"/>
+            <a:rPr lang="en-US" dirty="0">
+              <a:latin typeface="Proxima nova"/>
+            </a:rPr>
             <a:t>Clustering analysis</a:t>
           </a:r>
         </a:p>
@@ -9163,7 +9171,9 @@
         <a:bodyPr/>
         <a:lstStyle/>
         <a:p>
-          <a:endParaRPr lang="en-US"/>
+          <a:endParaRPr lang="en-US">
+            <a:latin typeface="Proxima nova"/>
+          </a:endParaRPr>
         </a:p>
       </dgm:t>
     </dgm:pt>
@@ -9174,7 +9184,9 @@
         <a:bodyPr/>
         <a:lstStyle/>
         <a:p>
-          <a:endParaRPr lang="en-US"/>
+          <a:endParaRPr lang="en-US">
+            <a:latin typeface="Proxima nova"/>
+          </a:endParaRPr>
         </a:p>
       </dgm:t>
     </dgm:pt>
@@ -9186,7 +9198,9 @@
         <a:lstStyle/>
         <a:p>
           <a:r>
-            <a:rPr lang="en-US" dirty="0"/>
+            <a:rPr lang="en-US" dirty="0">
+              <a:latin typeface="Proxima nova"/>
+            </a:rPr>
             <a:t>Modeling analysis</a:t>
           </a:r>
         </a:p>
@@ -9199,7 +9213,9 @@
         <a:bodyPr/>
         <a:lstStyle/>
         <a:p>
-          <a:endParaRPr lang="en-US"/>
+          <a:endParaRPr lang="en-US">
+            <a:latin typeface="Proxima nova"/>
+          </a:endParaRPr>
         </a:p>
       </dgm:t>
     </dgm:pt>
@@ -9210,7 +9226,9 @@
         <a:bodyPr/>
         <a:lstStyle/>
         <a:p>
-          <a:endParaRPr lang="en-US"/>
+          <a:endParaRPr lang="en-US">
+            <a:latin typeface="Proxima nova"/>
+          </a:endParaRPr>
         </a:p>
       </dgm:t>
     </dgm:pt>
@@ -13153,12 +13171,12 @@
         </a:fontRef>
       </dsp:style>
       <dsp:txBody>
-        <a:bodyPr spcFirstLastPara="0" vert="horz" wrap="square" lIns="171450" tIns="171450" rIns="171450" bIns="171450" numCol="1" spcCol="1270" anchor="ctr" anchorCtr="0">
+        <a:bodyPr spcFirstLastPara="0" vert="horz" wrap="square" lIns="175260" tIns="175260" rIns="175260" bIns="175260" numCol="1" spcCol="1270" anchor="ctr" anchorCtr="0">
           <a:noAutofit/>
         </a:bodyPr>
         <a:lstStyle/>
         <a:p>
-          <a:pPr marL="0" lvl="0" indent="0" algn="ctr" defTabSz="2000250">
+          <a:pPr marL="0" lvl="0" indent="0" algn="ctr" defTabSz="2044700">
             <a:lnSpc>
               <a:spcPct val="90000"/>
             </a:lnSpc>
@@ -13171,7 +13189,9 @@
             <a:buNone/>
           </a:pPr>
           <a:r>
-            <a:rPr lang="en-US" sz="4500" kern="1200"/>
+            <a:rPr lang="en-US" sz="4600" kern="1200" dirty="0">
+              <a:latin typeface="Proxima nova"/>
+            </a:rPr>
             <a:t>Statistical analysis</a:t>
           </a:r>
         </a:p>
@@ -13237,12 +13257,12 @@
         </a:fontRef>
       </dsp:style>
       <dsp:txBody>
-        <a:bodyPr spcFirstLastPara="0" vert="horz" wrap="square" lIns="171450" tIns="171450" rIns="171450" bIns="171450" numCol="1" spcCol="1270" anchor="ctr" anchorCtr="0">
+        <a:bodyPr spcFirstLastPara="0" vert="horz" wrap="square" lIns="175260" tIns="175260" rIns="175260" bIns="175260" numCol="1" spcCol="1270" anchor="ctr" anchorCtr="0">
           <a:noAutofit/>
         </a:bodyPr>
         <a:lstStyle/>
         <a:p>
-          <a:pPr marL="0" lvl="0" indent="0" algn="ctr" defTabSz="2000250">
+          <a:pPr marL="0" lvl="0" indent="0" algn="ctr" defTabSz="2044700">
             <a:lnSpc>
               <a:spcPct val="90000"/>
             </a:lnSpc>
@@ -13255,7 +13275,9 @@
             <a:buNone/>
           </a:pPr>
           <a:r>
-            <a:rPr lang="en-US" sz="4500" kern="1200" dirty="0"/>
+            <a:rPr lang="en-US" sz="4600" kern="1200" dirty="0">
+              <a:latin typeface="Proxima nova"/>
+            </a:rPr>
             <a:t>Clustering analysis</a:t>
           </a:r>
         </a:p>
@@ -13321,12 +13343,12 @@
         </a:fontRef>
       </dsp:style>
       <dsp:txBody>
-        <a:bodyPr spcFirstLastPara="0" vert="horz" wrap="square" lIns="171450" tIns="171450" rIns="171450" bIns="171450" numCol="1" spcCol="1270" anchor="ctr" anchorCtr="0">
+        <a:bodyPr spcFirstLastPara="0" vert="horz" wrap="square" lIns="175260" tIns="175260" rIns="175260" bIns="175260" numCol="1" spcCol="1270" anchor="ctr" anchorCtr="0">
           <a:noAutofit/>
         </a:bodyPr>
         <a:lstStyle/>
         <a:p>
-          <a:pPr marL="0" lvl="0" indent="0" algn="ctr" defTabSz="2000250">
+          <a:pPr marL="0" lvl="0" indent="0" algn="ctr" defTabSz="2044700">
             <a:lnSpc>
               <a:spcPct val="90000"/>
             </a:lnSpc>
@@ -13339,7 +13361,9 @@
             <a:buNone/>
           </a:pPr>
           <a:r>
-            <a:rPr lang="en-US" sz="4500" kern="1200" dirty="0"/>
+            <a:rPr lang="en-US" sz="4600" kern="1200" dirty="0">
+              <a:latin typeface="Proxima nova"/>
+            </a:rPr>
             <a:t>Modeling analysis</a:t>
           </a:r>
         </a:p>
@@ -34008,7 +34032,7 @@
             <p:ph idx="1"/>
             <p:extLst>
               <p:ext uri="{D42A27DB-BD31-4B8C-83A1-F6EECF244321}">
-                <p14:modId xmlns:p14="http://schemas.microsoft.com/office/powerpoint/2010/main" val="532521285"/>
+                <p14:modId xmlns:p14="http://schemas.microsoft.com/office/powerpoint/2010/main" val="2059584514"/>
               </p:ext>
             </p:extLst>
           </p:nvPr>
@@ -37564,7 +37588,7 @@
           <p:nvPr>
             <p:extLst>
               <p:ext uri="{D42A27DB-BD31-4B8C-83A1-F6EECF244321}">
-                <p14:modId xmlns:p14="http://schemas.microsoft.com/office/powerpoint/2010/main" val="2649224237"/>
+                <p14:modId xmlns:p14="http://schemas.microsoft.com/office/powerpoint/2010/main" val="1149663882"/>
               </p:ext>
             </p:extLst>
           </p:nvPr>
@@ -40122,16 +40146,16 @@
                     <a:p>
                       <a:pPr algn="ctr" fontAlgn="b"/>
                       <a:r>
-                        <a:rPr lang="zh-CN" altLang="en-US" sz="1600" b="1" u="none" strike="noStrike" cap="none" spc="0">
+                        <a:rPr lang="zh-CN" altLang="en-US" sz="1600" b="1" u="none" strike="noStrike" cap="none" spc="0" dirty="0">
                           <a:solidFill>
                             <a:schemeClr val="tx1"/>
                           </a:solidFill>
                           <a:effectLst/>
                           <a:latin typeface="Proxima nova"/>
                         </a:rPr>
-                        <a:t>△</a:t>
+                        <a:t>√</a:t>
                       </a:r>
-                      <a:endParaRPr lang="zh-CN" altLang="en-US" sz="1600" b="1" i="0" u="none" strike="noStrike" cap="none" spc="0">
+                      <a:endParaRPr lang="zh-CN" altLang="en-US" sz="1600" b="1" i="0" u="none" strike="noStrike" cap="none" spc="0" dirty="0">
                         <a:solidFill>
                           <a:schemeClr val="tx1"/>
                         </a:solidFill>
@@ -42065,7 +42089,7 @@
         <p:spPr>
           <a:xfrm>
             <a:off x="658761" y="4399740"/>
-            <a:ext cx="9315633" cy="400110"/>
+            <a:ext cx="9315633" cy="246221"/>
           </a:xfrm>
           <a:prstGeom prst="rect">
             <a:avLst/>
@@ -42077,24 +42101,6 @@
             <a:spAutoFit/>
           </a:bodyPr>
           <a:lstStyle/>
-          <a:p>
-            <a:r>
-              <a:rPr lang="zh-CN" altLang="en-US" sz="1000" dirty="0">
-                <a:solidFill>
-                  <a:schemeClr val="tx1"/>
-                </a:solidFill>
-              </a:rPr>
-              <a:t>△</a:t>
-            </a:r>
-            <a:r>
-              <a:rPr lang="en-US" altLang="zh-CN" sz="1000" dirty="0">
-                <a:solidFill>
-                  <a:schemeClr val="tx1"/>
-                </a:solidFill>
-              </a:rPr>
-              <a:t> The annotation tool is still under development</a:t>
-            </a:r>
-          </a:p>
           <a:p>
             <a:r>
               <a:rPr lang="en-US" altLang="zh-CN" sz="1000" dirty="0">
@@ -47552,7 +47558,7 @@
         <p:spPr>
           <a:xfrm>
             <a:off x="8109180" y="2283941"/>
-            <a:ext cx="3763223" cy="3231654"/>
+            <a:ext cx="3763223" cy="3524042"/>
           </a:xfrm>
           <a:prstGeom prst="rect">
             <a:avLst/>
@@ -47724,6 +47730,41 @@
                 <a:sym typeface="Source Sans Pro"/>
               </a:rPr>
               <a:t>pymzml 2.4.6 or higher</a:t>
+            </a:r>
+          </a:p>
+          <a:p>
+            <a:pPr marL="38100">
+              <a:spcBef>
+                <a:spcPts val="600"/>
+              </a:spcBef>
+              <a:buClr>
+                <a:schemeClr val="accent4"/>
+              </a:buClr>
+              <a:buSzPts val="3000"/>
+            </a:pPr>
+            <a:r>
+              <a:rPr lang="en-US" altLang="zh-CN" dirty="0" err="1">
+                <a:solidFill>
+                  <a:schemeClr val="tx1"/>
+                </a:solidFill>
+                <a:latin typeface="Segoe UI" panose="020B0502040204020203" pitchFamily="34" charset="0"/>
+                <a:ea typeface="Source Sans Pro"/>
+                <a:cs typeface="Segoe UI" panose="020B0502040204020203" pitchFamily="34" charset="0"/>
+                <a:sym typeface="Source Sans Pro"/>
+              </a:rPr>
+              <a:t>PeakUtils</a:t>
+            </a:r>
+            <a:r>
+              <a:rPr lang="en-US" altLang="zh-CN" dirty="0">
+                <a:solidFill>
+                  <a:schemeClr val="tx1"/>
+                </a:solidFill>
+                <a:latin typeface="Segoe UI" panose="020B0502040204020203" pitchFamily="34" charset="0"/>
+                <a:ea typeface="Source Sans Pro"/>
+                <a:cs typeface="Segoe UI" panose="020B0502040204020203" pitchFamily="34" charset="0"/>
+                <a:sym typeface="Source Sans Pro"/>
+              </a:rPr>
+              <a:t> 1.3.3 or higher</a:t>
             </a:r>
           </a:p>
           <a:p>
@@ -52002,8 +52043,8 @@
         </p:nvSpPr>
         <p:spPr>
           <a:xfrm>
-            <a:off x="6558130" y="6478392"/>
-            <a:ext cx="5391214" cy="276999"/>
+            <a:off x="6921941" y="6493781"/>
+            <a:ext cx="5391214" cy="246221"/>
           </a:xfrm>
           <a:prstGeom prst="rect">
             <a:avLst/>
@@ -52017,18 +52058,18 @@
           <a:lstStyle/>
           <a:p>
             <a:r>
-              <a:rPr lang="en-US" altLang="zh-CN" sz="1200" dirty="0"/>
+              <a:rPr lang="en-US" altLang="zh-CN" sz="1000" dirty="0"/>
               <a:t>* Score calculated from </a:t>
             </a:r>
             <a:r>
-              <a:rPr lang="en-US" altLang="zh-CN" sz="1200" dirty="0" err="1"/>
+              <a:rPr lang="en-US" altLang="zh-CN" sz="1000" dirty="0" err="1"/>
               <a:t>randomforest</a:t>
             </a:r>
             <a:r>
-              <a:rPr lang="en-US" altLang="zh-CN" sz="1200" dirty="0"/>
+              <a:rPr lang="en-US" altLang="zh-CN" sz="1000" dirty="0"/>
               <a:t> model, built on 5000 training dataset</a:t>
             </a:r>
-            <a:endParaRPr lang="zh-CN" altLang="en-US" sz="1200" dirty="0"/>
+            <a:endParaRPr lang="zh-CN" altLang="en-US" sz="1000" dirty="0"/>
           </a:p>
         </p:txBody>
       </p:sp>
@@ -53871,36 +53912,6 @@
       </p:pic>
       <p:pic>
         <p:nvPicPr>
-          <p:cNvPr id="6" name="Picture 5">
-            <a:extLst>
-              <a:ext uri="{FF2B5EF4-FFF2-40B4-BE49-F238E27FC236}">
-                <a16:creationId xmlns:a16="http://schemas.microsoft.com/office/drawing/2014/main" id="{83E76C66-E80D-4FD0-889C-7936C6610940}"/>
-              </a:ext>
-            </a:extLst>
-          </p:cNvPr>
-          <p:cNvPicPr>
-            <a:picLocks noChangeAspect="1"/>
-          </p:cNvPicPr>
-          <p:nvPr/>
-        </p:nvPicPr>
-        <p:blipFill>
-          <a:blip r:embed="rId3"/>
-          <a:stretch>
-            <a:fillRect/>
-          </a:stretch>
-        </p:blipFill>
-        <p:spPr>
-          <a:xfrm>
-            <a:off x="699105" y="3039870"/>
-            <a:ext cx="5114876" cy="3008751"/>
-          </a:xfrm>
-          <a:prstGeom prst="rect">
-            <a:avLst/>
-          </a:prstGeom>
-        </p:spPr>
-      </p:pic>
-      <p:pic>
-        <p:nvPicPr>
           <p:cNvPr id="9" name="Picture 8">
             <a:extLst>
               <a:ext uri="{FF2B5EF4-FFF2-40B4-BE49-F238E27FC236}">
@@ -53914,7 +53925,7 @@
           <p:nvPr/>
         </p:nvPicPr>
         <p:blipFill>
-          <a:blip r:embed="rId4"/>
+          <a:blip r:embed="rId3"/>
           <a:stretch>
             <a:fillRect/>
           </a:stretch>
@@ -53985,7 +53996,7 @@
         </p:xfrm>
         <a:graphic>
           <a:graphicData uri="http://schemas.openxmlformats.org/drawingml/2006/diagram">
-            <dgm:relIds xmlns:dgm="http://schemas.openxmlformats.org/drawingml/2006/diagram" xmlns:r="http://schemas.openxmlformats.org/officeDocument/2006/relationships" r:dm="rId5" r:lo="rId6" r:qs="rId7" r:cs="rId8"/>
+            <dgm:relIds xmlns:dgm="http://schemas.openxmlformats.org/drawingml/2006/diagram" xmlns:r="http://schemas.openxmlformats.org/officeDocument/2006/relationships" r:dm="rId4" r:lo="rId5" r:qs="rId6" r:cs="rId7"/>
           </a:graphicData>
         </a:graphic>
       </p:graphicFrame>
@@ -54038,6 +54049,36 @@
           </a:p>
         </p:txBody>
       </p:sp>
+      <p:pic>
+        <p:nvPicPr>
+          <p:cNvPr id="7" name="Picture 6">
+            <a:extLst>
+              <a:ext uri="{FF2B5EF4-FFF2-40B4-BE49-F238E27FC236}">
+                <a16:creationId xmlns:a16="http://schemas.microsoft.com/office/drawing/2014/main" id="{EDA3AE99-453C-498A-B1E7-73AEC5F70C7A}"/>
+              </a:ext>
+            </a:extLst>
+          </p:cNvPr>
+          <p:cNvPicPr>
+            <a:picLocks noChangeAspect="1"/>
+          </p:cNvPicPr>
+          <p:nvPr/>
+        </p:nvPicPr>
+        <p:blipFill>
+          <a:blip r:embed="rId9"/>
+          <a:stretch>
+            <a:fillRect/>
+          </a:stretch>
+        </p:blipFill>
+        <p:spPr>
+          <a:xfrm>
+            <a:off x="458698" y="2947094"/>
+            <a:ext cx="5486230" cy="2668139"/>
+          </a:xfrm>
+          <a:prstGeom prst="rect">
+            <a:avLst/>
+          </a:prstGeom>
+        </p:spPr>
+      </p:pic>
     </p:spTree>
     <p:extLst>
       <p:ext uri="{BB962C8B-B14F-4D97-AF65-F5344CB8AC3E}">
@@ -54897,7 +54938,7 @@
         </p:blipFill>
         <p:spPr>
           <a:xfrm>
-            <a:off x="4848318" y="260348"/>
+            <a:off x="5137956" y="665754"/>
             <a:ext cx="1916087" cy="532952"/>
           </a:xfrm>
           <a:prstGeom prst="rect">
@@ -54936,7 +54977,7 @@
         </p:nvSpPr>
         <p:spPr>
           <a:xfrm rot="19617009">
-            <a:off x="1616098" y="1986488"/>
+            <a:off x="2388454" y="3344917"/>
             <a:ext cx="727969" cy="391886"/>
           </a:xfrm>
           <a:prstGeom prst="rightArrow">
@@ -54989,7 +55030,7 @@
         </p:nvSpPr>
         <p:spPr>
           <a:xfrm rot="19391341">
-            <a:off x="4075516" y="475666"/>
+            <a:off x="4650551" y="1475081"/>
             <a:ext cx="727969" cy="391886"/>
           </a:xfrm>
           <a:prstGeom prst="rightArrow">

--- a/doc/20210326 ACS presentation.pptx
+++ b/doc/20210326 ACS presentation.pptx
@@ -376,7 +376,7 @@
                     <a:cs typeface="+mn-cs"/>
                   </a:defRPr>
                 </a:pPr>
-                <a:endParaRPr lang="zh-CN"/>
+                <a:endParaRPr lang="en-US"/>
               </a:p>
             </c:txPr>
             <c:dLblPos val="inEnd"/>
@@ -491,7 +491,7 @@
               <a:cs typeface="+mn-cs"/>
             </a:defRPr>
           </a:pPr>
-          <a:endParaRPr lang="zh-CN"/>
+          <a:endParaRPr lang="en-US"/>
         </a:p>
       </c:txPr>
     </c:legend>
@@ -535,7 +535,7 @@
       <a:pPr>
         <a:defRPr/>
       </a:pPr>
-      <a:endParaRPr lang="zh-CN"/>
+      <a:endParaRPr lang="en-US"/>
     </a:p>
   </c:txPr>
   <c:externalData r:id="rId3">
@@ -7682,37 +7682,6 @@
               </a:solidFill>
             </a:rPr>
             <a:t>-Python is popular</a:t>
-          </a:r>
-        </a:p>
-        <a:p>
-          <a:pPr>
-            <a:lnSpc>
-              <a:spcPct val="100000"/>
-            </a:lnSpc>
-          </a:pPr>
-          <a:endParaRPr lang="en-US" sz="1800" dirty="0">
-            <a:solidFill>
-              <a:schemeClr val="accent1">
-                <a:lumMod val="75000"/>
-              </a:schemeClr>
-            </a:solidFill>
-          </a:endParaRPr>
-        </a:p>
-        <a:p>
-          <a:pPr>
-            <a:lnSpc>
-              <a:spcPct val="100000"/>
-            </a:lnSpc>
-          </a:pPr>
-          <a:r>
-            <a:rPr lang="en-US" sz="1800" dirty="0">
-              <a:solidFill>
-                <a:schemeClr val="accent1">
-                  <a:lumMod val="75000"/>
-                </a:schemeClr>
-              </a:solidFill>
-            </a:rPr>
-            <a:t>-Flexible options</a:t>
           </a:r>
         </a:p>
         <a:p>
@@ -8925,7 +8894,7 @@
         <a:p>
           <a:r>
             <a:rPr lang="en-US" dirty="0"/>
-            <a:t>Validation using in-house standards</a:t>
+            <a:t>Annotation with in-house standards</a:t>
           </a:r>
         </a:p>
       </dgm:t>
@@ -12318,51 +12287,6 @@
                 </a:schemeClr>
               </a:solidFill>
             </a:rPr>
-            <a:t>-Flexible options</a:t>
-          </a:r>
-        </a:p>
-        <a:p>
-          <a:pPr marL="0" lvl="0" indent="0" algn="l" defTabSz="800100">
-            <a:lnSpc>
-              <a:spcPct val="100000"/>
-            </a:lnSpc>
-            <a:spcBef>
-              <a:spcPct val="0"/>
-            </a:spcBef>
-            <a:spcAft>
-              <a:spcPct val="35000"/>
-            </a:spcAft>
-            <a:buNone/>
-          </a:pPr>
-          <a:endParaRPr lang="en-US" sz="1800" kern="1200" dirty="0">
-            <a:solidFill>
-              <a:schemeClr val="accent1">
-                <a:lumMod val="75000"/>
-              </a:schemeClr>
-            </a:solidFill>
-          </a:endParaRPr>
-        </a:p>
-        <a:p>
-          <a:pPr marL="0" lvl="0" indent="0" algn="l" defTabSz="800100">
-            <a:lnSpc>
-              <a:spcPct val="100000"/>
-            </a:lnSpc>
-            <a:spcBef>
-              <a:spcPct val="0"/>
-            </a:spcBef>
-            <a:spcAft>
-              <a:spcPct val="35000"/>
-            </a:spcAft>
-            <a:buNone/>
-          </a:pPr>
-          <a:r>
-            <a:rPr lang="en-US" sz="1800" kern="1200" dirty="0">
-              <a:solidFill>
-                <a:schemeClr val="accent1">
-                  <a:lumMod val="75000"/>
-                </a:schemeClr>
-              </a:solidFill>
-            </a:rPr>
             <a:t>-Different angle of view</a:t>
           </a:r>
         </a:p>
@@ -13094,7 +13018,7 @@
           </a:pPr>
           <a:r>
             <a:rPr lang="en-US" sz="2500" kern="1200" dirty="0"/>
-            <a:t>Validation using in-house standards</a:t>
+            <a:t>Annotation with in-house standards</a:t>
           </a:r>
         </a:p>
       </dsp:txBody>
@@ -27726,7 +27650,7 @@
           <a:p>
             <a:fld id="{181E8529-792C-43C9-8979-6F67AD67ABED}" type="datetimeFigureOut">
               <a:rPr lang="zh-CN" altLang="en-US" smtClean="0"/>
-              <a:t>2021/3/30</a:t>
+              <a:t>2021/3/31</a:t>
             </a:fld>
             <a:endParaRPr lang="zh-CN" altLang="en-US"/>
           </a:p>
@@ -35964,7 +35888,7 @@
               <a:rPr lang="en-US" altLang="zh-CN" sz="3600" dirty="0">
                 <a:latin typeface="Proxima nova"/>
               </a:rPr>
-              <a:t>Modeling analysis</a:t>
+              <a:t>Quantitative analysis</a:t>
             </a:r>
             <a:endParaRPr lang="zh-CN" altLang="en-US" sz="3600" dirty="0">
               <a:latin typeface="Proxima nova"/>
@@ -37588,14 +37512,14 @@
           <p:nvPr>
             <p:extLst>
               <p:ext uri="{D42A27DB-BD31-4B8C-83A1-F6EECF244321}">
-                <p14:modId xmlns:p14="http://schemas.microsoft.com/office/powerpoint/2010/main" val="1149663882"/>
+                <p14:modId xmlns:p14="http://schemas.microsoft.com/office/powerpoint/2010/main" val="404679195"/>
               </p:ext>
             </p:extLst>
           </p:nvPr>
         </p:nvGraphicFramePr>
         <p:xfrm>
-          <a:off x="731600" y="198531"/>
-          <a:ext cx="10492577" cy="4187494"/>
+          <a:off x="1406406" y="273206"/>
+          <a:ext cx="9330027" cy="4126534"/>
         </p:xfrm>
         <a:graphic>
           <a:graphicData uri="http://schemas.openxmlformats.org/drawingml/2006/table">
@@ -37644,13 +37568,6 @@
                   <a:extLst>
                     <a:ext uri="{9D8B030D-6E8A-4147-A177-3AD203B41FA5}">
                       <a16:colId xmlns:a16="http://schemas.microsoft.com/office/drawing/2014/main" val="996509196"/>
-                    </a:ext>
-                  </a:extLst>
-                </a:gridCol>
-                <a:gridCol w="1162550">
-                  <a:extLst>
-                    <a:ext uri="{9D8B030D-6E8A-4147-A177-3AD203B41FA5}">
-                      <a16:colId xmlns:a16="http://schemas.microsoft.com/office/drawing/2014/main" val="3015835081"/>
                     </a:ext>
                   </a:extLst>
                 </a:gridCol>
@@ -38016,76 +37933,6 @@
                     <a:noFill/>
                   </a:tcPr>
                 </a:tc>
-                <a:tc>
-                  <a:txBody>
-                    <a:bodyPr/>
-                    <a:lstStyle/>
-                    <a:p>
-                      <a:pPr algn="ctr" fontAlgn="b"/>
-                      <a:r>
-                        <a:rPr lang="en-US" sz="1600" u="none" strike="noStrike" cap="none" spc="0" dirty="0" err="1">
-                          <a:solidFill>
-                            <a:schemeClr val="tx1"/>
-                          </a:solidFill>
-                          <a:effectLst/>
-                        </a:rPr>
-                        <a:t>Profinder</a:t>
-                      </a:r>
-                      <a:endParaRPr lang="en-US" sz="1600" u="none" strike="noStrike" cap="none" spc="0" dirty="0">
-                        <a:solidFill>
-                          <a:schemeClr val="tx1"/>
-                        </a:solidFill>
-                        <a:effectLst/>
-                      </a:endParaRPr>
-                    </a:p>
-                    <a:p>
-                      <a:pPr algn="ctr" fontAlgn="b"/>
-                      <a:r>
-                        <a:rPr lang="en-US" sz="1600" u="none" strike="noStrike" cap="none" spc="0" dirty="0">
-                          <a:solidFill>
-                            <a:schemeClr val="tx1"/>
-                          </a:solidFill>
-                          <a:effectLst/>
-                        </a:rPr>
-                        <a:t>&amp; MPP</a:t>
-                      </a:r>
-                      <a:endParaRPr lang="en-US" sz="1600" b="0" i="0" u="none" strike="noStrike" cap="none" spc="0" dirty="0">
-                        <a:solidFill>
-                          <a:schemeClr val="tx1"/>
-                        </a:solidFill>
-                        <a:effectLst/>
-                        <a:latin typeface="等线" panose="02010600030101010101" pitchFamily="2" charset="-122"/>
-                        <a:ea typeface="等线" panose="02010600030101010101" pitchFamily="2" charset="-122"/>
-                      </a:endParaRPr>
-                    </a:p>
-                  </a:txBody>
-                  <a:tcPr marL="0" marR="9189" marT="26463" marB="88211" anchor="b">
-                    <a:lnL w="12700" cmpd="sng">
-                      <a:noFill/>
-                      <a:prstDash val="solid"/>
-                    </a:lnL>
-                    <a:lnR w="12700" cmpd="sng">
-                      <a:noFill/>
-                      <a:prstDash val="solid"/>
-                    </a:lnR>
-                    <a:lnT w="9525" cap="flat" cmpd="sng" algn="ctr">
-                      <a:solidFill>
-                        <a:schemeClr val="tx1"/>
-                      </a:solidFill>
-                      <a:prstDash val="solid"/>
-                    </a:lnT>
-                    <a:lnB w="12700" cap="flat" cmpd="sng" algn="ctr">
-                      <a:solidFill>
-                        <a:schemeClr val="tx1"/>
-                      </a:solidFill>
-                      <a:prstDash val="solid"/>
-                      <a:round/>
-                      <a:headEnd type="none" w="med" len="med"/>
-                      <a:tailEnd type="none" w="med" len="med"/>
-                    </a:lnB>
-                    <a:noFill/>
-                  </a:tcPr>
-                </a:tc>
                 <a:extLst>
                   <a:ext uri="{0D108BD9-81ED-4DB2-BD59-A6C34878D82A}">
                     <a16:rowId xmlns:a16="http://schemas.microsoft.com/office/drawing/2014/main" val="4186498272"/>
@@ -38385,52 +38232,6 @@
                         <a:t>C#</a:t>
                       </a:r>
                       <a:endParaRPr lang="en-US" sz="1600" b="0" i="0" u="none" strike="noStrike" cap="none" spc="0" dirty="0">
-                        <a:solidFill>
-                          <a:schemeClr val="tx1"/>
-                        </a:solidFill>
-                        <a:effectLst/>
-                        <a:latin typeface="等线" panose="02010600030101010101" pitchFamily="2" charset="-122"/>
-                        <a:ea typeface="等线" panose="02010600030101010101" pitchFamily="2" charset="-122"/>
-                      </a:endParaRPr>
-                    </a:p>
-                  </a:txBody>
-                  <a:tcPr marL="0" marR="9189" marT="26463" marB="88211" anchor="b">
-                    <a:lnL w="12700" cmpd="sng">
-                      <a:noFill/>
-                      <a:prstDash val="solid"/>
-                    </a:lnL>
-                    <a:lnR w="12700" cmpd="sng">
-                      <a:noFill/>
-                      <a:prstDash val="solid"/>
-                    </a:lnR>
-                    <a:lnT w="12700" cap="flat" cmpd="sng" algn="ctr">
-                      <a:solidFill>
-                        <a:schemeClr val="tx1"/>
-                      </a:solidFill>
-                      <a:prstDash val="solid"/>
-                      <a:round/>
-                      <a:headEnd type="none" w="med" len="med"/>
-                      <a:tailEnd type="none" w="med" len="med"/>
-                    </a:lnT>
-                    <a:lnB w="12700" cap="flat" cmpd="sng" algn="ctr">
-                      <a:solidFill>
-                        <a:schemeClr val="tx1"/>
-                      </a:solidFill>
-                      <a:prstDash val="solid"/>
-                      <a:round/>
-                      <a:headEnd type="none" w="med" len="med"/>
-                      <a:tailEnd type="none" w="med" len="med"/>
-                    </a:lnB>
-                    <a:noFill/>
-                  </a:tcPr>
-                </a:tc>
-                <a:tc>
-                  <a:txBody>
-                    <a:bodyPr/>
-                    <a:lstStyle/>
-                    <a:p>
-                      <a:pPr algn="ctr" fontAlgn="b"/>
-                      <a:endParaRPr lang="zh-CN" altLang="en-US" sz="1600" b="0" i="0" u="none" strike="noStrike" cap="none" spc="0" dirty="0">
                         <a:solidFill>
                           <a:schemeClr val="tx1"/>
                         </a:solidFill>
@@ -38823,62 +38624,6 @@
                     <a:noFill/>
                   </a:tcPr>
                 </a:tc>
-                <a:tc>
-                  <a:txBody>
-                    <a:bodyPr/>
-                    <a:lstStyle/>
-                    <a:p>
-                      <a:pPr algn="ctr" fontAlgn="b"/>
-                      <a:r>
-                        <a:rPr lang="zh-CN" altLang="en-US" sz="1600" b="1" u="none" strike="noStrike" cap="none" spc="0" dirty="0">
-                          <a:solidFill>
-                            <a:schemeClr val="tx1"/>
-                          </a:solidFill>
-                          <a:effectLst/>
-                          <a:latin typeface="Proxima nova"/>
-                        </a:rPr>
-                        <a:t>√</a:t>
-                      </a:r>
-                      <a:endParaRPr lang="zh-CN" altLang="en-US" sz="1600" b="1" i="0" u="none" strike="noStrike" cap="none" spc="0" dirty="0">
-                        <a:solidFill>
-                          <a:schemeClr val="tx1"/>
-                        </a:solidFill>
-                        <a:effectLst/>
-                        <a:latin typeface="Proxima nova"/>
-                        <a:ea typeface="等线" panose="02010600030101010101" pitchFamily="2" charset="-122"/>
-                      </a:endParaRPr>
-                    </a:p>
-                  </a:txBody>
-                  <a:tcPr marL="0" marR="9189" marT="26463" marB="88211" anchor="b">
-                    <a:lnL w="12700" cmpd="sng">
-                      <a:noFill/>
-                      <a:prstDash val="solid"/>
-                    </a:lnL>
-                    <a:lnR w="12700" cmpd="sng">
-                      <a:noFill/>
-                      <a:prstDash val="solid"/>
-                    </a:lnR>
-                    <a:lnT w="12700" cap="flat" cmpd="sng" algn="ctr">
-                      <a:solidFill>
-                        <a:schemeClr val="tx1"/>
-                      </a:solidFill>
-                      <a:prstDash val="solid"/>
-                      <a:round/>
-                      <a:headEnd type="none" w="med" len="med"/>
-                      <a:tailEnd type="none" w="med" len="med"/>
-                    </a:lnT>
-                    <a:lnB w="12700" cap="flat" cmpd="sng" algn="ctr">
-                      <a:solidFill>
-                        <a:schemeClr val="tx1"/>
-                      </a:solidFill>
-                      <a:prstDash val="solid"/>
-                      <a:round/>
-                      <a:headEnd type="none" w="med" len="med"/>
-                      <a:tailEnd type="none" w="med" len="med"/>
-                    </a:lnB>
-                    <a:noFill/>
-                  </a:tcPr>
-                </a:tc>
                 <a:extLst>
                   <a:ext uri="{0D108BD9-81ED-4DB2-BD59-A6C34878D82A}">
                     <a16:rowId xmlns:a16="http://schemas.microsoft.com/office/drawing/2014/main" val="3804304144"/>
@@ -39183,62 +38928,6 @@
                         <a:t>×</a:t>
                       </a:r>
                       <a:endParaRPr lang="en-US" altLang="zh-CN" sz="1600" b="1" i="0" u="none" strike="noStrike" cap="none" spc="0">
-                        <a:solidFill>
-                          <a:schemeClr val="tx1"/>
-                        </a:solidFill>
-                        <a:effectLst/>
-                        <a:latin typeface="Proxima nova"/>
-                        <a:ea typeface="等线" panose="02010600030101010101" pitchFamily="2" charset="-122"/>
-                      </a:endParaRPr>
-                    </a:p>
-                  </a:txBody>
-                  <a:tcPr marL="0" marR="9189" marT="26463" marB="88211" anchor="b">
-                    <a:lnL w="12700" cmpd="sng">
-                      <a:noFill/>
-                      <a:prstDash val="solid"/>
-                    </a:lnL>
-                    <a:lnR w="12700" cmpd="sng">
-                      <a:noFill/>
-                      <a:prstDash val="solid"/>
-                    </a:lnR>
-                    <a:lnT w="12700" cap="flat" cmpd="sng" algn="ctr">
-                      <a:solidFill>
-                        <a:schemeClr val="tx1"/>
-                      </a:solidFill>
-                      <a:prstDash val="solid"/>
-                      <a:round/>
-                      <a:headEnd type="none" w="med" len="med"/>
-                      <a:tailEnd type="none" w="med" len="med"/>
-                    </a:lnT>
-                    <a:lnB w="12700" cap="flat" cmpd="sng" algn="ctr">
-                      <a:solidFill>
-                        <a:schemeClr val="tx1"/>
-                      </a:solidFill>
-                      <a:prstDash val="solid"/>
-                      <a:round/>
-                      <a:headEnd type="none" w="med" len="med"/>
-                      <a:tailEnd type="none" w="med" len="med"/>
-                    </a:lnB>
-                    <a:noFill/>
-                  </a:tcPr>
-                </a:tc>
-                <a:tc>
-                  <a:txBody>
-                    <a:bodyPr/>
-                    <a:lstStyle/>
-                    <a:p>
-                      <a:pPr algn="ctr" fontAlgn="b"/>
-                      <a:r>
-                        <a:rPr lang="en-US" altLang="zh-CN" sz="1600" b="1" u="none" strike="noStrike" cap="none" spc="0" dirty="0">
-                          <a:solidFill>
-                            <a:schemeClr val="tx1"/>
-                          </a:solidFill>
-                          <a:effectLst/>
-                          <a:latin typeface="Proxima nova"/>
-                        </a:rPr>
-                        <a:t>×</a:t>
-                      </a:r>
-                      <a:endParaRPr lang="en-US" altLang="zh-CN" sz="1600" b="1" i="0" u="none" strike="noStrike" cap="none" spc="0" dirty="0">
                         <a:solidFill>
                           <a:schemeClr val="tx1"/>
                         </a:solidFill>
@@ -39621,62 +39310,6 @@
                     <a:noFill/>
                   </a:tcPr>
                 </a:tc>
-                <a:tc>
-                  <a:txBody>
-                    <a:bodyPr/>
-                    <a:lstStyle/>
-                    <a:p>
-                      <a:pPr algn="ctr" fontAlgn="b"/>
-                      <a:r>
-                        <a:rPr lang="en-US" altLang="zh-CN" sz="1600" b="1" u="none" strike="noStrike" cap="none" spc="0" dirty="0">
-                          <a:solidFill>
-                            <a:schemeClr val="tx1"/>
-                          </a:solidFill>
-                          <a:effectLst/>
-                          <a:latin typeface="Proxima nova"/>
-                        </a:rPr>
-                        <a:t>×</a:t>
-                      </a:r>
-                      <a:endParaRPr lang="en-US" altLang="zh-CN" sz="1600" b="1" i="0" u="none" strike="noStrike" cap="none" spc="0" dirty="0">
-                        <a:solidFill>
-                          <a:schemeClr val="tx1"/>
-                        </a:solidFill>
-                        <a:effectLst/>
-                        <a:latin typeface="Proxima nova"/>
-                        <a:ea typeface="等线" panose="02010600030101010101" pitchFamily="2" charset="-122"/>
-                      </a:endParaRPr>
-                    </a:p>
-                  </a:txBody>
-                  <a:tcPr marL="0" marR="9189" marT="26463" marB="88211" anchor="b">
-                    <a:lnL w="12700" cmpd="sng">
-                      <a:noFill/>
-                      <a:prstDash val="solid"/>
-                    </a:lnL>
-                    <a:lnR w="12700" cmpd="sng">
-                      <a:noFill/>
-                      <a:prstDash val="solid"/>
-                    </a:lnR>
-                    <a:lnT w="12700" cap="flat" cmpd="sng" algn="ctr">
-                      <a:solidFill>
-                        <a:schemeClr val="tx1"/>
-                      </a:solidFill>
-                      <a:prstDash val="solid"/>
-                      <a:round/>
-                      <a:headEnd type="none" w="med" len="med"/>
-                      <a:tailEnd type="none" w="med" len="med"/>
-                    </a:lnT>
-                    <a:lnB w="12700" cap="flat" cmpd="sng" algn="ctr">
-                      <a:solidFill>
-                        <a:schemeClr val="tx1"/>
-                      </a:solidFill>
-                      <a:prstDash val="solid"/>
-                      <a:round/>
-                      <a:headEnd type="none" w="med" len="med"/>
-                      <a:tailEnd type="none" w="med" len="med"/>
-                    </a:lnB>
-                    <a:noFill/>
-                  </a:tcPr>
-                </a:tc>
                 <a:extLst>
                   <a:ext uri="{0D108BD9-81ED-4DB2-BD59-A6C34878D82A}">
                     <a16:rowId xmlns:a16="http://schemas.microsoft.com/office/drawing/2014/main" val="773024047"/>
@@ -39981,62 +39614,6 @@
                         <a:t>√</a:t>
                       </a:r>
                       <a:endParaRPr lang="zh-CN" altLang="en-US" sz="1600" b="1" i="0" u="none" strike="noStrike" cap="none" spc="0" dirty="0">
-                        <a:solidFill>
-                          <a:schemeClr val="tx1"/>
-                        </a:solidFill>
-                        <a:effectLst/>
-                        <a:latin typeface="Proxima nova"/>
-                        <a:ea typeface="等线" panose="02010600030101010101" pitchFamily="2" charset="-122"/>
-                      </a:endParaRPr>
-                    </a:p>
-                  </a:txBody>
-                  <a:tcPr marL="0" marR="9189" marT="26463" marB="88211" anchor="b">
-                    <a:lnL w="12700" cmpd="sng">
-                      <a:noFill/>
-                      <a:prstDash val="solid"/>
-                    </a:lnL>
-                    <a:lnR w="12700" cmpd="sng">
-                      <a:noFill/>
-                      <a:prstDash val="solid"/>
-                    </a:lnR>
-                    <a:lnT w="12700" cap="flat" cmpd="sng" algn="ctr">
-                      <a:solidFill>
-                        <a:schemeClr val="tx1"/>
-                      </a:solidFill>
-                      <a:prstDash val="solid"/>
-                      <a:round/>
-                      <a:headEnd type="none" w="med" len="med"/>
-                      <a:tailEnd type="none" w="med" len="med"/>
-                    </a:lnT>
-                    <a:lnB w="12700" cap="flat" cmpd="sng" algn="ctr">
-                      <a:solidFill>
-                        <a:schemeClr val="tx1"/>
-                      </a:solidFill>
-                      <a:prstDash val="solid"/>
-                      <a:round/>
-                      <a:headEnd type="none" w="med" len="med"/>
-                      <a:tailEnd type="none" w="med" len="med"/>
-                    </a:lnB>
-                    <a:noFill/>
-                  </a:tcPr>
-                </a:tc>
-                <a:tc>
-                  <a:txBody>
-                    <a:bodyPr/>
-                    <a:lstStyle/>
-                    <a:p>
-                      <a:pPr algn="ctr" fontAlgn="b"/>
-                      <a:r>
-                        <a:rPr lang="en-US" altLang="zh-CN" sz="1600" b="1" u="none" strike="noStrike" cap="none" spc="0" dirty="0">
-                          <a:solidFill>
-                            <a:schemeClr val="tx1"/>
-                          </a:solidFill>
-                          <a:effectLst/>
-                          <a:latin typeface="Proxima nova"/>
-                        </a:rPr>
-                        <a:t>×</a:t>
-                      </a:r>
-                      <a:endParaRPr lang="en-US" altLang="zh-CN" sz="1600" b="1" i="0" u="none" strike="noStrike" cap="none" spc="0" dirty="0">
                         <a:solidFill>
                           <a:schemeClr val="tx1"/>
                         </a:solidFill>
@@ -40419,62 +39996,6 @@
                     <a:noFill/>
                   </a:tcPr>
                 </a:tc>
-                <a:tc>
-                  <a:txBody>
-                    <a:bodyPr/>
-                    <a:lstStyle/>
-                    <a:p>
-                      <a:pPr algn="ctr" fontAlgn="b"/>
-                      <a:r>
-                        <a:rPr lang="zh-CN" altLang="en-US" sz="1600" b="1" u="none" strike="noStrike" cap="none" spc="0" dirty="0">
-                          <a:solidFill>
-                            <a:schemeClr val="tx1"/>
-                          </a:solidFill>
-                          <a:effectLst/>
-                          <a:latin typeface="Proxima nova"/>
-                        </a:rPr>
-                        <a:t>√</a:t>
-                      </a:r>
-                      <a:endParaRPr lang="zh-CN" altLang="en-US" sz="1600" b="1" i="0" u="none" strike="noStrike" cap="none" spc="0" dirty="0">
-                        <a:solidFill>
-                          <a:schemeClr val="tx1"/>
-                        </a:solidFill>
-                        <a:effectLst/>
-                        <a:latin typeface="Proxima nova"/>
-                        <a:ea typeface="等线" panose="02010600030101010101" pitchFamily="2" charset="-122"/>
-                      </a:endParaRPr>
-                    </a:p>
-                  </a:txBody>
-                  <a:tcPr marL="0" marR="9189" marT="26463" marB="88211" anchor="b">
-                    <a:lnL w="12700" cmpd="sng">
-                      <a:noFill/>
-                      <a:prstDash val="solid"/>
-                    </a:lnL>
-                    <a:lnR w="12700" cmpd="sng">
-                      <a:noFill/>
-                      <a:prstDash val="solid"/>
-                    </a:lnR>
-                    <a:lnT w="12700" cap="flat" cmpd="sng" algn="ctr">
-                      <a:solidFill>
-                        <a:schemeClr val="tx1"/>
-                      </a:solidFill>
-                      <a:prstDash val="solid"/>
-                      <a:round/>
-                      <a:headEnd type="none" w="med" len="med"/>
-                      <a:tailEnd type="none" w="med" len="med"/>
-                    </a:lnT>
-                    <a:lnB w="12700" cap="flat" cmpd="sng" algn="ctr">
-                      <a:solidFill>
-                        <a:schemeClr val="tx1"/>
-                      </a:solidFill>
-                      <a:prstDash val="solid"/>
-                      <a:round/>
-                      <a:headEnd type="none" w="med" len="med"/>
-                      <a:tailEnd type="none" w="med" len="med"/>
-                    </a:lnB>
-                    <a:noFill/>
-                  </a:tcPr>
-                </a:tc>
                 <a:extLst>
                   <a:ext uri="{0D108BD9-81ED-4DB2-BD59-A6C34878D82A}">
                     <a16:rowId xmlns:a16="http://schemas.microsoft.com/office/drawing/2014/main" val="503558427"/>
@@ -40611,62 +40132,6 @@
                         <a:t>×</a:t>
                       </a:r>
                       <a:endParaRPr lang="en-US" altLang="zh-CN" sz="1600" b="1" i="0" u="none" strike="noStrike" cap="none" spc="0">
-                        <a:solidFill>
-                          <a:schemeClr val="tx1"/>
-                        </a:solidFill>
-                        <a:effectLst/>
-                        <a:latin typeface="Proxima nova"/>
-                        <a:ea typeface="等线" panose="02010600030101010101" pitchFamily="2" charset="-122"/>
-                      </a:endParaRPr>
-                    </a:p>
-                  </a:txBody>
-                  <a:tcPr marL="0" marR="9189" marT="26463" marB="88211" anchor="b">
-                    <a:lnL w="12700" cmpd="sng">
-                      <a:noFill/>
-                      <a:prstDash val="solid"/>
-                    </a:lnL>
-                    <a:lnR w="12700" cmpd="sng">
-                      <a:noFill/>
-                      <a:prstDash val="solid"/>
-                    </a:lnR>
-                    <a:lnT w="12700" cap="flat" cmpd="sng" algn="ctr">
-                      <a:solidFill>
-                        <a:schemeClr val="tx1"/>
-                      </a:solidFill>
-                      <a:prstDash val="solid"/>
-                      <a:round/>
-                      <a:headEnd type="none" w="med" len="med"/>
-                      <a:tailEnd type="none" w="med" len="med"/>
-                    </a:lnT>
-                    <a:lnB w="12700" cap="flat" cmpd="sng" algn="ctr">
-                      <a:solidFill>
-                        <a:schemeClr val="tx1"/>
-                      </a:solidFill>
-                      <a:prstDash val="solid"/>
-                      <a:round/>
-                      <a:headEnd type="none" w="med" len="med"/>
-                      <a:tailEnd type="none" w="med" len="med"/>
-                    </a:lnB>
-                    <a:noFill/>
-                  </a:tcPr>
-                </a:tc>
-                <a:tc>
-                  <a:txBody>
-                    <a:bodyPr/>
-                    <a:lstStyle/>
-                    <a:p>
-                      <a:pPr algn="ctr" fontAlgn="b"/>
-                      <a:r>
-                        <a:rPr lang="zh-CN" altLang="en-US" sz="1600" b="1" u="none" strike="noStrike" cap="none" spc="0" dirty="0">
-                          <a:solidFill>
-                            <a:schemeClr val="tx1"/>
-                          </a:solidFill>
-                          <a:effectLst/>
-                          <a:latin typeface="Proxima nova"/>
-                        </a:rPr>
-                        <a:t>√</a:t>
-                      </a:r>
-                      <a:endParaRPr lang="zh-CN" altLang="en-US" sz="1600" b="1" i="0" u="none" strike="noStrike" cap="none" spc="0" dirty="0">
                         <a:solidFill>
                           <a:schemeClr val="tx1"/>
                         </a:solidFill>
@@ -41217,62 +40682,6 @@
                     <a:noFill/>
                   </a:tcPr>
                 </a:tc>
-                <a:tc>
-                  <a:txBody>
-                    <a:bodyPr/>
-                    <a:lstStyle/>
-                    <a:p>
-                      <a:pPr algn="ctr" fontAlgn="b"/>
-                      <a:r>
-                        <a:rPr lang="zh-CN" altLang="en-US" sz="1600" b="1" u="none" strike="noStrike" cap="none" spc="0" dirty="0">
-                          <a:solidFill>
-                            <a:schemeClr val="tx1"/>
-                          </a:solidFill>
-                          <a:effectLst/>
-                          <a:latin typeface="Proxima nova"/>
-                        </a:rPr>
-                        <a:t>√</a:t>
-                      </a:r>
-                      <a:endParaRPr lang="zh-CN" altLang="en-US" sz="1600" b="1" i="0" u="none" strike="noStrike" cap="none" spc="0" dirty="0">
-                        <a:solidFill>
-                          <a:schemeClr val="tx1"/>
-                        </a:solidFill>
-                        <a:effectLst/>
-                        <a:latin typeface="Proxima nova"/>
-                        <a:ea typeface="等线" panose="02010600030101010101" pitchFamily="2" charset="-122"/>
-                      </a:endParaRPr>
-                    </a:p>
-                  </a:txBody>
-                  <a:tcPr marL="0" marR="9189" marT="26463" marB="88211" anchor="b">
-                    <a:lnL w="12700" cmpd="sng">
-                      <a:noFill/>
-                      <a:prstDash val="solid"/>
-                    </a:lnL>
-                    <a:lnR w="12700" cmpd="sng">
-                      <a:noFill/>
-                      <a:prstDash val="solid"/>
-                    </a:lnR>
-                    <a:lnT w="12700" cap="flat" cmpd="sng" algn="ctr">
-                      <a:solidFill>
-                        <a:schemeClr val="tx1"/>
-                      </a:solidFill>
-                      <a:prstDash val="solid"/>
-                      <a:round/>
-                      <a:headEnd type="none" w="med" len="med"/>
-                      <a:tailEnd type="none" w="med" len="med"/>
-                    </a:lnT>
-                    <a:lnB w="12700" cap="flat" cmpd="sng" algn="ctr">
-                      <a:solidFill>
-                        <a:schemeClr val="tx1"/>
-                      </a:solidFill>
-                      <a:prstDash val="solid"/>
-                      <a:round/>
-                      <a:headEnd type="none" w="med" len="med"/>
-                      <a:tailEnd type="none" w="med" len="med"/>
-                    </a:lnB>
-                    <a:noFill/>
-                  </a:tcPr>
-                </a:tc>
                 <a:extLst>
                   <a:ext uri="{0D108BD9-81ED-4DB2-BD59-A6C34878D82A}">
                     <a16:rowId xmlns:a16="http://schemas.microsoft.com/office/drawing/2014/main" val="366599473"/>
@@ -41353,62 +40762,6 @@
                         <a:t>√</a:t>
                       </a:r>
                       <a:endParaRPr lang="zh-CN" altLang="en-US" sz="1600" b="1" i="0" u="none" strike="noStrike" cap="none" spc="0" dirty="0">
-                        <a:solidFill>
-                          <a:schemeClr val="tx1"/>
-                        </a:solidFill>
-                        <a:effectLst/>
-                        <a:latin typeface="Proxima nova"/>
-                        <a:ea typeface="等线" panose="02010600030101010101" pitchFamily="2" charset="-122"/>
-                      </a:endParaRPr>
-                    </a:p>
-                  </a:txBody>
-                  <a:tcPr marL="0" marR="9189" marT="26463" marB="88211" anchor="b">
-                    <a:lnL w="12700" cmpd="sng">
-                      <a:noFill/>
-                      <a:prstDash val="solid"/>
-                    </a:lnL>
-                    <a:lnR w="12700" cmpd="sng">
-                      <a:noFill/>
-                      <a:prstDash val="solid"/>
-                    </a:lnR>
-                    <a:lnT w="12700" cap="flat" cmpd="sng" algn="ctr">
-                      <a:solidFill>
-                        <a:schemeClr val="tx1"/>
-                      </a:solidFill>
-                      <a:prstDash val="solid"/>
-                      <a:round/>
-                      <a:headEnd type="none" w="med" len="med"/>
-                      <a:tailEnd type="none" w="med" len="med"/>
-                    </a:lnT>
-                    <a:lnB w="12700" cap="flat" cmpd="sng" algn="ctr">
-                      <a:solidFill>
-                        <a:schemeClr val="tx1"/>
-                      </a:solidFill>
-                      <a:prstDash val="solid"/>
-                      <a:round/>
-                      <a:headEnd type="none" w="med" len="med"/>
-                      <a:tailEnd type="none" w="med" len="med"/>
-                    </a:lnB>
-                    <a:noFill/>
-                  </a:tcPr>
-                </a:tc>
-                <a:tc>
-                  <a:txBody>
-                    <a:bodyPr/>
-                    <a:lstStyle/>
-                    <a:p>
-                      <a:pPr algn="ctr" fontAlgn="b"/>
-                      <a:r>
-                        <a:rPr lang="en-US" altLang="zh-CN" sz="1600" b="1" u="none" strike="noStrike" cap="none" spc="0" dirty="0">
-                          <a:solidFill>
-                            <a:schemeClr val="tx1"/>
-                          </a:solidFill>
-                          <a:effectLst/>
-                          <a:latin typeface="Proxima nova"/>
-                        </a:rPr>
-                        <a:t>×</a:t>
-                      </a:r>
-                      <a:endParaRPr lang="en-US" altLang="zh-CN" sz="1600" b="1" i="0" u="none" strike="noStrike" cap="none" spc="0" dirty="0">
                         <a:solidFill>
                           <a:schemeClr val="tx1"/>
                         </a:solidFill>
@@ -42008,62 +41361,6 @@
                     <a:noFill/>
                   </a:tcPr>
                 </a:tc>
-                <a:tc>
-                  <a:txBody>
-                    <a:bodyPr/>
-                    <a:lstStyle/>
-                    <a:p>
-                      <a:pPr algn="ctr" fontAlgn="b"/>
-                      <a:r>
-                        <a:rPr lang="en-US" altLang="zh-CN" sz="1600" b="1" u="none" strike="noStrike" cap="none" spc="0" dirty="0">
-                          <a:solidFill>
-                            <a:schemeClr val="tx1"/>
-                          </a:solidFill>
-                          <a:effectLst/>
-                          <a:latin typeface="Proxima nova"/>
-                        </a:rPr>
-                        <a:t>×</a:t>
-                      </a:r>
-                      <a:endParaRPr lang="en-US" altLang="zh-CN" sz="1600" b="1" i="0" u="none" strike="noStrike" cap="none" spc="0" dirty="0">
-                        <a:solidFill>
-                          <a:schemeClr val="tx1"/>
-                        </a:solidFill>
-                        <a:effectLst/>
-                        <a:latin typeface="Proxima nova"/>
-                        <a:ea typeface="等线" panose="02010600030101010101" pitchFamily="2" charset="-122"/>
-                      </a:endParaRPr>
-                    </a:p>
-                  </a:txBody>
-                  <a:tcPr marL="0" marR="9189" marT="26463" marB="88211" anchor="b">
-                    <a:lnL w="12700" cmpd="sng">
-                      <a:noFill/>
-                      <a:prstDash val="solid"/>
-                    </a:lnL>
-                    <a:lnR w="12700" cmpd="sng">
-                      <a:noFill/>
-                      <a:prstDash val="solid"/>
-                    </a:lnR>
-                    <a:lnT w="12700" cap="flat" cmpd="sng" algn="ctr">
-                      <a:solidFill>
-                        <a:schemeClr val="tx1"/>
-                      </a:solidFill>
-                      <a:prstDash val="solid"/>
-                      <a:round/>
-                      <a:headEnd type="none" w="med" len="med"/>
-                      <a:tailEnd type="none" w="med" len="med"/>
-                    </a:lnT>
-                    <a:lnB w="12700" cap="flat" cmpd="sng" algn="ctr">
-                      <a:solidFill>
-                        <a:schemeClr val="tx1"/>
-                      </a:solidFill>
-                      <a:prstDash val="solid"/>
-                      <a:round/>
-                      <a:headEnd type="none" w="med" len="med"/>
-                      <a:tailEnd type="none" w="med" len="med"/>
-                    </a:lnB>
-                    <a:noFill/>
-                  </a:tcPr>
-                </a:tc>
                 <a:extLst>
                   <a:ext uri="{0D108BD9-81ED-4DB2-BD59-A6C34878D82A}">
                     <a16:rowId xmlns:a16="http://schemas.microsoft.com/office/drawing/2014/main" val="1142500008"/>
@@ -42088,7 +41385,7 @@
         </p:nvSpPr>
         <p:spPr>
           <a:xfrm>
-            <a:off x="658761" y="4399740"/>
+            <a:off x="1406406" y="4399740"/>
             <a:ext cx="9315633" cy="246221"/>
           </a:xfrm>
           <a:prstGeom prst="rect">
@@ -46517,13 +45814,13 @@
             <p:ph idx="1"/>
             <p:extLst>
               <p:ext uri="{D42A27DB-BD31-4B8C-83A1-F6EECF244321}">
-                <p14:modId xmlns:p14="http://schemas.microsoft.com/office/powerpoint/2010/main" val="53797484"/>
+                <p14:modId xmlns:p14="http://schemas.microsoft.com/office/powerpoint/2010/main" val="3992253500"/>
               </p:ext>
             </p:extLst>
           </p:nvPr>
         </p:nvGraphicFramePr>
         <p:xfrm>
-          <a:off x="623009" y="628775"/>
+          <a:off x="594729" y="1071834"/>
           <a:ext cx="10753725" cy="4358587"/>
         </p:xfrm>
         <a:graphic>
@@ -51895,7 +51192,7 @@
         </p:blipFill>
         <p:spPr>
           <a:xfrm>
-            <a:off x="5345167" y="0"/>
+            <a:off x="5345167" y="9427"/>
             <a:ext cx="6846833" cy="2663301"/>
           </a:xfrm>
           <a:prstGeom prst="rect">
@@ -51947,8 +51244,8 @@
         </p:nvSpPr>
         <p:spPr>
           <a:xfrm>
-            <a:off x="0" y="282219"/>
-            <a:ext cx="4776186" cy="584775"/>
+            <a:off x="12946" y="66197"/>
+            <a:ext cx="4776186" cy="892552"/>
           </a:xfrm>
           <a:prstGeom prst="rect">
             <a:avLst/>
@@ -51969,7 +51266,17 @@
               </a:rPr>
               <a:t>Example showcase</a:t>
             </a:r>
-            <a:endParaRPr lang="zh-CN" altLang="en-US" sz="3200" b="1" dirty="0">
+          </a:p>
+          <a:p>
+            <a:r>
+              <a:rPr lang="en-US" altLang="zh-CN" sz="1800" b="1" dirty="0">
+                <a:solidFill>
+                  <a:schemeClr val="accent1"/>
+                </a:solidFill>
+              </a:rPr>
+              <a:t>Feature extraction &amp; alignment</a:t>
+            </a:r>
+            <a:endParaRPr lang="zh-CN" altLang="en-US" sz="1800" b="1" dirty="0">
               <a:solidFill>
                 <a:schemeClr val="accent1"/>
               </a:solidFill>
@@ -52155,7 +51462,7 @@
               <a:tabLst/>
             </a:pPr>
             <a:r>
-              <a:rPr kumimoji="0" lang="zh-CN" altLang="zh-CN" sz="1400" b="0" i="0" u="none" strike="noStrike" cap="none" normalizeH="0" baseline="0" dirty="0">
+              <a:rPr kumimoji="0" lang="zh-CN" altLang="zh-CN" sz="1400" b="1" i="0" u="none" strike="noStrike" cap="none" normalizeH="0" baseline="0" dirty="0">
                 <a:ln>
                   <a:noFill/>
                 </a:ln>
@@ -52692,12 +51999,12 @@
               <a:t>scans = </a:t>
             </a:r>
             <a:r>
-              <a:rPr kumimoji="0" lang="zh-CN" altLang="zh-CN" sz="1400" b="0" i="0" u="none" strike="noStrike" cap="none" normalizeH="0" baseline="0" dirty="0">
+              <a:rPr kumimoji="0" lang="zh-CN" altLang="zh-CN" sz="1400" b="1" i="0" u="none" strike="noStrike" cap="none" normalizeH="0" baseline="0" dirty="0">
                 <a:ln>
                   <a:noFill/>
                 </a:ln>
                 <a:solidFill>
-                  <a:srgbClr val="C13018"/>
+                  <a:srgbClr val="FF0000"/>
                 </a:solidFill>
                 <a:effectLst/>
                 <a:latin typeface="Proxima nova"/>
@@ -52762,7 +52069,7 @@
               </a:rPr>
             </a:br>
             <a:r>
-              <a:rPr kumimoji="0" lang="zh-CN" altLang="zh-CN" sz="1400" b="0" i="0" u="none" strike="noStrike" cap="none" normalizeH="0" baseline="0" dirty="0">
+              <a:rPr kumimoji="0" lang="zh-CN" altLang="zh-CN" sz="1400" b="1" i="0" u="none" strike="noStrike" cap="none" normalizeH="0" baseline="0" dirty="0">
                 <a:ln>
                   <a:noFill/>
                 </a:ln>
@@ -52863,7 +52170,7 @@
               </a:rPr>
             </a:br>
             <a:r>
-              <a:rPr kumimoji="0" lang="zh-CN" altLang="zh-CN" sz="1400" b="0" i="0" u="none" strike="noStrike" cap="none" normalizeH="0" baseline="0" dirty="0">
+              <a:rPr kumimoji="0" lang="zh-CN" altLang="zh-CN" sz="1400" b="1" i="0" u="none" strike="noStrike" cap="none" normalizeH="0" baseline="0" dirty="0">
                 <a:ln>
                   <a:noFill/>
                 </a:ln>
@@ -53047,8 +52354,8 @@
         </p:nvSpPr>
         <p:spPr>
           <a:xfrm>
-            <a:off x="0" y="282219"/>
-            <a:ext cx="4776186" cy="584775"/>
+            <a:off x="0" y="15618"/>
+            <a:ext cx="4776186" cy="892552"/>
           </a:xfrm>
           <a:prstGeom prst="rect">
             <a:avLst/>
@@ -53069,7 +52376,17 @@
               </a:rPr>
               <a:t>Example showcase</a:t>
             </a:r>
-            <a:endParaRPr lang="zh-CN" altLang="en-US" sz="3200" b="1" dirty="0">
+          </a:p>
+          <a:p>
+            <a:r>
+              <a:rPr lang="en-US" altLang="zh-CN" sz="1800" b="1" dirty="0">
+                <a:solidFill>
+                  <a:schemeClr val="accent1"/>
+                </a:solidFill>
+              </a:rPr>
+              <a:t>Data interactive interface</a:t>
+            </a:r>
+            <a:endParaRPr lang="zh-CN" altLang="en-US" sz="1800" b="1" dirty="0">
               <a:solidFill>
                 <a:schemeClr val="accent1"/>
               </a:solidFill>
@@ -54166,7 +53483,7 @@
             <p:ph idx="1"/>
             <p:extLst>
               <p:ext uri="{D42A27DB-BD31-4B8C-83A1-F6EECF244321}">
-                <p14:modId xmlns:p14="http://schemas.microsoft.com/office/powerpoint/2010/main" val="3055432040"/>
+                <p14:modId xmlns:p14="http://schemas.microsoft.com/office/powerpoint/2010/main" val="2513073945"/>
               </p:ext>
             </p:extLst>
           </p:nvPr>
@@ -54650,7 +53967,7 @@
               <a:rPr lang="en-US" altLang="zh-CN" sz="6600" dirty="0">
                 <a:latin typeface="Proxima nova"/>
               </a:rPr>
-              <a:t>In house sample validation</a:t>
+              <a:t>In house sample annotation</a:t>
             </a:r>
           </a:p>
         </p:txBody>
@@ -54697,8 +54014,8 @@
         </p:nvSpPr>
         <p:spPr>
           <a:xfrm>
-            <a:off x="0" y="6560165"/>
-            <a:ext cx="6456218" cy="276999"/>
+            <a:off x="-1" y="6560165"/>
+            <a:ext cx="8191893" cy="276999"/>
           </a:xfrm>
           <a:prstGeom prst="rect">
             <a:avLst/>
@@ -54717,7 +54034,7 @@
                   <a:schemeClr val="tx1"/>
                 </a:solidFill>
               </a:rPr>
-              <a:t>* Mismatch derives from bad peak shape and function parameter settings</a:t>
+              <a:t>* Mismatch derives from bad peak shape and function parameter settings, only matched through MS1 chromatograms</a:t>
             </a:r>
             <a:endParaRPr lang="zh-CN" altLang="en-US" sz="1200" dirty="0">
               <a:solidFill>
